--- a/Retail Sales Data Analysis.pptx
+++ b/Retail Sales Data Analysis.pptx
@@ -9,18 +9,18 @@
     <p:sldId id="257" r:id="rId3"/>
     <p:sldId id="258" r:id="rId4"/>
     <p:sldId id="259" r:id="rId5"/>
-    <p:sldId id="260" r:id="rId6"/>
-    <p:sldId id="262" r:id="rId7"/>
-    <p:sldId id="263" r:id="rId8"/>
-    <p:sldId id="264" r:id="rId9"/>
+    <p:sldId id="262" r:id="rId6"/>
+    <p:sldId id="263" r:id="rId7"/>
+    <p:sldId id="264" r:id="rId8"/>
+    <p:sldId id="260" r:id="rId9"/>
     <p:sldId id="261" r:id="rId10"/>
     <p:sldId id="265" r:id="rId11"/>
     <p:sldId id="266" r:id="rId12"/>
     <p:sldId id="267" r:id="rId13"/>
     <p:sldId id="268" r:id="rId14"/>
-    <p:sldId id="269" r:id="rId15"/>
-    <p:sldId id="270" r:id="rId16"/>
-    <p:sldId id="271" r:id="rId17"/>
+    <p:sldId id="271" r:id="rId15"/>
+    <p:sldId id="269" r:id="rId16"/>
+    <p:sldId id="270" r:id="rId17"/>
     <p:sldId id="272" r:id="rId18"/>
   </p:sldIdLst>
   <p:sldSz cx="12192000" cy="6858000"/>
@@ -120,7 +120,322 @@
       </a:defRPr>
     </a:lvl9pPr>
   </p:defaultTextStyle>
+  <p:extLst>
+    <p:ext uri="{EFAFB233-063F-42B5-8137-9DF3F51BA10A}">
+      <p15:sldGuideLst xmlns:p15="http://schemas.microsoft.com/office/powerpoint/2012/main"/>
+    </p:ext>
+  </p:extLst>
 </p:presentation>
+</file>
+
+<file path=ppt/revisionInfo.xml><?xml version="1.0" encoding="utf-8"?>
+<p1510:revInfo xmlns:a="http://schemas.openxmlformats.org/drawingml/2006/main" xmlns:r="http://schemas.openxmlformats.org/officeDocument/2006/relationships" xmlns:p1510="http://schemas.microsoft.com/office/powerpoint/2015/10/main">
+  <p1510:revLst>
+    <p1510:client id="{96E188A7-290F-47FA-B4D4-EB175F54C8CC}" v="16" dt="2025-06-05T06:12:40.954"/>
+  </p1510:revLst>
+</p1510:revInfo>
+</file>
+
+<file path=ppt/changesInfos/changesInfo1.xml><?xml version="1.0" encoding="utf-8"?>
+<pc:chgInfo xmlns:a="http://schemas.openxmlformats.org/drawingml/2006/main" xmlns:r="http://schemas.openxmlformats.org/officeDocument/2006/relationships" xmlns:ac="http://schemas.microsoft.com/office/drawing/2013/main/command" xmlns:pc="http://schemas.microsoft.com/office/powerpoint/2013/main/command">
+  <pc:docChgLst>
+    <pc:chgData name="Viswanath Parashuram Yadavalli" userId="382611aecaaed771" providerId="LiveId" clId="{96E188A7-290F-47FA-B4D4-EB175F54C8CC}"/>
+    <pc:docChg chg="modSld sldOrd">
+      <pc:chgData name="Viswanath Parashuram Yadavalli" userId="382611aecaaed771" providerId="LiveId" clId="{96E188A7-290F-47FA-B4D4-EB175F54C8CC}" dt="2025-06-05T07:08:28.618" v="63" actId="1035"/>
+      <pc:docMkLst>
+        <pc:docMk/>
+      </pc:docMkLst>
+      <pc:sldChg chg="addSp modSp mod">
+        <pc:chgData name="Viswanath Parashuram Yadavalli" userId="382611aecaaed771" providerId="LiveId" clId="{96E188A7-290F-47FA-B4D4-EB175F54C8CC}" dt="2025-06-05T06:09:29.070" v="10" actId="1076"/>
+        <pc:sldMkLst>
+          <pc:docMk/>
+          <pc:sldMk cId="587140807" sldId="257"/>
+        </pc:sldMkLst>
+        <pc:picChg chg="add mod">
+          <ac:chgData name="Viswanath Parashuram Yadavalli" userId="382611aecaaed771" providerId="LiveId" clId="{96E188A7-290F-47FA-B4D4-EB175F54C8CC}" dt="2025-06-05T06:09:29.070" v="10" actId="1076"/>
+          <ac:picMkLst>
+            <pc:docMk/>
+            <pc:sldMk cId="587140807" sldId="257"/>
+            <ac:picMk id="4" creationId="{CA981FAE-134F-91DF-B9D1-223DDE000940}"/>
+          </ac:picMkLst>
+        </pc:picChg>
+      </pc:sldChg>
+      <pc:sldChg chg="addSp modSp mod">
+        <pc:chgData name="Viswanath Parashuram Yadavalli" userId="382611aecaaed771" providerId="LiveId" clId="{96E188A7-290F-47FA-B4D4-EB175F54C8CC}" dt="2025-06-05T06:09:56.279" v="14" actId="1076"/>
+        <pc:sldMkLst>
+          <pc:docMk/>
+          <pc:sldMk cId="1012499862" sldId="258"/>
+        </pc:sldMkLst>
+        <pc:spChg chg="mod">
+          <ac:chgData name="Viswanath Parashuram Yadavalli" userId="382611aecaaed771" providerId="LiveId" clId="{96E188A7-290F-47FA-B4D4-EB175F54C8CC}" dt="2025-06-05T06:09:53.556" v="13" actId="1076"/>
+          <ac:spMkLst>
+            <pc:docMk/>
+            <pc:sldMk cId="1012499862" sldId="258"/>
+            <ac:spMk id="3" creationId="{211F9B7E-F8B7-E60F-EA54-59D85F95EFE9}"/>
+          </ac:spMkLst>
+        </pc:spChg>
+        <pc:picChg chg="add mod">
+          <ac:chgData name="Viswanath Parashuram Yadavalli" userId="382611aecaaed771" providerId="LiveId" clId="{96E188A7-290F-47FA-B4D4-EB175F54C8CC}" dt="2025-06-05T06:09:56.279" v="14" actId="1076"/>
+          <ac:picMkLst>
+            <pc:docMk/>
+            <pc:sldMk cId="1012499862" sldId="258"/>
+            <ac:picMk id="4" creationId="{A0C58853-70C3-AA48-165F-61F86D91950C}"/>
+          </ac:picMkLst>
+        </pc:picChg>
+      </pc:sldChg>
+      <pc:sldChg chg="addSp modSp mod">
+        <pc:chgData name="Viswanath Parashuram Yadavalli" userId="382611aecaaed771" providerId="LiveId" clId="{96E188A7-290F-47FA-B4D4-EB175F54C8CC}" dt="2025-06-05T07:08:28.618" v="63" actId="1035"/>
+        <pc:sldMkLst>
+          <pc:docMk/>
+          <pc:sldMk cId="559577846" sldId="259"/>
+        </pc:sldMkLst>
+        <pc:picChg chg="add mod">
+          <ac:chgData name="Viswanath Parashuram Yadavalli" userId="382611aecaaed771" providerId="LiveId" clId="{96E188A7-290F-47FA-B4D4-EB175F54C8CC}" dt="2025-06-05T06:10:07.738" v="17" actId="1076"/>
+          <ac:picMkLst>
+            <pc:docMk/>
+            <pc:sldMk cId="559577846" sldId="259"/>
+            <ac:picMk id="4" creationId="{B4DD2EC0-1878-5AB7-F77F-EC845E1136EB}"/>
+          </ac:picMkLst>
+        </pc:picChg>
+        <pc:picChg chg="mod">
+          <ac:chgData name="Viswanath Parashuram Yadavalli" userId="382611aecaaed771" providerId="LiveId" clId="{96E188A7-290F-47FA-B4D4-EB175F54C8CC}" dt="2025-06-05T07:08:28.618" v="63" actId="1035"/>
+          <ac:picMkLst>
+            <pc:docMk/>
+            <pc:sldMk cId="559577846" sldId="259"/>
+            <ac:picMk id="5" creationId="{8401BC15-DEE7-5BBA-C916-76CC12E98408}"/>
+          </ac:picMkLst>
+        </pc:picChg>
+      </pc:sldChg>
+      <pc:sldChg chg="addSp modSp mod ord">
+        <pc:chgData name="Viswanath Parashuram Yadavalli" userId="382611aecaaed771" providerId="LiveId" clId="{96E188A7-290F-47FA-B4D4-EB175F54C8CC}" dt="2025-06-05T06:10:45.470" v="30" actId="1076"/>
+        <pc:sldMkLst>
+          <pc:docMk/>
+          <pc:sldMk cId="1974205701" sldId="260"/>
+        </pc:sldMkLst>
+        <pc:picChg chg="add mod">
+          <ac:chgData name="Viswanath Parashuram Yadavalli" userId="382611aecaaed771" providerId="LiveId" clId="{96E188A7-290F-47FA-B4D4-EB175F54C8CC}" dt="2025-06-05T06:10:45.470" v="30" actId="1076"/>
+          <ac:picMkLst>
+            <pc:docMk/>
+            <pc:sldMk cId="1974205701" sldId="260"/>
+            <ac:picMk id="4" creationId="{C285B995-D82C-9249-7CB0-ED882E296E65}"/>
+          </ac:picMkLst>
+        </pc:picChg>
+      </pc:sldChg>
+      <pc:sldChg chg="addSp modSp mod">
+        <pc:chgData name="Viswanath Parashuram Yadavalli" userId="382611aecaaed771" providerId="LiveId" clId="{96E188A7-290F-47FA-B4D4-EB175F54C8CC}" dt="2025-06-05T06:10:59.570" v="33" actId="1076"/>
+        <pc:sldMkLst>
+          <pc:docMk/>
+          <pc:sldMk cId="2988324781" sldId="261"/>
+        </pc:sldMkLst>
+        <pc:picChg chg="add mod">
+          <ac:chgData name="Viswanath Parashuram Yadavalli" userId="382611aecaaed771" providerId="LiveId" clId="{96E188A7-290F-47FA-B4D4-EB175F54C8CC}" dt="2025-06-05T06:10:59.570" v="33" actId="1076"/>
+          <ac:picMkLst>
+            <pc:docMk/>
+            <pc:sldMk cId="2988324781" sldId="261"/>
+            <ac:picMk id="3" creationId="{EBF179E4-AC25-945C-96E3-B532BA854BD8}"/>
+          </ac:picMkLst>
+        </pc:picChg>
+      </pc:sldChg>
+      <pc:sldChg chg="addSp modSp mod">
+        <pc:chgData name="Viswanath Parashuram Yadavalli" userId="382611aecaaed771" providerId="LiveId" clId="{96E188A7-290F-47FA-B4D4-EB175F54C8CC}" dt="2025-06-05T06:10:15.921" v="20" actId="1076"/>
+        <pc:sldMkLst>
+          <pc:docMk/>
+          <pc:sldMk cId="2045340854" sldId="262"/>
+        </pc:sldMkLst>
+        <pc:picChg chg="add mod">
+          <ac:chgData name="Viswanath Parashuram Yadavalli" userId="382611aecaaed771" providerId="LiveId" clId="{96E188A7-290F-47FA-B4D4-EB175F54C8CC}" dt="2025-06-05T06:10:15.921" v="20" actId="1076"/>
+          <ac:picMkLst>
+            <pc:docMk/>
+            <pc:sldMk cId="2045340854" sldId="262"/>
+            <ac:picMk id="4" creationId="{3EEC6559-DC45-8823-AACD-CBB36916982B}"/>
+          </ac:picMkLst>
+        </pc:picChg>
+      </pc:sldChg>
+      <pc:sldChg chg="addSp modSp mod">
+        <pc:chgData name="Viswanath Parashuram Yadavalli" userId="382611aecaaed771" providerId="LiveId" clId="{96E188A7-290F-47FA-B4D4-EB175F54C8CC}" dt="2025-06-05T06:10:27.401" v="23" actId="1076"/>
+        <pc:sldMkLst>
+          <pc:docMk/>
+          <pc:sldMk cId="1667814394" sldId="263"/>
+        </pc:sldMkLst>
+        <pc:picChg chg="add mod">
+          <ac:chgData name="Viswanath Parashuram Yadavalli" userId="382611aecaaed771" providerId="LiveId" clId="{96E188A7-290F-47FA-B4D4-EB175F54C8CC}" dt="2025-06-05T06:10:27.401" v="23" actId="1076"/>
+          <ac:picMkLst>
+            <pc:docMk/>
+            <pc:sldMk cId="1667814394" sldId="263"/>
+            <ac:picMk id="4" creationId="{52F58A0F-A714-8C95-88E9-A6A29694DE74}"/>
+          </ac:picMkLst>
+        </pc:picChg>
+      </pc:sldChg>
+      <pc:sldChg chg="addSp modSp mod">
+        <pc:chgData name="Viswanath Parashuram Yadavalli" userId="382611aecaaed771" providerId="LiveId" clId="{96E188A7-290F-47FA-B4D4-EB175F54C8CC}" dt="2025-06-05T06:10:37.072" v="27" actId="1076"/>
+        <pc:sldMkLst>
+          <pc:docMk/>
+          <pc:sldMk cId="3833035871" sldId="264"/>
+        </pc:sldMkLst>
+        <pc:spChg chg="mod">
+          <ac:chgData name="Viswanath Parashuram Yadavalli" userId="382611aecaaed771" providerId="LiveId" clId="{96E188A7-290F-47FA-B4D4-EB175F54C8CC}" dt="2025-06-05T06:10:34.795" v="26" actId="1076"/>
+          <ac:spMkLst>
+            <pc:docMk/>
+            <pc:sldMk cId="3833035871" sldId="264"/>
+            <ac:spMk id="3" creationId="{65B40D18-A8E1-4191-D1F9-D57C4960D324}"/>
+          </ac:spMkLst>
+        </pc:spChg>
+        <pc:picChg chg="add mod">
+          <ac:chgData name="Viswanath Parashuram Yadavalli" userId="382611aecaaed771" providerId="LiveId" clId="{96E188A7-290F-47FA-B4D4-EB175F54C8CC}" dt="2025-06-05T06:10:37.072" v="27" actId="1076"/>
+          <ac:picMkLst>
+            <pc:docMk/>
+            <pc:sldMk cId="3833035871" sldId="264"/>
+            <ac:picMk id="4" creationId="{D4016D01-85BF-6836-2F14-D7D720F6D91D}"/>
+          </ac:picMkLst>
+        </pc:picChg>
+      </pc:sldChg>
+      <pc:sldChg chg="addSp modSp mod">
+        <pc:chgData name="Viswanath Parashuram Yadavalli" userId="382611aecaaed771" providerId="LiveId" clId="{96E188A7-290F-47FA-B4D4-EB175F54C8CC}" dt="2025-06-05T06:11:13.295" v="37" actId="1076"/>
+        <pc:sldMkLst>
+          <pc:docMk/>
+          <pc:sldMk cId="3693087565" sldId="265"/>
+        </pc:sldMkLst>
+        <pc:spChg chg="mod">
+          <ac:chgData name="Viswanath Parashuram Yadavalli" userId="382611aecaaed771" providerId="LiveId" clId="{96E188A7-290F-47FA-B4D4-EB175F54C8CC}" dt="2025-06-05T06:11:11.119" v="36" actId="1076"/>
+          <ac:spMkLst>
+            <pc:docMk/>
+            <pc:sldMk cId="3693087565" sldId="265"/>
+            <ac:spMk id="2" creationId="{147E4C4F-B81A-002D-ED5B-4A71F1B68166}"/>
+          </ac:spMkLst>
+        </pc:spChg>
+        <pc:picChg chg="add mod">
+          <ac:chgData name="Viswanath Parashuram Yadavalli" userId="382611aecaaed771" providerId="LiveId" clId="{96E188A7-290F-47FA-B4D4-EB175F54C8CC}" dt="2025-06-05T06:11:13.295" v="37" actId="1076"/>
+          <ac:picMkLst>
+            <pc:docMk/>
+            <pc:sldMk cId="3693087565" sldId="265"/>
+            <ac:picMk id="3" creationId="{88CD1C07-9FAC-C73D-620D-182F2C17C249}"/>
+          </ac:picMkLst>
+        </pc:picChg>
+      </pc:sldChg>
+      <pc:sldChg chg="addSp modSp mod">
+        <pc:chgData name="Viswanath Parashuram Yadavalli" userId="382611aecaaed771" providerId="LiveId" clId="{96E188A7-290F-47FA-B4D4-EB175F54C8CC}" dt="2025-06-05T06:11:24.839" v="40" actId="1076"/>
+        <pc:sldMkLst>
+          <pc:docMk/>
+          <pc:sldMk cId="1782358255" sldId="266"/>
+        </pc:sldMkLst>
+        <pc:picChg chg="add mod">
+          <ac:chgData name="Viswanath Parashuram Yadavalli" userId="382611aecaaed771" providerId="LiveId" clId="{96E188A7-290F-47FA-B4D4-EB175F54C8CC}" dt="2025-06-05T06:11:24.839" v="40" actId="1076"/>
+          <ac:picMkLst>
+            <pc:docMk/>
+            <pc:sldMk cId="1782358255" sldId="266"/>
+            <ac:picMk id="4" creationId="{2B197363-80AB-4FE6-EBDC-C3C617FDAE64}"/>
+          </ac:picMkLst>
+        </pc:picChg>
+      </pc:sldChg>
+      <pc:sldChg chg="addSp modSp mod">
+        <pc:chgData name="Viswanath Parashuram Yadavalli" userId="382611aecaaed771" providerId="LiveId" clId="{96E188A7-290F-47FA-B4D4-EB175F54C8CC}" dt="2025-06-05T06:11:33.382" v="43" actId="1076"/>
+        <pc:sldMkLst>
+          <pc:docMk/>
+          <pc:sldMk cId="3058630928" sldId="267"/>
+        </pc:sldMkLst>
+        <pc:picChg chg="add mod">
+          <ac:chgData name="Viswanath Parashuram Yadavalli" userId="382611aecaaed771" providerId="LiveId" clId="{96E188A7-290F-47FA-B4D4-EB175F54C8CC}" dt="2025-06-05T06:11:33.382" v="43" actId="1076"/>
+          <ac:picMkLst>
+            <pc:docMk/>
+            <pc:sldMk cId="3058630928" sldId="267"/>
+            <ac:picMk id="4" creationId="{8C4CDF9E-6E4B-3B2B-FBD3-C9DB67F3B72C}"/>
+          </ac:picMkLst>
+        </pc:picChg>
+      </pc:sldChg>
+      <pc:sldChg chg="addSp modSp mod">
+        <pc:chgData name="Viswanath Parashuram Yadavalli" userId="382611aecaaed771" providerId="LiveId" clId="{96E188A7-290F-47FA-B4D4-EB175F54C8CC}" dt="2025-06-05T06:11:45.275" v="47" actId="1076"/>
+        <pc:sldMkLst>
+          <pc:docMk/>
+          <pc:sldMk cId="2182058034" sldId="268"/>
+        </pc:sldMkLst>
+        <pc:spChg chg="mod">
+          <ac:chgData name="Viswanath Parashuram Yadavalli" userId="382611aecaaed771" providerId="LiveId" clId="{96E188A7-290F-47FA-B4D4-EB175F54C8CC}" dt="2025-06-05T06:11:43.084" v="46" actId="1076"/>
+          <ac:spMkLst>
+            <pc:docMk/>
+            <pc:sldMk cId="2182058034" sldId="268"/>
+            <ac:spMk id="2" creationId="{ECA76BC1-4CC1-D8AB-F213-E2C25275141D}"/>
+          </ac:spMkLst>
+        </pc:spChg>
+        <pc:picChg chg="add mod">
+          <ac:chgData name="Viswanath Parashuram Yadavalli" userId="382611aecaaed771" providerId="LiveId" clId="{96E188A7-290F-47FA-B4D4-EB175F54C8CC}" dt="2025-06-05T06:11:45.275" v="47" actId="1076"/>
+          <ac:picMkLst>
+            <pc:docMk/>
+            <pc:sldMk cId="2182058034" sldId="268"/>
+            <ac:picMk id="3" creationId="{45C21B16-D6B5-A608-F328-3BD3280009FE}"/>
+          </ac:picMkLst>
+        </pc:picChg>
+      </pc:sldChg>
+      <pc:sldChg chg="addSp modSp mod">
+        <pc:chgData name="Viswanath Parashuram Yadavalli" userId="382611aecaaed771" providerId="LiveId" clId="{96E188A7-290F-47FA-B4D4-EB175F54C8CC}" dt="2025-06-05T06:12:27.549" v="54" actId="1076"/>
+        <pc:sldMkLst>
+          <pc:docMk/>
+          <pc:sldMk cId="979915741" sldId="269"/>
+        </pc:sldMkLst>
+        <pc:spChg chg="mod">
+          <ac:chgData name="Viswanath Parashuram Yadavalli" userId="382611aecaaed771" providerId="LiveId" clId="{96E188A7-290F-47FA-B4D4-EB175F54C8CC}" dt="2025-06-05T06:12:23.907" v="53" actId="1076"/>
+          <ac:spMkLst>
+            <pc:docMk/>
+            <pc:sldMk cId="979915741" sldId="269"/>
+            <ac:spMk id="2" creationId="{BBD49497-A989-90D1-A6F2-D63843B57443}"/>
+          </ac:spMkLst>
+        </pc:spChg>
+        <pc:picChg chg="add mod">
+          <ac:chgData name="Viswanath Parashuram Yadavalli" userId="382611aecaaed771" providerId="LiveId" clId="{96E188A7-290F-47FA-B4D4-EB175F54C8CC}" dt="2025-06-05T06:12:27.549" v="54" actId="1076"/>
+          <ac:picMkLst>
+            <pc:docMk/>
+            <pc:sldMk cId="979915741" sldId="269"/>
+            <ac:picMk id="4" creationId="{1C201FDB-6C88-522D-AF25-B143DB8DBA68}"/>
+          </ac:picMkLst>
+        </pc:picChg>
+      </pc:sldChg>
+      <pc:sldChg chg="addSp modSp mod">
+        <pc:chgData name="Viswanath Parashuram Yadavalli" userId="382611aecaaed771" providerId="LiveId" clId="{96E188A7-290F-47FA-B4D4-EB175F54C8CC}" dt="2025-06-05T06:12:37.164" v="58" actId="1076"/>
+        <pc:sldMkLst>
+          <pc:docMk/>
+          <pc:sldMk cId="738422402" sldId="270"/>
+        </pc:sldMkLst>
+        <pc:picChg chg="add mod">
+          <ac:chgData name="Viswanath Parashuram Yadavalli" userId="382611aecaaed771" providerId="LiveId" clId="{96E188A7-290F-47FA-B4D4-EB175F54C8CC}" dt="2025-06-05T06:12:37.164" v="58" actId="1076"/>
+          <ac:picMkLst>
+            <pc:docMk/>
+            <pc:sldMk cId="738422402" sldId="270"/>
+            <ac:picMk id="5" creationId="{06013C34-12F7-584D-3609-41E17FE14FDD}"/>
+          </ac:picMkLst>
+        </pc:picChg>
+      </pc:sldChg>
+      <pc:sldChg chg="addSp modSp mod ord">
+        <pc:chgData name="Viswanath Parashuram Yadavalli" userId="382611aecaaed771" providerId="LiveId" clId="{96E188A7-290F-47FA-B4D4-EB175F54C8CC}" dt="2025-06-05T06:12:15.516" v="50" actId="1076"/>
+        <pc:sldMkLst>
+          <pc:docMk/>
+          <pc:sldMk cId="3016815425" sldId="271"/>
+        </pc:sldMkLst>
+        <pc:picChg chg="add mod">
+          <ac:chgData name="Viswanath Parashuram Yadavalli" userId="382611aecaaed771" providerId="LiveId" clId="{96E188A7-290F-47FA-B4D4-EB175F54C8CC}" dt="2025-06-05T06:12:15.516" v="50" actId="1076"/>
+          <ac:picMkLst>
+            <pc:docMk/>
+            <pc:sldMk cId="3016815425" sldId="271"/>
+            <ac:picMk id="5" creationId="{46E63BFC-A7D4-2C29-DAA4-CC9C67D888B3}"/>
+          </ac:picMkLst>
+        </pc:picChg>
+      </pc:sldChg>
+      <pc:sldChg chg="addSp modSp mod">
+        <pc:chgData name="Viswanath Parashuram Yadavalli" userId="382611aecaaed771" providerId="LiveId" clId="{96E188A7-290F-47FA-B4D4-EB175F54C8CC}" dt="2025-06-05T06:12:47.838" v="62" actId="1076"/>
+        <pc:sldMkLst>
+          <pc:docMk/>
+          <pc:sldMk cId="4112612051" sldId="272"/>
+        </pc:sldMkLst>
+        <pc:picChg chg="add mod">
+          <ac:chgData name="Viswanath Parashuram Yadavalli" userId="382611aecaaed771" providerId="LiveId" clId="{96E188A7-290F-47FA-B4D4-EB175F54C8CC}" dt="2025-06-05T06:12:47.838" v="62" actId="1076"/>
+          <ac:picMkLst>
+            <pc:docMk/>
+            <pc:sldMk cId="4112612051" sldId="272"/>
+            <ac:picMk id="4" creationId="{87625367-9BE4-A2E1-F74C-4196763B1DD9}"/>
+          </ac:picMkLst>
+        </pc:picChg>
+      </pc:sldChg>
+    </pc:docChg>
+  </pc:docChgLst>
+</pc:chgInfo>
 </file>
 
 <file path=ppt/slideLayouts/slideLayout1.xml><?xml version="1.0" encoding="utf-8"?>
@@ -272,7 +587,7 @@
           <a:p>
             <a:fld id="{98F0D625-40CC-43FA-90D2-7BBFBB1FA3E2}" type="datetimeFigureOut">
               <a:rPr lang="en-IN" smtClean="0"/>
-              <a:t>04-06-2025</a:t>
+              <a:t>05-06-2025</a:t>
             </a:fld>
             <a:endParaRPr lang="en-IN"/>
           </a:p>
@@ -472,7 +787,7 @@
           <a:p>
             <a:fld id="{98F0D625-40CC-43FA-90D2-7BBFBB1FA3E2}" type="datetimeFigureOut">
               <a:rPr lang="en-IN" smtClean="0"/>
-              <a:t>04-06-2025</a:t>
+              <a:t>05-06-2025</a:t>
             </a:fld>
             <a:endParaRPr lang="en-IN"/>
           </a:p>
@@ -682,7 +997,7 @@
           <a:p>
             <a:fld id="{98F0D625-40CC-43FA-90D2-7BBFBB1FA3E2}" type="datetimeFigureOut">
               <a:rPr lang="en-IN" smtClean="0"/>
-              <a:t>04-06-2025</a:t>
+              <a:t>05-06-2025</a:t>
             </a:fld>
             <a:endParaRPr lang="en-IN"/>
           </a:p>
@@ -882,7 +1197,7 @@
           <a:p>
             <a:fld id="{98F0D625-40CC-43FA-90D2-7BBFBB1FA3E2}" type="datetimeFigureOut">
               <a:rPr lang="en-IN" smtClean="0"/>
-              <a:t>04-06-2025</a:t>
+              <a:t>05-06-2025</a:t>
             </a:fld>
             <a:endParaRPr lang="en-IN"/>
           </a:p>
@@ -1158,7 +1473,7 @@
           <a:p>
             <a:fld id="{98F0D625-40CC-43FA-90D2-7BBFBB1FA3E2}" type="datetimeFigureOut">
               <a:rPr lang="en-IN" smtClean="0"/>
-              <a:t>04-06-2025</a:t>
+              <a:t>05-06-2025</a:t>
             </a:fld>
             <a:endParaRPr lang="en-IN"/>
           </a:p>
@@ -1426,7 +1741,7 @@
           <a:p>
             <a:fld id="{98F0D625-40CC-43FA-90D2-7BBFBB1FA3E2}" type="datetimeFigureOut">
               <a:rPr lang="en-IN" smtClean="0"/>
-              <a:t>04-06-2025</a:t>
+              <a:t>05-06-2025</a:t>
             </a:fld>
             <a:endParaRPr lang="en-IN"/>
           </a:p>
@@ -1841,7 +2156,7 @@
           <a:p>
             <a:fld id="{98F0D625-40CC-43FA-90D2-7BBFBB1FA3E2}" type="datetimeFigureOut">
               <a:rPr lang="en-IN" smtClean="0"/>
-              <a:t>04-06-2025</a:t>
+              <a:t>05-06-2025</a:t>
             </a:fld>
             <a:endParaRPr lang="en-IN"/>
           </a:p>
@@ -1983,7 +2298,7 @@
           <a:p>
             <a:fld id="{98F0D625-40CC-43FA-90D2-7BBFBB1FA3E2}" type="datetimeFigureOut">
               <a:rPr lang="en-IN" smtClean="0"/>
-              <a:t>04-06-2025</a:t>
+              <a:t>05-06-2025</a:t>
             </a:fld>
             <a:endParaRPr lang="en-IN"/>
           </a:p>
@@ -2096,7 +2411,7 @@
           <a:p>
             <a:fld id="{98F0D625-40CC-43FA-90D2-7BBFBB1FA3E2}" type="datetimeFigureOut">
               <a:rPr lang="en-IN" smtClean="0"/>
-              <a:t>04-06-2025</a:t>
+              <a:t>05-06-2025</a:t>
             </a:fld>
             <a:endParaRPr lang="en-IN"/>
           </a:p>
@@ -2409,7 +2724,7 @@
           <a:p>
             <a:fld id="{98F0D625-40CC-43FA-90D2-7BBFBB1FA3E2}" type="datetimeFigureOut">
               <a:rPr lang="en-IN" smtClean="0"/>
-              <a:t>04-06-2025</a:t>
+              <a:t>05-06-2025</a:t>
             </a:fld>
             <a:endParaRPr lang="en-IN"/>
           </a:p>
@@ -2698,7 +3013,7 @@
           <a:p>
             <a:fld id="{98F0D625-40CC-43FA-90D2-7BBFBB1FA3E2}" type="datetimeFigureOut">
               <a:rPr lang="en-IN" smtClean="0"/>
-              <a:t>04-06-2025</a:t>
+              <a:t>05-06-2025</a:t>
             </a:fld>
             <a:endParaRPr lang="en-IN"/>
           </a:p>
@@ -2941,7 +3256,7 @@
           <a:p>
             <a:fld id="{98F0D625-40CC-43FA-90D2-7BBFBB1FA3E2}" type="datetimeFigureOut">
               <a:rPr lang="en-IN" smtClean="0"/>
-              <a:t>04-06-2025</a:t>
+              <a:t>05-06-2025</a:t>
             </a:fld>
             <a:endParaRPr lang="en-IN"/>
           </a:p>
@@ -3617,7 +3932,12 @@
             <p:ph type="title"/>
           </p:nvPr>
         </p:nvSpPr>
-        <p:spPr/>
+        <p:spPr>
+          <a:xfrm>
+            <a:off x="562897" y="60323"/>
+            <a:ext cx="10515600" cy="1325563"/>
+          </a:xfrm>
+        </p:spPr>
         <p:txBody>
           <a:bodyPr/>
           <a:lstStyle/>
@@ -4313,6 +4633,42 @@
           </a:p>
         </p:txBody>
       </p:sp>
+      <p:pic>
+        <p:nvPicPr>
+          <p:cNvPr id="3" name="Graphic 2">
+            <a:extLst>
+              <a:ext uri="{FF2B5EF4-FFF2-40B4-BE49-F238E27FC236}">
+                <a16:creationId xmlns:a16="http://schemas.microsoft.com/office/drawing/2014/main" id="{88CD1C07-9FAC-C73D-620D-182F2C17C249}"/>
+              </a:ext>
+            </a:extLst>
+          </p:cNvPr>
+          <p:cNvPicPr>
+            <a:picLocks noChangeAspect="1"/>
+          </p:cNvPicPr>
+          <p:nvPr/>
+        </p:nvPicPr>
+        <p:blipFill>
+          <a:blip r:embed="rId3">
+            <a:extLst>
+              <a:ext uri="{96DAC541-7B7A-43D3-8B79-37D633B846F1}">
+                <asvg:svgBlip xmlns:asvg="http://schemas.microsoft.com/office/drawing/2016/SVG/main" r:embed="rId4"/>
+              </a:ext>
+            </a:extLst>
+          </a:blip>
+          <a:stretch>
+            <a:fillRect/>
+          </a:stretch>
+        </p:blipFill>
+        <p:spPr>
+          <a:xfrm>
+            <a:off x="9488129" y="4883296"/>
+            <a:ext cx="3455732" cy="1974704"/>
+          </a:xfrm>
+          <a:prstGeom prst="rect">
+            <a:avLst/>
+          </a:prstGeom>
+        </p:spPr>
+      </p:pic>
     </p:spTree>
     <p:extLst>
       <p:ext uri="{BB962C8B-B14F-4D97-AF65-F5344CB8AC3E}">
@@ -4461,6 +4817,42 @@
           <a:xfrm>
             <a:off x="9623056" y="0"/>
             <a:ext cx="1231757" cy="1977295"/>
+          </a:xfrm>
+          <a:prstGeom prst="rect">
+            <a:avLst/>
+          </a:prstGeom>
+        </p:spPr>
+      </p:pic>
+      <p:pic>
+        <p:nvPicPr>
+          <p:cNvPr id="4" name="Graphic 3">
+            <a:extLst>
+              <a:ext uri="{FF2B5EF4-FFF2-40B4-BE49-F238E27FC236}">
+                <a16:creationId xmlns:a16="http://schemas.microsoft.com/office/drawing/2014/main" id="{2B197363-80AB-4FE6-EBDC-C3C617FDAE64}"/>
+              </a:ext>
+            </a:extLst>
+          </p:cNvPr>
+          <p:cNvPicPr>
+            <a:picLocks noChangeAspect="1"/>
+          </p:cNvPicPr>
+          <p:nvPr/>
+        </p:nvPicPr>
+        <p:blipFill>
+          <a:blip r:embed="rId3">
+            <a:extLst>
+              <a:ext uri="{96DAC541-7B7A-43D3-8B79-37D633B846F1}">
+                <asvg:svgBlip xmlns:asvg="http://schemas.microsoft.com/office/drawing/2016/SVG/main" r:embed="rId4"/>
+              </a:ext>
+            </a:extLst>
+          </a:blip>
+          <a:stretch>
+            <a:fillRect/>
+          </a:stretch>
+        </p:blipFill>
+        <p:spPr>
+          <a:xfrm>
+            <a:off x="9438968" y="4880706"/>
+            <a:ext cx="3613048" cy="2064599"/>
           </a:xfrm>
           <a:prstGeom prst="rect">
             <a:avLst/>
@@ -6059,6 +6451,42 @@
           </a:prstGeom>
         </p:spPr>
       </p:pic>
+      <p:pic>
+        <p:nvPicPr>
+          <p:cNvPr id="4" name="Graphic 3">
+            <a:extLst>
+              <a:ext uri="{FF2B5EF4-FFF2-40B4-BE49-F238E27FC236}">
+                <a16:creationId xmlns:a16="http://schemas.microsoft.com/office/drawing/2014/main" id="{8C4CDF9E-6E4B-3B2B-FBD3-C9DB67F3B72C}"/>
+              </a:ext>
+            </a:extLst>
+          </p:cNvPr>
+          <p:cNvPicPr>
+            <a:picLocks noChangeAspect="1"/>
+          </p:cNvPicPr>
+          <p:nvPr/>
+        </p:nvPicPr>
+        <p:blipFill>
+          <a:blip r:embed="rId3">
+            <a:extLst>
+              <a:ext uri="{96DAC541-7B7A-43D3-8B79-37D633B846F1}">
+                <asvg:svgBlip xmlns:asvg="http://schemas.microsoft.com/office/drawing/2016/SVG/main" r:embed="rId4"/>
+              </a:ext>
+            </a:extLst>
+          </a:blip>
+          <a:stretch>
+            <a:fillRect/>
+          </a:stretch>
+        </p:blipFill>
+        <p:spPr>
+          <a:xfrm>
+            <a:off x="9940566" y="5369400"/>
+            <a:ext cx="2826468" cy="1615125"/>
+          </a:xfrm>
+          <a:prstGeom prst="rect">
+            <a:avLst/>
+          </a:prstGeom>
+        </p:spPr>
+      </p:pic>
     </p:spTree>
     <p:extLst>
       <p:ext uri="{BB962C8B-B14F-4D97-AF65-F5344CB8AC3E}">
@@ -6105,7 +6533,12 @@
             <p:ph type="title"/>
           </p:nvPr>
         </p:nvSpPr>
-        <p:spPr/>
+        <p:spPr>
+          <a:xfrm>
+            <a:off x="605147" y="36295"/>
+            <a:ext cx="10515600" cy="1325563"/>
+          </a:xfrm>
+        </p:spPr>
         <p:txBody>
           <a:bodyPr/>
           <a:lstStyle/>
@@ -6279,6 +6712,42 @@
           </a:p>
         </p:txBody>
       </p:sp>
+      <p:pic>
+        <p:nvPicPr>
+          <p:cNvPr id="3" name="Graphic 2">
+            <a:extLst>
+              <a:ext uri="{FF2B5EF4-FFF2-40B4-BE49-F238E27FC236}">
+                <a16:creationId xmlns:a16="http://schemas.microsoft.com/office/drawing/2014/main" id="{45C21B16-D6B5-A608-F328-3BD3280009FE}"/>
+              </a:ext>
+            </a:extLst>
+          </p:cNvPr>
+          <p:cNvPicPr>
+            <a:picLocks noChangeAspect="1"/>
+          </p:cNvPicPr>
+          <p:nvPr/>
+        </p:nvPicPr>
+        <p:blipFill>
+          <a:blip r:embed="rId3">
+            <a:extLst>
+              <a:ext uri="{96DAC541-7B7A-43D3-8B79-37D633B846F1}">
+                <asvg:svgBlip xmlns:asvg="http://schemas.microsoft.com/office/drawing/2016/SVG/main" r:embed="rId4"/>
+              </a:ext>
+            </a:extLst>
+          </a:blip>
+          <a:stretch>
+            <a:fillRect/>
+          </a:stretch>
+        </p:blipFill>
+        <p:spPr>
+          <a:xfrm>
+            <a:off x="9950246" y="5136126"/>
+            <a:ext cx="3013280" cy="1721874"/>
+          </a:xfrm>
+          <a:prstGeom prst="rect">
+            <a:avLst/>
+          </a:prstGeom>
+        </p:spPr>
+      </p:pic>
     </p:spTree>
     <p:extLst>
       <p:ext uri="{BB962C8B-B14F-4D97-AF65-F5344CB8AC3E}">
@@ -6314,7 +6783,7 @@
           <p:cNvPr id="2" name="Title 1">
             <a:extLst>
               <a:ext uri="{FF2B5EF4-FFF2-40B4-BE49-F238E27FC236}">
-                <a16:creationId xmlns:a16="http://schemas.microsoft.com/office/drawing/2014/main" id="{BBD49497-A989-90D1-A6F2-D63843B57443}"/>
+                <a16:creationId xmlns:a16="http://schemas.microsoft.com/office/drawing/2014/main" id="{7BF72118-A6BE-8B40-1F0B-20A36AFAFA23}"/>
               </a:ext>
             </a:extLst>
           </p:cNvPr>
@@ -6342,7 +6811,7 @@
           <p:cNvPr id="3" name="Content Placeholder 2">
             <a:extLst>
               <a:ext uri="{FF2B5EF4-FFF2-40B4-BE49-F238E27FC236}">
-                <a16:creationId xmlns:a16="http://schemas.microsoft.com/office/drawing/2014/main" id="{46A48ACD-DECD-BAC9-6670-F76BD4037087}"/>
+                <a16:creationId xmlns:a16="http://schemas.microsoft.com/office/drawing/2014/main" id="{DAA00218-0967-0556-8121-40CD3F6B2D34}"/>
               </a:ext>
             </a:extLst>
           </p:cNvPr>
@@ -6359,394 +6828,147 @@
           <a:lstStyle/>
           <a:p>
             <a:r>
-              <a:rPr lang="en-IN" dirty="0"/>
-              <a:t>In the gold layer we create Dimension and Facts</a:t>
-            </a:r>
-          </a:p>
-          <a:p>
-            <a:r>
-              <a:rPr lang="en-IN" dirty="0"/>
-              <a:t>GOLD.DIM_CUSTOMER,GOLD.DIM_PRODUCT AND GOLD.FACT_SALES</a:t>
-            </a:r>
-          </a:p>
-          <a:p>
-            <a:r>
-              <a:rPr lang="en-IN" dirty="0"/>
-              <a:t>We create foreign keys to link tables</a:t>
-            </a:r>
-          </a:p>
-          <a:p>
-            <a:r>
-              <a:rPr lang="en-US" sz="1800" dirty="0">
-                <a:solidFill>
-                  <a:srgbClr val="000000"/>
-                </a:solidFill>
-                <a:highlight>
-                  <a:srgbClr val="FFFFFF"/>
-                </a:highlight>
-                <a:latin typeface="Cascadia Mono" panose="020B0609020000020004" pitchFamily="49" charset="0"/>
-              </a:rPr>
-              <a:t>CUSTOMER_ID </a:t>
-            </a:r>
-            <a:r>
-              <a:rPr lang="en-US" sz="1800" dirty="0">
-                <a:solidFill>
-                  <a:srgbClr val="0000FF"/>
-                </a:solidFill>
-                <a:highlight>
-                  <a:srgbClr val="FFFFFF"/>
-                </a:highlight>
-                <a:latin typeface="Cascadia Mono" panose="020B0609020000020004" pitchFamily="49" charset="0"/>
-              </a:rPr>
-              <a:t>INT</a:t>
-            </a:r>
-            <a:r>
-              <a:rPr lang="en-US" sz="1800" dirty="0">
-                <a:solidFill>
-                  <a:srgbClr val="000000"/>
-                </a:solidFill>
-                <a:highlight>
-                  <a:srgbClr val="FFFFFF"/>
-                </a:highlight>
-                <a:latin typeface="Cascadia Mono" panose="020B0609020000020004" pitchFamily="49" charset="0"/>
-              </a:rPr>
-              <a:t> </a:t>
-            </a:r>
-            <a:r>
-              <a:rPr lang="en-US" sz="1800" dirty="0">
-                <a:solidFill>
-                  <a:srgbClr val="0000FF"/>
-                </a:solidFill>
-                <a:highlight>
-                  <a:srgbClr val="FFFFFF"/>
-                </a:highlight>
-                <a:latin typeface="Cascadia Mono" panose="020B0609020000020004" pitchFamily="49" charset="0"/>
-              </a:rPr>
-              <a:t>FOREIGN</a:t>
-            </a:r>
-            <a:r>
-              <a:rPr lang="en-US" sz="1800" dirty="0">
-                <a:solidFill>
-                  <a:srgbClr val="000000"/>
-                </a:solidFill>
-                <a:highlight>
-                  <a:srgbClr val="FFFFFF"/>
-                </a:highlight>
-                <a:latin typeface="Cascadia Mono" panose="020B0609020000020004" pitchFamily="49" charset="0"/>
-              </a:rPr>
-              <a:t> </a:t>
-            </a:r>
-            <a:r>
-              <a:rPr lang="en-US" sz="1800" dirty="0">
-                <a:solidFill>
-                  <a:srgbClr val="0000FF"/>
-                </a:solidFill>
-                <a:highlight>
-                  <a:srgbClr val="FFFFFF"/>
-                </a:highlight>
-                <a:latin typeface="Cascadia Mono" panose="020B0609020000020004" pitchFamily="49" charset="0"/>
-              </a:rPr>
-              <a:t>KEY</a:t>
-            </a:r>
-            <a:r>
-              <a:rPr lang="en-US" sz="1800" dirty="0">
-                <a:solidFill>
-                  <a:srgbClr val="000000"/>
-                </a:solidFill>
-                <a:highlight>
-                  <a:srgbClr val="FFFFFF"/>
-                </a:highlight>
-                <a:latin typeface="Cascadia Mono" panose="020B0609020000020004" pitchFamily="49" charset="0"/>
-              </a:rPr>
-              <a:t> </a:t>
-            </a:r>
-            <a:r>
-              <a:rPr lang="en-US" sz="1800" dirty="0">
-                <a:solidFill>
-                  <a:srgbClr val="0000FF"/>
-                </a:solidFill>
-                <a:highlight>
-                  <a:srgbClr val="FFFFFF"/>
-                </a:highlight>
-                <a:latin typeface="Cascadia Mono" panose="020B0609020000020004" pitchFamily="49" charset="0"/>
-              </a:rPr>
-              <a:t>REFERENCES</a:t>
-            </a:r>
-            <a:r>
-              <a:rPr lang="en-US" sz="1800" dirty="0">
-                <a:solidFill>
-                  <a:srgbClr val="000000"/>
-                </a:solidFill>
-                <a:highlight>
-                  <a:srgbClr val="FFFFFF"/>
-                </a:highlight>
-                <a:latin typeface="Cascadia Mono" panose="020B0609020000020004" pitchFamily="49" charset="0"/>
-              </a:rPr>
-              <a:t> GOLD</a:t>
-            </a:r>
-            <a:r>
-              <a:rPr lang="en-US" sz="1800" dirty="0">
-                <a:solidFill>
-                  <a:srgbClr val="808080"/>
-                </a:solidFill>
-                <a:highlight>
-                  <a:srgbClr val="FFFFFF"/>
-                </a:highlight>
-                <a:latin typeface="Cascadia Mono" panose="020B0609020000020004" pitchFamily="49" charset="0"/>
-              </a:rPr>
+              <a:rPr lang="en-US" dirty="0"/>
+              <a:t>The </a:t>
+            </a:r>
+            <a:r>
+              <a:rPr lang="en-US" b="1" dirty="0"/>
+              <a:t>Gold Layer</a:t>
+            </a:r>
+            <a:r>
+              <a:rPr lang="en-US" dirty="0"/>
+              <a:t> in a </a:t>
+            </a:r>
+            <a:r>
+              <a:rPr lang="en-US" b="1" dirty="0"/>
+              <a:t>Medallion Architecture</a:t>
+            </a:r>
+            <a:r>
+              <a:rPr lang="en-US" dirty="0"/>
+              <a:t> (used in data engineering and modern data warehousing, like in Databricks or traditional SQL systems) refers to the </a:t>
+            </a:r>
+            <a:r>
+              <a:rPr lang="en-US" b="1" dirty="0"/>
+              <a:t>final, most refined layer of data</a:t>
+            </a:r>
+            <a:r>
+              <a:rPr lang="en-US" dirty="0"/>
+              <a:t>. </a:t>
+            </a:r>
+          </a:p>
+          <a:p>
+            <a:pPr>
+              <a:buNone/>
+            </a:pPr>
+            <a:r>
+              <a:rPr lang="en-US" b="1" dirty="0"/>
+              <a:t>The Gold Layer is used for business reporting and analytics.</a:t>
+            </a:r>
+            <a:r>
+              <a:rPr lang="en-US" dirty="0"/>
+              <a:t> It:</a:t>
+            </a:r>
+          </a:p>
+          <a:p>
+            <a:pPr>
+              <a:buFont typeface="Arial" panose="020B0604020202020204" pitchFamily="34" charset="0"/>
+              <a:buChar char="•"/>
+            </a:pPr>
+            <a:r>
+              <a:rPr lang="en-US" dirty="0"/>
+              <a:t>Contains </a:t>
+            </a:r>
+            <a:r>
+              <a:rPr lang="en-US" b="1" dirty="0"/>
+              <a:t>aggregated</a:t>
+            </a:r>
+            <a:r>
+              <a:rPr lang="en-US" dirty="0"/>
+              <a:t>, </a:t>
+            </a:r>
+            <a:r>
+              <a:rPr lang="en-US" b="1" dirty="0"/>
+              <a:t>enriched</a:t>
+            </a:r>
+            <a:r>
+              <a:rPr lang="en-US" dirty="0"/>
+              <a:t>, or </a:t>
+            </a:r>
+            <a:r>
+              <a:rPr lang="en-US" b="1" dirty="0"/>
+              <a:t>denormalized</a:t>
+            </a:r>
+            <a:r>
+              <a:rPr lang="en-US" dirty="0"/>
+              <a:t> data.</a:t>
+            </a:r>
+          </a:p>
+          <a:p>
+            <a:pPr>
+              <a:buFont typeface="Arial" panose="020B0604020202020204" pitchFamily="34" charset="0"/>
+              <a:buChar char="•"/>
+            </a:pPr>
+            <a:r>
+              <a:rPr lang="en-US" dirty="0"/>
+              <a:t>Is designed for </a:t>
+            </a:r>
+            <a:r>
+              <a:rPr lang="en-US" b="1" dirty="0"/>
+              <a:t>direct consumption</a:t>
+            </a:r>
+            <a:r>
+              <a:rPr lang="en-US" dirty="0"/>
+              <a:t> by BI tools like </a:t>
+            </a:r>
+            <a:r>
+              <a:rPr lang="en-US" b="1" dirty="0"/>
+              <a:t>Power BI</a:t>
+            </a:r>
+            <a:r>
+              <a:rPr lang="en-US" dirty="0"/>
+              <a:t>, </a:t>
+            </a:r>
+            <a:r>
+              <a:rPr lang="en-US" b="1" dirty="0"/>
+              <a:t>Tableau</a:t>
+            </a:r>
+            <a:r>
+              <a:rPr lang="en-US" dirty="0"/>
+              <a:t>, etc.</a:t>
+            </a:r>
+          </a:p>
+          <a:p>
+            <a:pPr>
+              <a:buFont typeface="Arial" panose="020B0604020202020204" pitchFamily="34" charset="0"/>
+              <a:buChar char="•"/>
+            </a:pPr>
+            <a:r>
+              <a:rPr lang="en-US" dirty="0"/>
+              <a:t>Typically consists of </a:t>
+            </a:r>
+            <a:r>
+              <a:rPr lang="en-US" b="1" dirty="0"/>
+              <a:t>Fact and Dimension tables</a:t>
+            </a:r>
+            <a:r>
+              <a:rPr lang="en-US" dirty="0"/>
+              <a:t> in a </a:t>
+            </a:r>
+            <a:r>
+              <a:rPr lang="en-US" b="1" dirty="0"/>
+              <a:t>Star Schema</a:t>
+            </a:r>
+            <a:r>
+              <a:rPr lang="en-US" dirty="0"/>
+              <a:t> or </a:t>
+            </a:r>
+            <a:r>
+              <a:rPr lang="en-US" b="1" dirty="0"/>
+              <a:t>Snowflake Schema</a:t>
+            </a:r>
+            <a:r>
+              <a:rPr lang="en-US" dirty="0"/>
               <a:t>.</a:t>
-            </a:r>
-            <a:r>
-              <a:rPr lang="en-US" sz="1800" dirty="0">
-                <a:solidFill>
-                  <a:srgbClr val="000000"/>
-                </a:solidFill>
-                <a:highlight>
-                  <a:srgbClr val="FFFFFF"/>
-                </a:highlight>
-                <a:latin typeface="Cascadia Mono" panose="020B0609020000020004" pitchFamily="49" charset="0"/>
-              </a:rPr>
-              <a:t>DIM_CUSTOMER</a:t>
-            </a:r>
-            <a:r>
-              <a:rPr lang="en-US" sz="1800" dirty="0">
-                <a:solidFill>
-                  <a:srgbClr val="808080"/>
-                </a:solidFill>
-                <a:highlight>
-                  <a:srgbClr val="FFFFFF"/>
-                </a:highlight>
-                <a:latin typeface="Cascadia Mono" panose="020B0609020000020004" pitchFamily="49" charset="0"/>
-              </a:rPr>
-              <a:t>(</a:t>
-            </a:r>
-            <a:r>
-              <a:rPr lang="en-US" sz="1800" dirty="0">
-                <a:solidFill>
-                  <a:srgbClr val="000000"/>
-                </a:solidFill>
-                <a:highlight>
-                  <a:srgbClr val="FFFFFF"/>
-                </a:highlight>
-                <a:latin typeface="Cascadia Mono" panose="020B0609020000020004" pitchFamily="49" charset="0"/>
-              </a:rPr>
-              <a:t>CUSTOMER_ID</a:t>
-            </a:r>
-            <a:r>
-              <a:rPr lang="en-US" sz="1800" dirty="0">
-                <a:solidFill>
-                  <a:srgbClr val="808080"/>
-                </a:solidFill>
-                <a:highlight>
-                  <a:srgbClr val="FFFFFF"/>
-                </a:highlight>
-                <a:latin typeface="Cascadia Mono" panose="020B0609020000020004" pitchFamily="49" charset="0"/>
-              </a:rPr>
-              <a:t>),</a:t>
-            </a:r>
-          </a:p>
-          <a:p>
-            <a:r>
-              <a:rPr lang="en-US" sz="1800" dirty="0">
-                <a:solidFill>
-                  <a:srgbClr val="000000"/>
-                </a:solidFill>
-                <a:highlight>
-                  <a:srgbClr val="FFFFFF"/>
-                </a:highlight>
-                <a:latin typeface="Cascadia Mono" panose="020B0609020000020004" pitchFamily="49" charset="0"/>
-              </a:rPr>
-              <a:t>PRODUCT_ID </a:t>
-            </a:r>
-            <a:r>
-              <a:rPr lang="en-US" sz="1800" dirty="0">
-                <a:solidFill>
-                  <a:srgbClr val="0000FF"/>
-                </a:solidFill>
-                <a:highlight>
-                  <a:srgbClr val="FFFFFF"/>
-                </a:highlight>
-                <a:latin typeface="Cascadia Mono" panose="020B0609020000020004" pitchFamily="49" charset="0"/>
-              </a:rPr>
-              <a:t>INT</a:t>
-            </a:r>
-            <a:r>
-              <a:rPr lang="en-US" sz="1800" dirty="0">
-                <a:solidFill>
-                  <a:srgbClr val="000000"/>
-                </a:solidFill>
-                <a:highlight>
-                  <a:srgbClr val="FFFFFF"/>
-                </a:highlight>
-                <a:latin typeface="Cascadia Mono" panose="020B0609020000020004" pitchFamily="49" charset="0"/>
-              </a:rPr>
-              <a:t> </a:t>
-            </a:r>
-            <a:r>
-              <a:rPr lang="en-US" sz="1800" dirty="0">
-                <a:solidFill>
-                  <a:srgbClr val="0000FF"/>
-                </a:solidFill>
-                <a:highlight>
-                  <a:srgbClr val="FFFFFF"/>
-                </a:highlight>
-                <a:latin typeface="Cascadia Mono" panose="020B0609020000020004" pitchFamily="49" charset="0"/>
-              </a:rPr>
-              <a:t>FOREIGN</a:t>
-            </a:r>
-            <a:r>
-              <a:rPr lang="en-US" sz="1800" dirty="0">
-                <a:solidFill>
-                  <a:srgbClr val="000000"/>
-                </a:solidFill>
-                <a:highlight>
-                  <a:srgbClr val="FFFFFF"/>
-                </a:highlight>
-                <a:latin typeface="Cascadia Mono" panose="020B0609020000020004" pitchFamily="49" charset="0"/>
-              </a:rPr>
-              <a:t> </a:t>
-            </a:r>
-            <a:r>
-              <a:rPr lang="en-US" sz="1800" dirty="0">
-                <a:solidFill>
-                  <a:srgbClr val="0000FF"/>
-                </a:solidFill>
-                <a:highlight>
-                  <a:srgbClr val="FFFFFF"/>
-                </a:highlight>
-                <a:latin typeface="Cascadia Mono" panose="020B0609020000020004" pitchFamily="49" charset="0"/>
-              </a:rPr>
-              <a:t>KEY</a:t>
-            </a:r>
-            <a:r>
-              <a:rPr lang="en-US" sz="1800" dirty="0">
-                <a:solidFill>
-                  <a:srgbClr val="000000"/>
-                </a:solidFill>
-                <a:highlight>
-                  <a:srgbClr val="FFFFFF"/>
-                </a:highlight>
-                <a:latin typeface="Cascadia Mono" panose="020B0609020000020004" pitchFamily="49" charset="0"/>
-              </a:rPr>
-              <a:t> </a:t>
-            </a:r>
-            <a:r>
-              <a:rPr lang="en-US" sz="1800" dirty="0">
-                <a:solidFill>
-                  <a:srgbClr val="0000FF"/>
-                </a:solidFill>
-                <a:highlight>
-                  <a:srgbClr val="FFFFFF"/>
-                </a:highlight>
-                <a:latin typeface="Cascadia Mono" panose="020B0609020000020004" pitchFamily="49" charset="0"/>
-              </a:rPr>
-              <a:t>REFERENCES</a:t>
-            </a:r>
-            <a:r>
-              <a:rPr lang="en-US" sz="1800" dirty="0">
-                <a:solidFill>
-                  <a:srgbClr val="000000"/>
-                </a:solidFill>
-                <a:highlight>
-                  <a:srgbClr val="FFFFFF"/>
-                </a:highlight>
-                <a:latin typeface="Cascadia Mono" panose="020B0609020000020004" pitchFamily="49" charset="0"/>
-              </a:rPr>
-              <a:t> GOLD</a:t>
-            </a:r>
-            <a:r>
-              <a:rPr lang="en-US" sz="1800" dirty="0">
-                <a:solidFill>
-                  <a:srgbClr val="808080"/>
-                </a:solidFill>
-                <a:highlight>
-                  <a:srgbClr val="FFFFFF"/>
-                </a:highlight>
-                <a:latin typeface="Cascadia Mono" panose="020B0609020000020004" pitchFamily="49" charset="0"/>
-              </a:rPr>
-              <a:t>.</a:t>
-            </a:r>
-            <a:r>
-              <a:rPr lang="en-US" sz="1800" dirty="0">
-                <a:solidFill>
-                  <a:srgbClr val="000000"/>
-                </a:solidFill>
-                <a:highlight>
-                  <a:srgbClr val="FFFFFF"/>
-                </a:highlight>
-                <a:latin typeface="Cascadia Mono" panose="020B0609020000020004" pitchFamily="49" charset="0"/>
-              </a:rPr>
-              <a:t>DIM_PRODUCT</a:t>
-            </a:r>
-            <a:r>
-              <a:rPr lang="en-US" sz="1800" dirty="0">
-                <a:solidFill>
-                  <a:srgbClr val="808080"/>
-                </a:solidFill>
-                <a:highlight>
-                  <a:srgbClr val="FFFFFF"/>
-                </a:highlight>
-                <a:latin typeface="Cascadia Mono" panose="020B0609020000020004" pitchFamily="49" charset="0"/>
-              </a:rPr>
-              <a:t>(</a:t>
-            </a:r>
-            <a:r>
-              <a:rPr lang="en-US" sz="1800" dirty="0">
-                <a:solidFill>
-                  <a:srgbClr val="000000"/>
-                </a:solidFill>
-                <a:highlight>
-                  <a:srgbClr val="FFFFFF"/>
-                </a:highlight>
-                <a:latin typeface="Cascadia Mono" panose="020B0609020000020004" pitchFamily="49" charset="0"/>
-              </a:rPr>
-              <a:t>PRODUCT_ID</a:t>
-            </a:r>
-            <a:r>
-              <a:rPr lang="en-US" sz="1800" dirty="0">
-                <a:solidFill>
-                  <a:srgbClr val="808080"/>
-                </a:solidFill>
-                <a:highlight>
-                  <a:srgbClr val="FFFFFF"/>
-                </a:highlight>
-                <a:latin typeface="Cascadia Mono" panose="020B0609020000020004" pitchFamily="49" charset="0"/>
-              </a:rPr>
-              <a:t>),</a:t>
-            </a:r>
-            <a:endParaRPr lang="en-IN" sz="1800" dirty="0">
-              <a:solidFill>
-                <a:srgbClr val="808080"/>
-              </a:solidFill>
-              <a:highlight>
-                <a:srgbClr val="FFFFFF"/>
-              </a:highlight>
-              <a:latin typeface="Cascadia Mono" panose="020B0609020000020004" pitchFamily="49" charset="0"/>
-            </a:endParaRPr>
-          </a:p>
-          <a:p>
-            <a:endParaRPr lang="en-IN" sz="1800" dirty="0">
-              <a:solidFill>
-                <a:srgbClr val="808080"/>
-              </a:solidFill>
-              <a:highlight>
-                <a:srgbClr val="FFFFFF"/>
-              </a:highlight>
-              <a:latin typeface="Cascadia Mono" panose="020B0609020000020004" pitchFamily="49" charset="0"/>
-            </a:endParaRPr>
-          </a:p>
-          <a:p>
-            <a:r>
-              <a:rPr lang="en-IN" sz="1800" dirty="0">
-                <a:solidFill>
-                  <a:srgbClr val="808080"/>
-                </a:solidFill>
-                <a:highlight>
-                  <a:srgbClr val="FFFFFF"/>
-                </a:highlight>
-                <a:latin typeface="Cascadia Mono" panose="020B0609020000020004" pitchFamily="49" charset="0"/>
-              </a:rPr>
-              <a:t>Example of a STAR schema</a:t>
             </a:r>
           </a:p>
           <a:p>
@@ -6756,10 +6978,10 @@
       </p:sp>
       <p:pic>
         <p:nvPicPr>
-          <p:cNvPr id="5" name="Picture 4">
-            <a:extLst>
-              <a:ext uri="{FF2B5EF4-FFF2-40B4-BE49-F238E27FC236}">
-                <a16:creationId xmlns:a16="http://schemas.microsoft.com/office/drawing/2014/main" id="{99C52682-5505-A44B-D991-5E44A8596560}"/>
+          <p:cNvPr id="4" name="Picture 3">
+            <a:extLst>
+              <a:ext uri="{FF2B5EF4-FFF2-40B4-BE49-F238E27FC236}">
+                <a16:creationId xmlns:a16="http://schemas.microsoft.com/office/drawing/2014/main" id="{A327B28B-E4E9-0BE8-B148-6F104D498970}"/>
               </a:ext>
             </a:extLst>
           </p:cNvPr>
@@ -6777,7 +6999,7 @@
         <p:spPr>
           <a:xfrm>
             <a:off x="10151700" y="0"/>
-            <a:ext cx="1524213" cy="2086266"/>
+            <a:ext cx="1524213" cy="1825625"/>
           </a:xfrm>
           <a:prstGeom prst="rect">
             <a:avLst/>
@@ -6786,10 +7008,10 @@
       </p:pic>
       <p:pic>
         <p:nvPicPr>
-          <p:cNvPr id="7" name="Picture 6">
-            <a:extLst>
-              <a:ext uri="{FF2B5EF4-FFF2-40B4-BE49-F238E27FC236}">
-                <a16:creationId xmlns:a16="http://schemas.microsoft.com/office/drawing/2014/main" id="{DFE1B5D5-974B-10D5-3954-5A4AB5C5C3B2}"/>
+          <p:cNvPr id="5" name="Graphic 4">
+            <a:extLst>
+              <a:ext uri="{FF2B5EF4-FFF2-40B4-BE49-F238E27FC236}">
+                <a16:creationId xmlns:a16="http://schemas.microsoft.com/office/drawing/2014/main" id="{46E63BFC-A7D4-2C29-DAA4-CC9C67D888B3}"/>
               </a:ext>
             </a:extLst>
           </p:cNvPr>
@@ -6801,8 +7023,8 @@
         <p:blipFill>
           <a:blip r:embed="rId3">
             <a:extLst>
-              <a:ext uri="{28A0092B-C50C-407E-A947-70E740481C1C}">
-                <a14:useLocalDpi xmlns:a14="http://schemas.microsoft.com/office/drawing/2010/main" val="0"/>
+              <a:ext uri="{96DAC541-7B7A-43D3-8B79-37D633B846F1}">
+                <asvg:svgBlip xmlns:asvg="http://schemas.microsoft.com/office/drawing/2016/SVG/main" r:embed="rId4"/>
               </a:ext>
             </a:extLst>
           </a:blip>
@@ -6812,8 +7034,8 @@
         </p:blipFill>
         <p:spPr>
           <a:xfrm>
-            <a:off x="5751871" y="4059412"/>
-            <a:ext cx="4311338" cy="2798588"/>
+            <a:off x="9021364" y="4928572"/>
+            <a:ext cx="3784883" cy="2162790"/>
           </a:xfrm>
           <a:prstGeom prst="rect">
             <a:avLst/>
@@ -6823,7 +7045,7 @@
     </p:spTree>
     <p:extLst>
       <p:ext uri="{BB962C8B-B14F-4D97-AF65-F5344CB8AC3E}">
-        <p14:creationId xmlns:p14="http://schemas.microsoft.com/office/powerpoint/2010/main" val="979915741"/>
+        <p14:creationId xmlns:p14="http://schemas.microsoft.com/office/powerpoint/2010/main" val="3016815425"/>
       </p:ext>
     </p:extLst>
   </p:cSld>
@@ -6855,7 +7077,7 @@
           <p:cNvPr id="2" name="Title 1">
             <a:extLst>
               <a:ext uri="{FF2B5EF4-FFF2-40B4-BE49-F238E27FC236}">
-                <a16:creationId xmlns:a16="http://schemas.microsoft.com/office/drawing/2014/main" id="{61B948D2-E030-A356-8D29-77403C10F585}"/>
+                <a16:creationId xmlns:a16="http://schemas.microsoft.com/office/drawing/2014/main" id="{BBD49497-A989-90D1-A6F2-D63843B57443}"/>
               </a:ext>
             </a:extLst>
           </p:cNvPr>
@@ -6866,14 +7088,19 @@
             <p:ph type="title"/>
           </p:nvPr>
         </p:nvSpPr>
-        <p:spPr/>
+        <p:spPr>
+          <a:xfrm>
+            <a:off x="631722" y="250031"/>
+            <a:ext cx="10515600" cy="1325563"/>
+          </a:xfrm>
+        </p:spPr>
         <p:txBody>
           <a:bodyPr/>
           <a:lstStyle/>
           <a:p>
             <a:r>
               <a:rPr lang="en-IN" dirty="0"/>
-              <a:t>Gold Layer                                       </a:t>
+              <a:t>Gold Layer  </a:t>
             </a:r>
           </a:p>
         </p:txBody>
@@ -6883,7 +7110,7 @@
           <p:cNvPr id="3" name="Content Placeholder 2">
             <a:extLst>
               <a:ext uri="{FF2B5EF4-FFF2-40B4-BE49-F238E27FC236}">
-                <a16:creationId xmlns:a16="http://schemas.microsoft.com/office/drawing/2014/main" id="{DB51E851-0E33-B573-56B4-26BEEBD4BC07}"/>
+                <a16:creationId xmlns:a16="http://schemas.microsoft.com/office/drawing/2014/main" id="{46A48ACD-DECD-BAC9-6670-F76BD4037087}"/>
               </a:ext>
             </a:extLst>
           </p:cNvPr>
@@ -6896,29 +7123,135 @@
         </p:nvSpPr>
         <p:spPr/>
         <p:txBody>
-          <a:bodyPr>
-            <a:normAutofit fontScale="92500" lnSpcReduction="10000"/>
-          </a:bodyPr>
+          <a:bodyPr/>
           <a:lstStyle/>
           <a:p>
             <a:r>
               <a:rPr lang="en-IN" dirty="0"/>
-              <a:t>We create FACT_SALES USING dimension of customer and product.</a:t>
+              <a:t>In the gold layer we create Dimension and Facts</a:t>
             </a:r>
           </a:p>
           <a:p>
             <a:r>
               <a:rPr lang="en-IN" dirty="0"/>
-              <a:t>We insert data from SILVER tables.</a:t>
+              <a:t>GOLD.DIM_CUSTOMER,GOLD.DIM_PRODUCT AND GOLD.FACT_SALES</a:t>
             </a:r>
           </a:p>
           <a:p>
             <a:r>
               <a:rPr lang="en-IN" dirty="0"/>
-              <a:t>We join the tables using these parameters</a:t>
-            </a:r>
-          </a:p>
-          <a:p>
+              <a:t>We create foreign keys to link tables</a:t>
+            </a:r>
+          </a:p>
+          <a:p>
+            <a:r>
+              <a:rPr lang="en-US" sz="1800" dirty="0">
+                <a:solidFill>
+                  <a:srgbClr val="000000"/>
+                </a:solidFill>
+                <a:highlight>
+                  <a:srgbClr val="FFFFFF"/>
+                </a:highlight>
+                <a:latin typeface="Cascadia Mono" panose="020B0609020000020004" pitchFamily="49" charset="0"/>
+              </a:rPr>
+              <a:t>CUSTOMER_ID </a:t>
+            </a:r>
+            <a:r>
+              <a:rPr lang="en-US" sz="1800" dirty="0">
+                <a:solidFill>
+                  <a:srgbClr val="0000FF"/>
+                </a:solidFill>
+                <a:highlight>
+                  <a:srgbClr val="FFFFFF"/>
+                </a:highlight>
+                <a:latin typeface="Cascadia Mono" panose="020B0609020000020004" pitchFamily="49" charset="0"/>
+              </a:rPr>
+              <a:t>INT</a:t>
+            </a:r>
+            <a:r>
+              <a:rPr lang="en-US" sz="1800" dirty="0">
+                <a:solidFill>
+                  <a:srgbClr val="000000"/>
+                </a:solidFill>
+                <a:highlight>
+                  <a:srgbClr val="FFFFFF"/>
+                </a:highlight>
+                <a:latin typeface="Cascadia Mono" panose="020B0609020000020004" pitchFamily="49" charset="0"/>
+              </a:rPr>
+              <a:t> </a:t>
+            </a:r>
+            <a:r>
+              <a:rPr lang="en-US" sz="1800" dirty="0">
+                <a:solidFill>
+                  <a:srgbClr val="0000FF"/>
+                </a:solidFill>
+                <a:highlight>
+                  <a:srgbClr val="FFFFFF"/>
+                </a:highlight>
+                <a:latin typeface="Cascadia Mono" panose="020B0609020000020004" pitchFamily="49" charset="0"/>
+              </a:rPr>
+              <a:t>FOREIGN</a:t>
+            </a:r>
+            <a:r>
+              <a:rPr lang="en-US" sz="1800" dirty="0">
+                <a:solidFill>
+                  <a:srgbClr val="000000"/>
+                </a:solidFill>
+                <a:highlight>
+                  <a:srgbClr val="FFFFFF"/>
+                </a:highlight>
+                <a:latin typeface="Cascadia Mono" panose="020B0609020000020004" pitchFamily="49" charset="0"/>
+              </a:rPr>
+              <a:t> </a:t>
+            </a:r>
+            <a:r>
+              <a:rPr lang="en-US" sz="1800" dirty="0">
+                <a:solidFill>
+                  <a:srgbClr val="0000FF"/>
+                </a:solidFill>
+                <a:highlight>
+                  <a:srgbClr val="FFFFFF"/>
+                </a:highlight>
+                <a:latin typeface="Cascadia Mono" panose="020B0609020000020004" pitchFamily="49" charset="0"/>
+              </a:rPr>
+              <a:t>KEY</a:t>
+            </a:r>
+            <a:r>
+              <a:rPr lang="en-US" sz="1800" dirty="0">
+                <a:solidFill>
+                  <a:srgbClr val="000000"/>
+                </a:solidFill>
+                <a:highlight>
+                  <a:srgbClr val="FFFFFF"/>
+                </a:highlight>
+                <a:latin typeface="Cascadia Mono" panose="020B0609020000020004" pitchFamily="49" charset="0"/>
+              </a:rPr>
+              <a:t> </a:t>
+            </a:r>
+            <a:r>
+              <a:rPr lang="en-US" sz="1800" dirty="0">
+                <a:solidFill>
+                  <a:srgbClr val="0000FF"/>
+                </a:solidFill>
+                <a:highlight>
+                  <a:srgbClr val="FFFFFF"/>
+                </a:highlight>
+                <a:latin typeface="Cascadia Mono" panose="020B0609020000020004" pitchFamily="49" charset="0"/>
+              </a:rPr>
+              <a:t>REFERENCES</a:t>
+            </a:r>
+            <a:r>
+              <a:rPr lang="en-US" sz="1800" dirty="0">
+                <a:solidFill>
+                  <a:srgbClr val="000000"/>
+                </a:solidFill>
+                <a:highlight>
+                  <a:srgbClr val="FFFFFF"/>
+                </a:highlight>
+                <a:latin typeface="Cascadia Mono" panose="020B0609020000020004" pitchFamily="49" charset="0"/>
+              </a:rPr>
+              <a:t> GOLD</a:t>
+            </a:r>
             <a:r>
               <a:rPr lang="en-US" sz="1800" dirty="0">
                 <a:solidFill>
@@ -6929,7 +7262,153 @@
                 </a:highlight>
                 <a:latin typeface="Cascadia Mono" panose="020B0609020000020004" pitchFamily="49" charset="0"/>
               </a:rPr>
-              <a:t>JOIN</a:t>
+              <a:t>.</a:t>
+            </a:r>
+            <a:r>
+              <a:rPr lang="en-US" sz="1800" dirty="0">
+                <a:solidFill>
+                  <a:srgbClr val="000000"/>
+                </a:solidFill>
+                <a:highlight>
+                  <a:srgbClr val="FFFFFF"/>
+                </a:highlight>
+                <a:latin typeface="Cascadia Mono" panose="020B0609020000020004" pitchFamily="49" charset="0"/>
+              </a:rPr>
+              <a:t>DIM_CUSTOMER</a:t>
+            </a:r>
+            <a:r>
+              <a:rPr lang="en-US" sz="1800" dirty="0">
+                <a:solidFill>
+                  <a:srgbClr val="808080"/>
+                </a:solidFill>
+                <a:highlight>
+                  <a:srgbClr val="FFFFFF"/>
+                </a:highlight>
+                <a:latin typeface="Cascadia Mono" panose="020B0609020000020004" pitchFamily="49" charset="0"/>
+              </a:rPr>
+              <a:t>(</a:t>
+            </a:r>
+            <a:r>
+              <a:rPr lang="en-US" sz="1800" dirty="0">
+                <a:solidFill>
+                  <a:srgbClr val="000000"/>
+                </a:solidFill>
+                <a:highlight>
+                  <a:srgbClr val="FFFFFF"/>
+                </a:highlight>
+                <a:latin typeface="Cascadia Mono" panose="020B0609020000020004" pitchFamily="49" charset="0"/>
+              </a:rPr>
+              <a:t>CUSTOMER_ID</a:t>
+            </a:r>
+            <a:r>
+              <a:rPr lang="en-US" sz="1800" dirty="0">
+                <a:solidFill>
+                  <a:srgbClr val="808080"/>
+                </a:solidFill>
+                <a:highlight>
+                  <a:srgbClr val="FFFFFF"/>
+                </a:highlight>
+                <a:latin typeface="Cascadia Mono" panose="020B0609020000020004" pitchFamily="49" charset="0"/>
+              </a:rPr>
+              <a:t>),</a:t>
+            </a:r>
+          </a:p>
+          <a:p>
+            <a:r>
+              <a:rPr lang="en-US" sz="1800" dirty="0">
+                <a:solidFill>
+                  <a:srgbClr val="000000"/>
+                </a:solidFill>
+                <a:highlight>
+                  <a:srgbClr val="FFFFFF"/>
+                </a:highlight>
+                <a:latin typeface="Cascadia Mono" panose="020B0609020000020004" pitchFamily="49" charset="0"/>
+              </a:rPr>
+              <a:t>PRODUCT_ID </a:t>
+            </a:r>
+            <a:r>
+              <a:rPr lang="en-US" sz="1800" dirty="0">
+                <a:solidFill>
+                  <a:srgbClr val="0000FF"/>
+                </a:solidFill>
+                <a:highlight>
+                  <a:srgbClr val="FFFFFF"/>
+                </a:highlight>
+                <a:latin typeface="Cascadia Mono" panose="020B0609020000020004" pitchFamily="49" charset="0"/>
+              </a:rPr>
+              <a:t>INT</a:t>
+            </a:r>
+            <a:r>
+              <a:rPr lang="en-US" sz="1800" dirty="0">
+                <a:solidFill>
+                  <a:srgbClr val="000000"/>
+                </a:solidFill>
+                <a:highlight>
+                  <a:srgbClr val="FFFFFF"/>
+                </a:highlight>
+                <a:latin typeface="Cascadia Mono" panose="020B0609020000020004" pitchFamily="49" charset="0"/>
+              </a:rPr>
+              <a:t> </a:t>
+            </a:r>
+            <a:r>
+              <a:rPr lang="en-US" sz="1800" dirty="0">
+                <a:solidFill>
+                  <a:srgbClr val="0000FF"/>
+                </a:solidFill>
+                <a:highlight>
+                  <a:srgbClr val="FFFFFF"/>
+                </a:highlight>
+                <a:latin typeface="Cascadia Mono" panose="020B0609020000020004" pitchFamily="49" charset="0"/>
+              </a:rPr>
+              <a:t>FOREIGN</a:t>
+            </a:r>
+            <a:r>
+              <a:rPr lang="en-US" sz="1800" dirty="0">
+                <a:solidFill>
+                  <a:srgbClr val="000000"/>
+                </a:solidFill>
+                <a:highlight>
+                  <a:srgbClr val="FFFFFF"/>
+                </a:highlight>
+                <a:latin typeface="Cascadia Mono" panose="020B0609020000020004" pitchFamily="49" charset="0"/>
+              </a:rPr>
+              <a:t> </a:t>
+            </a:r>
+            <a:r>
+              <a:rPr lang="en-US" sz="1800" dirty="0">
+                <a:solidFill>
+                  <a:srgbClr val="0000FF"/>
+                </a:solidFill>
+                <a:highlight>
+                  <a:srgbClr val="FFFFFF"/>
+                </a:highlight>
+                <a:latin typeface="Cascadia Mono" panose="020B0609020000020004" pitchFamily="49" charset="0"/>
+              </a:rPr>
+              <a:t>KEY</a:t>
+            </a:r>
+            <a:r>
+              <a:rPr lang="en-US" sz="1800" dirty="0">
+                <a:solidFill>
+                  <a:srgbClr val="000000"/>
+                </a:solidFill>
+                <a:highlight>
+                  <a:srgbClr val="FFFFFF"/>
+                </a:highlight>
+                <a:latin typeface="Cascadia Mono" panose="020B0609020000020004" pitchFamily="49" charset="0"/>
+              </a:rPr>
+              <a:t> </a:t>
+            </a:r>
+            <a:r>
+              <a:rPr lang="en-US" sz="1800" dirty="0">
+                <a:solidFill>
+                  <a:srgbClr val="0000FF"/>
+                </a:solidFill>
+                <a:highlight>
+                  <a:srgbClr val="FFFFFF"/>
+                </a:highlight>
+                <a:latin typeface="Cascadia Mono" panose="020B0609020000020004" pitchFamily="49" charset="0"/>
+              </a:rPr>
+              <a:t>REFERENCES</a:t>
             </a:r>
             <a:r>
               <a:rPr lang="en-US" sz="1800" dirty="0">
@@ -6965,45 +7444,7 @@
                 </a:highlight>
                 <a:latin typeface="Cascadia Mono" panose="020B0609020000020004" pitchFamily="49" charset="0"/>
               </a:rPr>
-              <a:t>DIM_CUSTOMER C</a:t>
-            </a:r>
-          </a:p>
-          <a:p>
-            <a:r>
-              <a:rPr lang="en-US" sz="1800" dirty="0">
-                <a:solidFill>
-                  <a:srgbClr val="000000"/>
-                </a:solidFill>
-                <a:highlight>
-                  <a:srgbClr val="FFFFFF"/>
-                </a:highlight>
-                <a:latin typeface="Cascadia Mono" panose="020B0609020000020004" pitchFamily="49" charset="0"/>
-              </a:rPr>
-              <a:t>  </a:t>
-            </a:r>
-            <a:r>
-              <a:rPr lang="en-US" sz="1800" dirty="0">
-                <a:solidFill>
-                  <a:srgbClr val="0000FF"/>
-                </a:solidFill>
-                <a:highlight>
-                  <a:srgbClr val="FFFFFF"/>
-                </a:highlight>
-                <a:latin typeface="Cascadia Mono" panose="020B0609020000020004" pitchFamily="49" charset="0"/>
-              </a:rPr>
-              <a:t>ON</a:t>
-            </a:r>
-            <a:r>
-              <a:rPr lang="en-US" sz="1800" dirty="0">
-                <a:solidFill>
-                  <a:srgbClr val="000000"/>
-                </a:solidFill>
-                <a:highlight>
-                  <a:srgbClr val="FFFFFF"/>
-                </a:highlight>
-                <a:latin typeface="Cascadia Mono" panose="020B0609020000020004" pitchFamily="49" charset="0"/>
-              </a:rPr>
-              <a:t> S</a:t>
+              <a:t>DIM_PRODUCT</a:t>
             </a:r>
             <a:r>
               <a:rPr lang="en-US" sz="1800" dirty="0">
@@ -7015,19 +7456,19 @@
                 </a:highlight>
                 <a:latin typeface="Cascadia Mono" panose="020B0609020000020004" pitchFamily="49" charset="0"/>
               </a:rPr>
-              <a:t>.</a:t>
-            </a:r>
-            <a:r>
-              <a:rPr lang="en-US" sz="1800" dirty="0">
-                <a:solidFill>
-                  <a:srgbClr val="000000"/>
-                </a:solidFill>
-                <a:highlight>
-                  <a:srgbClr val="FFFFFF"/>
-                </a:highlight>
-                <a:latin typeface="Cascadia Mono" panose="020B0609020000020004" pitchFamily="49" charset="0"/>
-              </a:rPr>
-              <a:t>CUST_ID </a:t>
+              <a:t>(</a:t>
+            </a:r>
+            <a:r>
+              <a:rPr lang="en-US" sz="1800" dirty="0">
+                <a:solidFill>
+                  <a:srgbClr val="000000"/>
+                </a:solidFill>
+                <a:highlight>
+                  <a:srgbClr val="FFFFFF"/>
+                </a:highlight>
+                <a:latin typeface="Cascadia Mono" panose="020B0609020000020004" pitchFamily="49" charset="0"/>
+              </a:rPr>
+              <a:t>PRODUCT_ID</a:t>
             </a:r>
             <a:r>
               <a:rPr lang="en-US" sz="1800" dirty="0">
@@ -7039,97 +7480,11 @@
                 </a:highlight>
                 <a:latin typeface="Cascadia Mono" panose="020B0609020000020004" pitchFamily="49" charset="0"/>
               </a:rPr>
-              <a:t>=</a:t>
-            </a:r>
-            <a:r>
-              <a:rPr lang="en-US" sz="1800" dirty="0">
-                <a:solidFill>
-                  <a:srgbClr val="000000"/>
-                </a:solidFill>
-                <a:highlight>
-                  <a:srgbClr val="FFFFFF"/>
-                </a:highlight>
-                <a:latin typeface="Cascadia Mono" panose="020B0609020000020004" pitchFamily="49" charset="0"/>
-              </a:rPr>
-              <a:t> C</a:t>
-            </a:r>
-            <a:r>
-              <a:rPr lang="en-US" sz="1800" dirty="0">
-                <a:solidFill>
-                  <a:srgbClr val="808080"/>
-                </a:solidFill>
-                <a:highlight>
-                  <a:srgbClr val="FFFFFF"/>
-                </a:highlight>
-                <a:latin typeface="Cascadia Mono" panose="020B0609020000020004" pitchFamily="49" charset="0"/>
-              </a:rPr>
-              <a:t>.</a:t>
-            </a:r>
-            <a:r>
-              <a:rPr lang="en-US" sz="1800" dirty="0">
-                <a:solidFill>
-                  <a:srgbClr val="000000"/>
-                </a:solidFill>
-                <a:highlight>
-                  <a:srgbClr val="FFFFFF"/>
-                </a:highlight>
-                <a:latin typeface="Cascadia Mono" panose="020B0609020000020004" pitchFamily="49" charset="0"/>
-              </a:rPr>
-              <a:t>CUSTOMER_ID</a:t>
-            </a:r>
-          </a:p>
-          <a:p>
-            <a:r>
-              <a:rPr lang="en-US" sz="1800" dirty="0">
-                <a:solidFill>
-                  <a:srgbClr val="808080"/>
-                </a:solidFill>
-                <a:highlight>
-                  <a:srgbClr val="FFFFFF"/>
-                </a:highlight>
-                <a:latin typeface="Cascadia Mono" panose="020B0609020000020004" pitchFamily="49" charset="0"/>
-              </a:rPr>
-              <a:t>JOIN</a:t>
-            </a:r>
-            <a:r>
-              <a:rPr lang="en-US" sz="1800" dirty="0">
-                <a:solidFill>
-                  <a:srgbClr val="000000"/>
-                </a:solidFill>
-                <a:highlight>
-                  <a:srgbClr val="FFFFFF"/>
-                </a:highlight>
-                <a:latin typeface="Cascadia Mono" panose="020B0609020000020004" pitchFamily="49" charset="0"/>
-              </a:rPr>
-              <a:t> GOLD</a:t>
-            </a:r>
-            <a:r>
-              <a:rPr lang="en-US" sz="1800" dirty="0">
-                <a:solidFill>
-                  <a:srgbClr val="808080"/>
-                </a:solidFill>
-                <a:highlight>
-                  <a:srgbClr val="FFFFFF"/>
-                </a:highlight>
-                <a:latin typeface="Cascadia Mono" panose="020B0609020000020004" pitchFamily="49" charset="0"/>
-              </a:rPr>
-              <a:t>.</a:t>
-            </a:r>
-            <a:r>
-              <a:rPr lang="en-US" sz="1800" dirty="0">
-                <a:solidFill>
-                  <a:srgbClr val="000000"/>
-                </a:solidFill>
-                <a:highlight>
-                  <a:srgbClr val="FFFFFF"/>
-                </a:highlight>
-                <a:latin typeface="Cascadia Mono" panose="020B0609020000020004" pitchFamily="49" charset="0"/>
-              </a:rPr>
-              <a:t>DIM_PRODUCT P</a:t>
+              <a:t>),</a:t>
             </a:r>
             <a:endParaRPr lang="en-IN" sz="1800" dirty="0">
               <a:solidFill>
-                <a:srgbClr val="000000"/>
+                <a:srgbClr val="808080"/>
               </a:solidFill>
               <a:highlight>
                 <a:srgbClr val="FFFFFF"/>
@@ -7138,44 +7493,19 @@
             </a:endParaRPr>
           </a:p>
           <a:p>
-            <a:r>
-              <a:rPr lang="en-US" sz="1800" dirty="0">
-                <a:solidFill>
-                  <a:srgbClr val="000000"/>
-                </a:solidFill>
-                <a:highlight>
-                  <a:srgbClr val="FFFFFF"/>
-                </a:highlight>
-                <a:latin typeface="Cascadia Mono" panose="020B0609020000020004" pitchFamily="49" charset="0"/>
-              </a:rPr>
-              <a:t> </a:t>
-            </a:r>
-            <a:r>
-              <a:rPr lang="en-US" sz="1800" dirty="0">
-                <a:solidFill>
-                  <a:srgbClr val="0000FF"/>
-                </a:solidFill>
-                <a:highlight>
-                  <a:srgbClr val="FFFFFF"/>
-                </a:highlight>
-                <a:latin typeface="Cascadia Mono" panose="020B0609020000020004" pitchFamily="49" charset="0"/>
-              </a:rPr>
-              <a:t>ON</a:t>
-            </a:r>
-            <a:r>
-              <a:rPr lang="en-US" sz="1800" dirty="0">
-                <a:solidFill>
-                  <a:srgbClr val="000000"/>
-                </a:solidFill>
-                <a:highlight>
-                  <a:srgbClr val="FFFFFF"/>
-                </a:highlight>
-                <a:latin typeface="Cascadia Mono" panose="020B0609020000020004" pitchFamily="49" charset="0"/>
-              </a:rPr>
-              <a:t> S</a:t>
-            </a:r>
-            <a:r>
-              <a:rPr lang="en-US" sz="1800" dirty="0">
+            <a:endParaRPr lang="en-IN" sz="1800" dirty="0">
+              <a:solidFill>
+                <a:srgbClr val="808080"/>
+              </a:solidFill>
+              <a:highlight>
+                <a:srgbClr val="FFFFFF"/>
+              </a:highlight>
+              <a:latin typeface="Cascadia Mono" panose="020B0609020000020004" pitchFamily="49" charset="0"/>
+            </a:endParaRPr>
+          </a:p>
+          <a:p>
+            <a:r>
+              <a:rPr lang="en-IN" sz="1800" dirty="0">
                 <a:solidFill>
                   <a:srgbClr val="808080"/>
                 </a:solidFill>
@@ -7184,571 +7514,8 @@
                 </a:highlight>
                 <a:latin typeface="Cascadia Mono" panose="020B0609020000020004" pitchFamily="49" charset="0"/>
               </a:rPr>
-              <a:t>.</a:t>
-            </a:r>
-            <a:r>
-              <a:rPr lang="en-US" sz="1800" dirty="0">
-                <a:solidFill>
-                  <a:srgbClr val="000000"/>
-                </a:solidFill>
-                <a:highlight>
-                  <a:srgbClr val="FFFFFF"/>
-                </a:highlight>
-                <a:latin typeface="Cascadia Mono" panose="020B0609020000020004" pitchFamily="49" charset="0"/>
-              </a:rPr>
-              <a:t>PRODUCT_CAT </a:t>
-            </a:r>
-            <a:r>
-              <a:rPr lang="en-US" sz="1800" dirty="0">
-                <a:solidFill>
-                  <a:srgbClr val="808080"/>
-                </a:solidFill>
-                <a:highlight>
-                  <a:srgbClr val="FFFFFF"/>
-                </a:highlight>
-                <a:latin typeface="Cascadia Mono" panose="020B0609020000020004" pitchFamily="49" charset="0"/>
-              </a:rPr>
-              <a:t>=</a:t>
-            </a:r>
-            <a:r>
-              <a:rPr lang="en-US" sz="1800" dirty="0">
-                <a:solidFill>
-                  <a:srgbClr val="000000"/>
-                </a:solidFill>
-                <a:highlight>
-                  <a:srgbClr val="FFFFFF"/>
-                </a:highlight>
-                <a:latin typeface="Cascadia Mono" panose="020B0609020000020004" pitchFamily="49" charset="0"/>
-              </a:rPr>
-              <a:t> P</a:t>
-            </a:r>
-            <a:r>
-              <a:rPr lang="en-US" sz="1800" dirty="0">
-                <a:solidFill>
-                  <a:srgbClr val="808080"/>
-                </a:solidFill>
-                <a:highlight>
-                  <a:srgbClr val="FFFFFF"/>
-                </a:highlight>
-                <a:latin typeface="Cascadia Mono" panose="020B0609020000020004" pitchFamily="49" charset="0"/>
-              </a:rPr>
-              <a:t>.</a:t>
-            </a:r>
-            <a:r>
-              <a:rPr lang="en-US" sz="1800" dirty="0">
-                <a:solidFill>
-                  <a:srgbClr val="000000"/>
-                </a:solidFill>
-                <a:highlight>
-                  <a:srgbClr val="FFFFFF"/>
-                </a:highlight>
-                <a:latin typeface="Cascadia Mono" panose="020B0609020000020004" pitchFamily="49" charset="0"/>
-              </a:rPr>
-              <a:t>PRODUCT_CAT</a:t>
-            </a:r>
-          </a:p>
-          <a:p>
-            <a:r>
-              <a:rPr lang="en-US" sz="1800" dirty="0">
-                <a:solidFill>
-                  <a:srgbClr val="808080"/>
-                </a:solidFill>
-                <a:highlight>
-                  <a:srgbClr val="FFFFFF"/>
-                </a:highlight>
-                <a:latin typeface="Cascadia Mono" panose="020B0609020000020004" pitchFamily="49" charset="0"/>
-              </a:rPr>
-              <a:t> AND</a:t>
-            </a:r>
-            <a:r>
-              <a:rPr lang="en-US" sz="1800" dirty="0">
-                <a:solidFill>
-                  <a:srgbClr val="000000"/>
-                </a:solidFill>
-                <a:highlight>
-                  <a:srgbClr val="FFFFFF"/>
-                </a:highlight>
-                <a:latin typeface="Cascadia Mono" panose="020B0609020000020004" pitchFamily="49" charset="0"/>
-              </a:rPr>
-              <a:t> S</a:t>
-            </a:r>
-            <a:r>
-              <a:rPr lang="en-US" sz="1800" dirty="0">
-                <a:solidFill>
-                  <a:srgbClr val="808080"/>
-                </a:solidFill>
-                <a:highlight>
-                  <a:srgbClr val="FFFFFF"/>
-                </a:highlight>
-                <a:latin typeface="Cascadia Mono" panose="020B0609020000020004" pitchFamily="49" charset="0"/>
-              </a:rPr>
-              <a:t>.</a:t>
-            </a:r>
-            <a:r>
-              <a:rPr lang="en-US" sz="1800" dirty="0">
-                <a:solidFill>
-                  <a:srgbClr val="000000"/>
-                </a:solidFill>
-                <a:highlight>
-                  <a:srgbClr val="FFFFFF"/>
-                </a:highlight>
-                <a:latin typeface="Cascadia Mono" panose="020B0609020000020004" pitchFamily="49" charset="0"/>
-              </a:rPr>
-              <a:t>PRODUCT_BRAND </a:t>
-            </a:r>
-            <a:r>
-              <a:rPr lang="en-US" sz="1800" dirty="0">
-                <a:solidFill>
-                  <a:srgbClr val="808080"/>
-                </a:solidFill>
-                <a:highlight>
-                  <a:srgbClr val="FFFFFF"/>
-                </a:highlight>
-                <a:latin typeface="Cascadia Mono" panose="020B0609020000020004" pitchFamily="49" charset="0"/>
-              </a:rPr>
-              <a:t>=</a:t>
-            </a:r>
-            <a:r>
-              <a:rPr lang="en-US" sz="1800" dirty="0">
-                <a:solidFill>
-                  <a:srgbClr val="000000"/>
-                </a:solidFill>
-                <a:highlight>
-                  <a:srgbClr val="FFFFFF"/>
-                </a:highlight>
-                <a:latin typeface="Cascadia Mono" panose="020B0609020000020004" pitchFamily="49" charset="0"/>
-              </a:rPr>
-              <a:t> P</a:t>
-            </a:r>
-            <a:r>
-              <a:rPr lang="en-US" sz="1800" dirty="0">
-                <a:solidFill>
-                  <a:srgbClr val="808080"/>
-                </a:solidFill>
-                <a:highlight>
-                  <a:srgbClr val="FFFFFF"/>
-                </a:highlight>
-                <a:latin typeface="Cascadia Mono" panose="020B0609020000020004" pitchFamily="49" charset="0"/>
-              </a:rPr>
-              <a:t>.</a:t>
-            </a:r>
-            <a:r>
-              <a:rPr lang="en-US" sz="1800" dirty="0">
-                <a:solidFill>
-                  <a:srgbClr val="000000"/>
-                </a:solidFill>
-                <a:highlight>
-                  <a:srgbClr val="FFFFFF"/>
-                </a:highlight>
-                <a:latin typeface="Cascadia Mono" panose="020B0609020000020004" pitchFamily="49" charset="0"/>
-              </a:rPr>
-              <a:t>PRODUCT_BRAND</a:t>
-            </a:r>
-          </a:p>
-          <a:p>
-            <a:r>
-              <a:rPr lang="en-US" sz="1800" dirty="0">
-                <a:solidFill>
-                  <a:srgbClr val="808080"/>
-                </a:solidFill>
-                <a:highlight>
-                  <a:srgbClr val="FFFFFF"/>
-                </a:highlight>
-                <a:latin typeface="Cascadia Mono" panose="020B0609020000020004" pitchFamily="49" charset="0"/>
-              </a:rPr>
-              <a:t> AND</a:t>
-            </a:r>
-            <a:r>
-              <a:rPr lang="en-US" sz="1800" dirty="0">
-                <a:solidFill>
-                  <a:srgbClr val="000000"/>
-                </a:solidFill>
-                <a:highlight>
-                  <a:srgbClr val="FFFFFF"/>
-                </a:highlight>
-                <a:latin typeface="Cascadia Mono" panose="020B0609020000020004" pitchFamily="49" charset="0"/>
-              </a:rPr>
-              <a:t> S</a:t>
-            </a:r>
-            <a:r>
-              <a:rPr lang="en-US" sz="1800" dirty="0">
-                <a:solidFill>
-                  <a:srgbClr val="808080"/>
-                </a:solidFill>
-                <a:highlight>
-                  <a:srgbClr val="FFFFFF"/>
-                </a:highlight>
-                <a:latin typeface="Cascadia Mono" panose="020B0609020000020004" pitchFamily="49" charset="0"/>
-              </a:rPr>
-              <a:t>.</a:t>
-            </a:r>
-            <a:r>
-              <a:rPr lang="en-US" sz="1800" dirty="0">
-                <a:solidFill>
-                  <a:srgbClr val="000000"/>
-                </a:solidFill>
-                <a:highlight>
-                  <a:srgbClr val="FFFFFF"/>
-                </a:highlight>
-                <a:latin typeface="Cascadia Mono" panose="020B0609020000020004" pitchFamily="49" charset="0"/>
-              </a:rPr>
-              <a:t>PRODUCT_TYPE </a:t>
-            </a:r>
-            <a:r>
-              <a:rPr lang="en-US" sz="1800" dirty="0">
-                <a:solidFill>
-                  <a:srgbClr val="808080"/>
-                </a:solidFill>
-                <a:highlight>
-                  <a:srgbClr val="FFFFFF"/>
-                </a:highlight>
-                <a:latin typeface="Cascadia Mono" panose="020B0609020000020004" pitchFamily="49" charset="0"/>
-              </a:rPr>
-              <a:t>=</a:t>
-            </a:r>
-            <a:r>
-              <a:rPr lang="en-US" sz="1800" dirty="0">
-                <a:solidFill>
-                  <a:srgbClr val="000000"/>
-                </a:solidFill>
-                <a:highlight>
-                  <a:srgbClr val="FFFFFF"/>
-                </a:highlight>
-                <a:latin typeface="Cascadia Mono" panose="020B0609020000020004" pitchFamily="49" charset="0"/>
-              </a:rPr>
-              <a:t> P</a:t>
-            </a:r>
-            <a:r>
-              <a:rPr lang="en-US" sz="1800" dirty="0">
-                <a:solidFill>
-                  <a:srgbClr val="808080"/>
-                </a:solidFill>
-                <a:highlight>
-                  <a:srgbClr val="FFFFFF"/>
-                </a:highlight>
-                <a:latin typeface="Cascadia Mono" panose="020B0609020000020004" pitchFamily="49" charset="0"/>
-              </a:rPr>
-              <a:t>.</a:t>
-            </a:r>
-            <a:r>
-              <a:rPr lang="en-US" sz="1800" dirty="0">
-                <a:solidFill>
-                  <a:srgbClr val="000000"/>
-                </a:solidFill>
-                <a:highlight>
-                  <a:srgbClr val="FFFFFF"/>
-                </a:highlight>
-                <a:latin typeface="Cascadia Mono" panose="020B0609020000020004" pitchFamily="49" charset="0"/>
-              </a:rPr>
-              <a:t>PRODUCT_TYPE</a:t>
-            </a:r>
-          </a:p>
-          <a:p>
-            <a:r>
-              <a:rPr lang="en-US" sz="1800" dirty="0">
-                <a:solidFill>
-                  <a:srgbClr val="808080"/>
-                </a:solidFill>
-                <a:highlight>
-                  <a:srgbClr val="FFFFFF"/>
-                </a:highlight>
-                <a:latin typeface="Cascadia Mono" panose="020B0609020000020004" pitchFamily="49" charset="0"/>
-              </a:rPr>
-              <a:t> AND</a:t>
-            </a:r>
-            <a:r>
-              <a:rPr lang="en-US" sz="1800" dirty="0">
-                <a:solidFill>
-                  <a:srgbClr val="000000"/>
-                </a:solidFill>
-                <a:highlight>
-                  <a:srgbClr val="FFFFFF"/>
-                </a:highlight>
-                <a:latin typeface="Cascadia Mono" panose="020B0609020000020004" pitchFamily="49" charset="0"/>
-              </a:rPr>
-              <a:t> S</a:t>
-            </a:r>
-            <a:r>
-              <a:rPr lang="en-US" sz="1800" dirty="0">
-                <a:solidFill>
-                  <a:srgbClr val="808080"/>
-                </a:solidFill>
-                <a:highlight>
-                  <a:srgbClr val="FFFFFF"/>
-                </a:highlight>
-                <a:latin typeface="Cascadia Mono" panose="020B0609020000020004" pitchFamily="49" charset="0"/>
-              </a:rPr>
-              <a:t>.</a:t>
-            </a:r>
-            <a:r>
-              <a:rPr lang="en-US" sz="1800" dirty="0">
-                <a:solidFill>
-                  <a:srgbClr val="000000"/>
-                </a:solidFill>
-                <a:highlight>
-                  <a:srgbClr val="FFFFFF"/>
-                </a:highlight>
-                <a:latin typeface="Cascadia Mono" panose="020B0609020000020004" pitchFamily="49" charset="0"/>
-              </a:rPr>
-              <a:t>PRODUCT_FEEDBACK </a:t>
-            </a:r>
-            <a:r>
-              <a:rPr lang="en-US" sz="1800" dirty="0">
-                <a:solidFill>
-                  <a:srgbClr val="808080"/>
-                </a:solidFill>
-                <a:highlight>
-                  <a:srgbClr val="FFFFFF"/>
-                </a:highlight>
-                <a:latin typeface="Cascadia Mono" panose="020B0609020000020004" pitchFamily="49" charset="0"/>
-              </a:rPr>
-              <a:t>=</a:t>
-            </a:r>
-            <a:r>
-              <a:rPr lang="en-US" sz="1800" dirty="0">
-                <a:solidFill>
-                  <a:srgbClr val="000000"/>
-                </a:solidFill>
-                <a:highlight>
-                  <a:srgbClr val="FFFFFF"/>
-                </a:highlight>
-                <a:latin typeface="Cascadia Mono" panose="020B0609020000020004" pitchFamily="49" charset="0"/>
-              </a:rPr>
-              <a:t> P</a:t>
-            </a:r>
-            <a:r>
-              <a:rPr lang="en-US" sz="1800" dirty="0">
-                <a:solidFill>
-                  <a:srgbClr val="808080"/>
-                </a:solidFill>
-                <a:highlight>
-                  <a:srgbClr val="FFFFFF"/>
-                </a:highlight>
-                <a:latin typeface="Cascadia Mono" panose="020B0609020000020004" pitchFamily="49" charset="0"/>
-              </a:rPr>
-              <a:t>.</a:t>
-            </a:r>
-            <a:r>
-              <a:rPr lang="en-US" sz="1800" dirty="0">
-                <a:solidFill>
-                  <a:srgbClr val="000000"/>
-                </a:solidFill>
-                <a:highlight>
-                  <a:srgbClr val="FFFFFF"/>
-                </a:highlight>
-                <a:latin typeface="Cascadia Mono" panose="020B0609020000020004" pitchFamily="49" charset="0"/>
-              </a:rPr>
-              <a:t>PRODUCT_FEEDBACK</a:t>
-            </a:r>
-          </a:p>
-          <a:p>
-            <a:r>
-              <a:rPr lang="en-US" sz="1800" dirty="0">
-                <a:solidFill>
-                  <a:srgbClr val="808080"/>
-                </a:solidFill>
-                <a:highlight>
-                  <a:srgbClr val="FFFFFF"/>
-                </a:highlight>
-                <a:latin typeface="Cascadia Mono" panose="020B0609020000020004" pitchFamily="49" charset="0"/>
-              </a:rPr>
-              <a:t> AND</a:t>
-            </a:r>
-            <a:r>
-              <a:rPr lang="en-US" sz="1800" dirty="0">
-                <a:solidFill>
-                  <a:srgbClr val="000000"/>
-                </a:solidFill>
-                <a:highlight>
-                  <a:srgbClr val="FFFFFF"/>
-                </a:highlight>
-                <a:latin typeface="Cascadia Mono" panose="020B0609020000020004" pitchFamily="49" charset="0"/>
-              </a:rPr>
-              <a:t> S</a:t>
-            </a:r>
-            <a:r>
-              <a:rPr lang="en-US" sz="1800" dirty="0">
-                <a:solidFill>
-                  <a:srgbClr val="808080"/>
-                </a:solidFill>
-                <a:highlight>
-                  <a:srgbClr val="FFFFFF"/>
-                </a:highlight>
-                <a:latin typeface="Cascadia Mono" panose="020B0609020000020004" pitchFamily="49" charset="0"/>
-              </a:rPr>
-              <a:t>.</a:t>
-            </a:r>
-            <a:r>
-              <a:rPr lang="en-US" sz="1800" dirty="0">
-                <a:solidFill>
-                  <a:srgbClr val="000000"/>
-                </a:solidFill>
-                <a:highlight>
-                  <a:srgbClr val="FFFFFF"/>
-                </a:highlight>
-                <a:latin typeface="Cascadia Mono" panose="020B0609020000020004" pitchFamily="49" charset="0"/>
-              </a:rPr>
-              <a:t>PRODUCT_SHIPPING </a:t>
-            </a:r>
-            <a:r>
-              <a:rPr lang="en-US" sz="1800" dirty="0">
-                <a:solidFill>
-                  <a:srgbClr val="808080"/>
-                </a:solidFill>
-                <a:highlight>
-                  <a:srgbClr val="FFFFFF"/>
-                </a:highlight>
-                <a:latin typeface="Cascadia Mono" panose="020B0609020000020004" pitchFamily="49" charset="0"/>
-              </a:rPr>
-              <a:t>=</a:t>
-            </a:r>
-            <a:r>
-              <a:rPr lang="en-US" sz="1800" dirty="0">
-                <a:solidFill>
-                  <a:srgbClr val="000000"/>
-                </a:solidFill>
-                <a:highlight>
-                  <a:srgbClr val="FFFFFF"/>
-                </a:highlight>
-                <a:latin typeface="Cascadia Mono" panose="020B0609020000020004" pitchFamily="49" charset="0"/>
-              </a:rPr>
-              <a:t> P</a:t>
-            </a:r>
-            <a:r>
-              <a:rPr lang="en-US" sz="1800" dirty="0">
-                <a:solidFill>
-                  <a:srgbClr val="808080"/>
-                </a:solidFill>
-                <a:highlight>
-                  <a:srgbClr val="FFFFFF"/>
-                </a:highlight>
-                <a:latin typeface="Cascadia Mono" panose="020B0609020000020004" pitchFamily="49" charset="0"/>
-              </a:rPr>
-              <a:t>.</a:t>
-            </a:r>
-            <a:r>
-              <a:rPr lang="en-US" sz="1800" dirty="0">
-                <a:solidFill>
-                  <a:srgbClr val="000000"/>
-                </a:solidFill>
-                <a:highlight>
-                  <a:srgbClr val="FFFFFF"/>
-                </a:highlight>
-                <a:latin typeface="Cascadia Mono" panose="020B0609020000020004" pitchFamily="49" charset="0"/>
-              </a:rPr>
-              <a:t>PRODUCT_SHIPPING</a:t>
-            </a:r>
-          </a:p>
-          <a:p>
-            <a:r>
-              <a:rPr lang="en-US" sz="1800" dirty="0">
-                <a:solidFill>
-                  <a:srgbClr val="808080"/>
-                </a:solidFill>
-                <a:highlight>
-                  <a:srgbClr val="FFFFFF"/>
-                </a:highlight>
-                <a:latin typeface="Cascadia Mono" panose="020B0609020000020004" pitchFamily="49" charset="0"/>
-              </a:rPr>
-              <a:t> AND</a:t>
-            </a:r>
-            <a:r>
-              <a:rPr lang="en-US" sz="1800" dirty="0">
-                <a:solidFill>
-                  <a:srgbClr val="000000"/>
-                </a:solidFill>
-                <a:highlight>
-                  <a:srgbClr val="FFFFFF"/>
-                </a:highlight>
-                <a:latin typeface="Cascadia Mono" panose="020B0609020000020004" pitchFamily="49" charset="0"/>
-              </a:rPr>
-              <a:t> S</a:t>
-            </a:r>
-            <a:r>
-              <a:rPr lang="en-US" sz="1800" dirty="0">
-                <a:solidFill>
-                  <a:srgbClr val="808080"/>
-                </a:solidFill>
-                <a:highlight>
-                  <a:srgbClr val="FFFFFF"/>
-                </a:highlight>
-                <a:latin typeface="Cascadia Mono" panose="020B0609020000020004" pitchFamily="49" charset="0"/>
-              </a:rPr>
-              <a:t>.</a:t>
-            </a:r>
-            <a:r>
-              <a:rPr lang="en-US" sz="1800" dirty="0">
-                <a:solidFill>
-                  <a:srgbClr val="000000"/>
-                </a:solidFill>
-                <a:highlight>
-                  <a:srgbClr val="FFFFFF"/>
-                </a:highlight>
-                <a:latin typeface="Cascadia Mono" panose="020B0609020000020004" pitchFamily="49" charset="0"/>
-              </a:rPr>
-              <a:t>PRODUCTS </a:t>
-            </a:r>
-            <a:r>
-              <a:rPr lang="en-US" sz="1800" dirty="0">
-                <a:solidFill>
-                  <a:srgbClr val="808080"/>
-                </a:solidFill>
-                <a:highlight>
-                  <a:srgbClr val="FFFFFF"/>
-                </a:highlight>
-                <a:latin typeface="Cascadia Mono" panose="020B0609020000020004" pitchFamily="49" charset="0"/>
-              </a:rPr>
-              <a:t>=</a:t>
-            </a:r>
-            <a:r>
-              <a:rPr lang="en-US" sz="1800" dirty="0">
-                <a:solidFill>
-                  <a:srgbClr val="000000"/>
-                </a:solidFill>
-                <a:highlight>
-                  <a:srgbClr val="FFFFFF"/>
-                </a:highlight>
-                <a:latin typeface="Cascadia Mono" panose="020B0609020000020004" pitchFamily="49" charset="0"/>
-              </a:rPr>
-              <a:t> P</a:t>
-            </a:r>
-            <a:r>
-              <a:rPr lang="en-US" sz="1800" dirty="0">
-                <a:solidFill>
-                  <a:srgbClr val="808080"/>
-                </a:solidFill>
-                <a:highlight>
-                  <a:srgbClr val="FFFFFF"/>
-                </a:highlight>
-                <a:latin typeface="Cascadia Mono" panose="020B0609020000020004" pitchFamily="49" charset="0"/>
-              </a:rPr>
-              <a:t>.</a:t>
-            </a:r>
-            <a:r>
-              <a:rPr lang="en-US" sz="1800" dirty="0">
-                <a:solidFill>
-                  <a:srgbClr val="000000"/>
-                </a:solidFill>
-                <a:highlight>
-                  <a:srgbClr val="FFFFFF"/>
-                </a:highlight>
-                <a:latin typeface="Cascadia Mono" panose="020B0609020000020004" pitchFamily="49" charset="0"/>
-              </a:rPr>
-              <a:t>PRODUCTS</a:t>
-            </a:r>
-            <a:r>
-              <a:rPr lang="en-US" sz="1800" dirty="0">
-                <a:solidFill>
-                  <a:srgbClr val="808080"/>
-                </a:solidFill>
-                <a:highlight>
-                  <a:srgbClr val="FFFFFF"/>
-                </a:highlight>
-                <a:latin typeface="Cascadia Mono" panose="020B0609020000020004" pitchFamily="49" charset="0"/>
-              </a:rPr>
-              <a:t>;</a:t>
-            </a:r>
-            <a:endParaRPr lang="en-IN" dirty="0"/>
+              <a:t>Example of a STAR schema</a:t>
+            </a:r>
           </a:p>
           <a:p>
             <a:endParaRPr lang="en-IN" dirty="0"/>
@@ -7757,10 +7524,10 @@
       </p:sp>
       <p:pic>
         <p:nvPicPr>
-          <p:cNvPr id="4" name="Picture 3">
-            <a:extLst>
-              <a:ext uri="{FF2B5EF4-FFF2-40B4-BE49-F238E27FC236}">
-                <a16:creationId xmlns:a16="http://schemas.microsoft.com/office/drawing/2014/main" id="{465C3ED1-7B7F-6C0F-3FE0-56D532B9FB69}"/>
+          <p:cNvPr id="5" name="Picture 4">
+            <a:extLst>
+              <a:ext uri="{FF2B5EF4-FFF2-40B4-BE49-F238E27FC236}">
+                <a16:creationId xmlns:a16="http://schemas.microsoft.com/office/drawing/2014/main" id="{99C52682-5505-A44B-D991-5E44A8596560}"/>
               </a:ext>
             </a:extLst>
           </p:cNvPr>
@@ -7778,7 +7545,79 @@
         <p:spPr>
           <a:xfrm>
             <a:off x="10151700" y="0"/>
-            <a:ext cx="1524213" cy="1825625"/>
+            <a:ext cx="1524213" cy="2086266"/>
+          </a:xfrm>
+          <a:prstGeom prst="rect">
+            <a:avLst/>
+          </a:prstGeom>
+        </p:spPr>
+      </p:pic>
+      <p:pic>
+        <p:nvPicPr>
+          <p:cNvPr id="7" name="Picture 6">
+            <a:extLst>
+              <a:ext uri="{FF2B5EF4-FFF2-40B4-BE49-F238E27FC236}">
+                <a16:creationId xmlns:a16="http://schemas.microsoft.com/office/drawing/2014/main" id="{DFE1B5D5-974B-10D5-3954-5A4AB5C5C3B2}"/>
+              </a:ext>
+            </a:extLst>
+          </p:cNvPr>
+          <p:cNvPicPr>
+            <a:picLocks noChangeAspect="1"/>
+          </p:cNvPicPr>
+          <p:nvPr/>
+        </p:nvPicPr>
+        <p:blipFill>
+          <a:blip r:embed="rId3">
+            <a:extLst>
+              <a:ext uri="{28A0092B-C50C-407E-A947-70E740481C1C}">
+                <a14:useLocalDpi xmlns:a14="http://schemas.microsoft.com/office/drawing/2010/main" val="0"/>
+              </a:ext>
+            </a:extLst>
+          </a:blip>
+          <a:stretch>
+            <a:fillRect/>
+          </a:stretch>
+        </p:blipFill>
+        <p:spPr>
+          <a:xfrm>
+            <a:off x="5751871" y="4059412"/>
+            <a:ext cx="4311338" cy="2798588"/>
+          </a:xfrm>
+          <a:prstGeom prst="rect">
+            <a:avLst/>
+          </a:prstGeom>
+        </p:spPr>
+      </p:pic>
+      <p:pic>
+        <p:nvPicPr>
+          <p:cNvPr id="4" name="Graphic 3">
+            <a:extLst>
+              <a:ext uri="{FF2B5EF4-FFF2-40B4-BE49-F238E27FC236}">
+                <a16:creationId xmlns:a16="http://schemas.microsoft.com/office/drawing/2014/main" id="{1C201FDB-6C88-522D-AF25-B143DB8DBA68}"/>
+              </a:ext>
+            </a:extLst>
+          </p:cNvPr>
+          <p:cNvPicPr>
+            <a:picLocks noChangeAspect="1"/>
+          </p:cNvPicPr>
+          <p:nvPr/>
+        </p:nvPicPr>
+        <p:blipFill>
+          <a:blip r:embed="rId4">
+            <a:extLst>
+              <a:ext uri="{96DAC541-7B7A-43D3-8B79-37D633B846F1}">
+                <asvg:svgBlip xmlns:asvg="http://schemas.microsoft.com/office/drawing/2016/SVG/main" r:embed="rId5"/>
+              </a:ext>
+            </a:extLst>
+          </a:blip>
+          <a:stretch>
+            <a:fillRect/>
+          </a:stretch>
+        </p:blipFill>
+        <p:spPr>
+          <a:xfrm>
+            <a:off x="9763715" y="5327343"/>
+            <a:ext cx="2973668" cy="1699239"/>
           </a:xfrm>
           <a:prstGeom prst="rect">
             <a:avLst/>
@@ -7788,7 +7627,7 @@
     </p:spTree>
     <p:extLst>
       <p:ext uri="{BB962C8B-B14F-4D97-AF65-F5344CB8AC3E}">
-        <p14:creationId xmlns:p14="http://schemas.microsoft.com/office/powerpoint/2010/main" val="738422402"/>
+        <p14:creationId xmlns:p14="http://schemas.microsoft.com/office/powerpoint/2010/main" val="979915741"/>
       </p:ext>
     </p:extLst>
   </p:cSld>
@@ -7820,7 +7659,7 @@
           <p:cNvPr id="2" name="Title 1">
             <a:extLst>
               <a:ext uri="{FF2B5EF4-FFF2-40B4-BE49-F238E27FC236}">
-                <a16:creationId xmlns:a16="http://schemas.microsoft.com/office/drawing/2014/main" id="{7BF72118-A6BE-8B40-1F0B-20A36AFAFA23}"/>
+                <a16:creationId xmlns:a16="http://schemas.microsoft.com/office/drawing/2014/main" id="{61B948D2-E030-A356-8D29-77403C10F585}"/>
               </a:ext>
             </a:extLst>
           </p:cNvPr>
@@ -7838,7 +7677,7 @@
           <a:p>
             <a:r>
               <a:rPr lang="en-IN" dirty="0"/>
-              <a:t>Gold Layer  </a:t>
+              <a:t>Gold Layer                                       </a:t>
             </a:r>
           </a:p>
         </p:txBody>
@@ -7848,7 +7687,7 @@
           <p:cNvPr id="3" name="Content Placeholder 2">
             <a:extLst>
               <a:ext uri="{FF2B5EF4-FFF2-40B4-BE49-F238E27FC236}">
-                <a16:creationId xmlns:a16="http://schemas.microsoft.com/office/drawing/2014/main" id="{DAA00218-0967-0556-8121-40CD3F6B2D34}"/>
+                <a16:creationId xmlns:a16="http://schemas.microsoft.com/office/drawing/2014/main" id="{DB51E851-0E33-B573-56B4-26BEEBD4BC07}"/>
               </a:ext>
             </a:extLst>
           </p:cNvPr>
@@ -7861,152 +7700,859 @@
         </p:nvSpPr>
         <p:spPr/>
         <p:txBody>
-          <a:bodyPr/>
+          <a:bodyPr>
+            <a:normAutofit fontScale="92500" lnSpcReduction="10000"/>
+          </a:bodyPr>
           <a:lstStyle/>
           <a:p>
             <a:r>
-              <a:rPr lang="en-US" dirty="0"/>
-              <a:t>The </a:t>
-            </a:r>
-            <a:r>
-              <a:rPr lang="en-US" b="1" dirty="0"/>
-              <a:t>Gold Layer</a:t>
-            </a:r>
-            <a:r>
-              <a:rPr lang="en-US" dirty="0"/>
-              <a:t> in a </a:t>
-            </a:r>
-            <a:r>
-              <a:rPr lang="en-US" b="1" dirty="0"/>
-              <a:t>Medallion Architecture</a:t>
-            </a:r>
-            <a:r>
-              <a:rPr lang="en-US" dirty="0"/>
-              <a:t> (used in data engineering and modern data warehousing, like in Databricks or traditional SQL systems) refers to the </a:t>
-            </a:r>
-            <a:r>
-              <a:rPr lang="en-US" b="1" dirty="0"/>
-              <a:t>final, most refined layer of data</a:t>
-            </a:r>
-            <a:r>
-              <a:rPr lang="en-US" dirty="0"/>
-              <a:t>. </a:t>
-            </a:r>
-          </a:p>
-          <a:p>
-            <a:pPr>
-              <a:buNone/>
-            </a:pPr>
-            <a:r>
-              <a:rPr lang="en-US" b="1" dirty="0"/>
-              <a:t>The Gold Layer is used for business reporting and analytics.</a:t>
-            </a:r>
-            <a:r>
-              <a:rPr lang="en-US" dirty="0"/>
-              <a:t> It:</a:t>
-            </a:r>
-          </a:p>
-          <a:p>
-            <a:pPr>
-              <a:buFont typeface="Arial" panose="020B0604020202020204" pitchFamily="34" charset="0"/>
-              <a:buChar char="•"/>
-            </a:pPr>
-            <a:r>
-              <a:rPr lang="en-US" dirty="0"/>
-              <a:t>Contains </a:t>
-            </a:r>
-            <a:r>
-              <a:rPr lang="en-US" b="1" dirty="0"/>
-              <a:t>aggregated</a:t>
-            </a:r>
-            <a:r>
-              <a:rPr lang="en-US" dirty="0"/>
-              <a:t>, </a:t>
-            </a:r>
-            <a:r>
-              <a:rPr lang="en-US" b="1" dirty="0"/>
-              <a:t>enriched</a:t>
-            </a:r>
-            <a:r>
-              <a:rPr lang="en-US" dirty="0"/>
-              <a:t>, or </a:t>
-            </a:r>
-            <a:r>
-              <a:rPr lang="en-US" b="1" dirty="0"/>
-              <a:t>denormalized</a:t>
-            </a:r>
-            <a:r>
-              <a:rPr lang="en-US" dirty="0"/>
-              <a:t> data.</a:t>
-            </a:r>
-          </a:p>
-          <a:p>
-            <a:pPr>
-              <a:buFont typeface="Arial" panose="020B0604020202020204" pitchFamily="34" charset="0"/>
-              <a:buChar char="•"/>
-            </a:pPr>
-            <a:r>
-              <a:rPr lang="en-US" dirty="0"/>
-              <a:t>Is designed for </a:t>
-            </a:r>
-            <a:r>
-              <a:rPr lang="en-US" b="1" dirty="0"/>
-              <a:t>direct consumption</a:t>
-            </a:r>
-            <a:r>
-              <a:rPr lang="en-US" dirty="0"/>
-              <a:t> by BI tools like </a:t>
-            </a:r>
-            <a:r>
-              <a:rPr lang="en-US" b="1" dirty="0"/>
-              <a:t>Power BI</a:t>
-            </a:r>
-            <a:r>
-              <a:rPr lang="en-US" dirty="0"/>
-              <a:t>, </a:t>
-            </a:r>
-            <a:r>
-              <a:rPr lang="en-US" b="1" dirty="0"/>
-              <a:t>Tableau</a:t>
-            </a:r>
-            <a:r>
-              <a:rPr lang="en-US" dirty="0"/>
-              <a:t>, etc.</a:t>
-            </a:r>
-          </a:p>
-          <a:p>
-            <a:pPr>
-              <a:buFont typeface="Arial" panose="020B0604020202020204" pitchFamily="34" charset="0"/>
-              <a:buChar char="•"/>
-            </a:pPr>
-            <a:r>
-              <a:rPr lang="en-US" dirty="0"/>
-              <a:t>Typically consists of </a:t>
-            </a:r>
-            <a:r>
-              <a:rPr lang="en-US" b="1" dirty="0"/>
-              <a:t>Fact and Dimension tables</a:t>
-            </a:r>
-            <a:r>
-              <a:rPr lang="en-US" dirty="0"/>
-              <a:t> in a </a:t>
-            </a:r>
-            <a:r>
-              <a:rPr lang="en-US" b="1" dirty="0"/>
-              <a:t>Star Schema</a:t>
-            </a:r>
-            <a:r>
-              <a:rPr lang="en-US" dirty="0"/>
-              <a:t> or </a:t>
-            </a:r>
-            <a:r>
-              <a:rPr lang="en-US" b="1" dirty="0"/>
-              <a:t>Snowflake Schema</a:t>
-            </a:r>
-            <a:r>
-              <a:rPr lang="en-US" dirty="0"/>
+              <a:rPr lang="en-IN" dirty="0"/>
+              <a:t>We create FACT_SALES USING dimension of customer and product.</a:t>
+            </a:r>
+          </a:p>
+          <a:p>
+            <a:r>
+              <a:rPr lang="en-IN" dirty="0"/>
+              <a:t>We insert data from SILVER tables.</a:t>
+            </a:r>
+          </a:p>
+          <a:p>
+            <a:r>
+              <a:rPr lang="en-IN" dirty="0"/>
+              <a:t>We join the tables using these parameters</a:t>
+            </a:r>
+          </a:p>
+          <a:p>
+            <a:r>
+              <a:rPr lang="en-US" sz="1800" dirty="0">
+                <a:solidFill>
+                  <a:srgbClr val="808080"/>
+                </a:solidFill>
+                <a:highlight>
+                  <a:srgbClr val="FFFFFF"/>
+                </a:highlight>
+                <a:latin typeface="Cascadia Mono" panose="020B0609020000020004" pitchFamily="49" charset="0"/>
+              </a:rPr>
+              <a:t>JOIN</a:t>
+            </a:r>
+            <a:r>
+              <a:rPr lang="en-US" sz="1800" dirty="0">
+                <a:solidFill>
+                  <a:srgbClr val="000000"/>
+                </a:solidFill>
+                <a:highlight>
+                  <a:srgbClr val="FFFFFF"/>
+                </a:highlight>
+                <a:latin typeface="Cascadia Mono" panose="020B0609020000020004" pitchFamily="49" charset="0"/>
+              </a:rPr>
+              <a:t> GOLD</a:t>
+            </a:r>
+            <a:r>
+              <a:rPr lang="en-US" sz="1800" dirty="0">
+                <a:solidFill>
+                  <a:srgbClr val="808080"/>
+                </a:solidFill>
+                <a:highlight>
+                  <a:srgbClr val="FFFFFF"/>
+                </a:highlight>
+                <a:latin typeface="Cascadia Mono" panose="020B0609020000020004" pitchFamily="49" charset="0"/>
+              </a:rPr>
               <a:t>.</a:t>
             </a:r>
+            <a:r>
+              <a:rPr lang="en-US" sz="1800" dirty="0">
+                <a:solidFill>
+                  <a:srgbClr val="000000"/>
+                </a:solidFill>
+                <a:highlight>
+                  <a:srgbClr val="FFFFFF"/>
+                </a:highlight>
+                <a:latin typeface="Cascadia Mono" panose="020B0609020000020004" pitchFamily="49" charset="0"/>
+              </a:rPr>
+              <a:t>DIM_CUSTOMER C</a:t>
+            </a:r>
+          </a:p>
+          <a:p>
+            <a:r>
+              <a:rPr lang="en-US" sz="1800" dirty="0">
+                <a:solidFill>
+                  <a:srgbClr val="000000"/>
+                </a:solidFill>
+                <a:highlight>
+                  <a:srgbClr val="FFFFFF"/>
+                </a:highlight>
+                <a:latin typeface="Cascadia Mono" panose="020B0609020000020004" pitchFamily="49" charset="0"/>
+              </a:rPr>
+              <a:t>  </a:t>
+            </a:r>
+            <a:r>
+              <a:rPr lang="en-US" sz="1800" dirty="0">
+                <a:solidFill>
+                  <a:srgbClr val="0000FF"/>
+                </a:solidFill>
+                <a:highlight>
+                  <a:srgbClr val="FFFFFF"/>
+                </a:highlight>
+                <a:latin typeface="Cascadia Mono" panose="020B0609020000020004" pitchFamily="49" charset="0"/>
+              </a:rPr>
+              <a:t>ON</a:t>
+            </a:r>
+            <a:r>
+              <a:rPr lang="en-US" sz="1800" dirty="0">
+                <a:solidFill>
+                  <a:srgbClr val="000000"/>
+                </a:solidFill>
+                <a:highlight>
+                  <a:srgbClr val="FFFFFF"/>
+                </a:highlight>
+                <a:latin typeface="Cascadia Mono" panose="020B0609020000020004" pitchFamily="49" charset="0"/>
+              </a:rPr>
+              <a:t> S</a:t>
+            </a:r>
+            <a:r>
+              <a:rPr lang="en-US" sz="1800" dirty="0">
+                <a:solidFill>
+                  <a:srgbClr val="808080"/>
+                </a:solidFill>
+                <a:highlight>
+                  <a:srgbClr val="FFFFFF"/>
+                </a:highlight>
+                <a:latin typeface="Cascadia Mono" panose="020B0609020000020004" pitchFamily="49" charset="0"/>
+              </a:rPr>
+              <a:t>.</a:t>
+            </a:r>
+            <a:r>
+              <a:rPr lang="en-US" sz="1800" dirty="0">
+                <a:solidFill>
+                  <a:srgbClr val="000000"/>
+                </a:solidFill>
+                <a:highlight>
+                  <a:srgbClr val="FFFFFF"/>
+                </a:highlight>
+                <a:latin typeface="Cascadia Mono" panose="020B0609020000020004" pitchFamily="49" charset="0"/>
+              </a:rPr>
+              <a:t>CUST_ID </a:t>
+            </a:r>
+            <a:r>
+              <a:rPr lang="en-US" sz="1800" dirty="0">
+                <a:solidFill>
+                  <a:srgbClr val="808080"/>
+                </a:solidFill>
+                <a:highlight>
+                  <a:srgbClr val="FFFFFF"/>
+                </a:highlight>
+                <a:latin typeface="Cascadia Mono" panose="020B0609020000020004" pitchFamily="49" charset="0"/>
+              </a:rPr>
+              <a:t>=</a:t>
+            </a:r>
+            <a:r>
+              <a:rPr lang="en-US" sz="1800" dirty="0">
+                <a:solidFill>
+                  <a:srgbClr val="000000"/>
+                </a:solidFill>
+                <a:highlight>
+                  <a:srgbClr val="FFFFFF"/>
+                </a:highlight>
+                <a:latin typeface="Cascadia Mono" panose="020B0609020000020004" pitchFamily="49" charset="0"/>
+              </a:rPr>
+              <a:t> C</a:t>
+            </a:r>
+            <a:r>
+              <a:rPr lang="en-US" sz="1800" dirty="0">
+                <a:solidFill>
+                  <a:srgbClr val="808080"/>
+                </a:solidFill>
+                <a:highlight>
+                  <a:srgbClr val="FFFFFF"/>
+                </a:highlight>
+                <a:latin typeface="Cascadia Mono" panose="020B0609020000020004" pitchFamily="49" charset="0"/>
+              </a:rPr>
+              <a:t>.</a:t>
+            </a:r>
+            <a:r>
+              <a:rPr lang="en-US" sz="1800" dirty="0">
+                <a:solidFill>
+                  <a:srgbClr val="000000"/>
+                </a:solidFill>
+                <a:highlight>
+                  <a:srgbClr val="FFFFFF"/>
+                </a:highlight>
+                <a:latin typeface="Cascadia Mono" panose="020B0609020000020004" pitchFamily="49" charset="0"/>
+              </a:rPr>
+              <a:t>CUSTOMER_ID</a:t>
+            </a:r>
+          </a:p>
+          <a:p>
+            <a:r>
+              <a:rPr lang="en-US" sz="1800" dirty="0">
+                <a:solidFill>
+                  <a:srgbClr val="808080"/>
+                </a:solidFill>
+                <a:highlight>
+                  <a:srgbClr val="FFFFFF"/>
+                </a:highlight>
+                <a:latin typeface="Cascadia Mono" panose="020B0609020000020004" pitchFamily="49" charset="0"/>
+              </a:rPr>
+              <a:t>JOIN</a:t>
+            </a:r>
+            <a:r>
+              <a:rPr lang="en-US" sz="1800" dirty="0">
+                <a:solidFill>
+                  <a:srgbClr val="000000"/>
+                </a:solidFill>
+                <a:highlight>
+                  <a:srgbClr val="FFFFFF"/>
+                </a:highlight>
+                <a:latin typeface="Cascadia Mono" panose="020B0609020000020004" pitchFamily="49" charset="0"/>
+              </a:rPr>
+              <a:t> GOLD</a:t>
+            </a:r>
+            <a:r>
+              <a:rPr lang="en-US" sz="1800" dirty="0">
+                <a:solidFill>
+                  <a:srgbClr val="808080"/>
+                </a:solidFill>
+                <a:highlight>
+                  <a:srgbClr val="FFFFFF"/>
+                </a:highlight>
+                <a:latin typeface="Cascadia Mono" panose="020B0609020000020004" pitchFamily="49" charset="0"/>
+              </a:rPr>
+              <a:t>.</a:t>
+            </a:r>
+            <a:r>
+              <a:rPr lang="en-US" sz="1800" dirty="0">
+                <a:solidFill>
+                  <a:srgbClr val="000000"/>
+                </a:solidFill>
+                <a:highlight>
+                  <a:srgbClr val="FFFFFF"/>
+                </a:highlight>
+                <a:latin typeface="Cascadia Mono" panose="020B0609020000020004" pitchFamily="49" charset="0"/>
+              </a:rPr>
+              <a:t>DIM_PRODUCT P</a:t>
+            </a:r>
+            <a:endParaRPr lang="en-IN" sz="1800" dirty="0">
+              <a:solidFill>
+                <a:srgbClr val="000000"/>
+              </a:solidFill>
+              <a:highlight>
+                <a:srgbClr val="FFFFFF"/>
+              </a:highlight>
+              <a:latin typeface="Cascadia Mono" panose="020B0609020000020004" pitchFamily="49" charset="0"/>
+            </a:endParaRPr>
+          </a:p>
+          <a:p>
+            <a:r>
+              <a:rPr lang="en-US" sz="1800" dirty="0">
+                <a:solidFill>
+                  <a:srgbClr val="000000"/>
+                </a:solidFill>
+                <a:highlight>
+                  <a:srgbClr val="FFFFFF"/>
+                </a:highlight>
+                <a:latin typeface="Cascadia Mono" panose="020B0609020000020004" pitchFamily="49" charset="0"/>
+              </a:rPr>
+              <a:t> </a:t>
+            </a:r>
+            <a:r>
+              <a:rPr lang="en-US" sz="1800" dirty="0">
+                <a:solidFill>
+                  <a:srgbClr val="0000FF"/>
+                </a:solidFill>
+                <a:highlight>
+                  <a:srgbClr val="FFFFFF"/>
+                </a:highlight>
+                <a:latin typeface="Cascadia Mono" panose="020B0609020000020004" pitchFamily="49" charset="0"/>
+              </a:rPr>
+              <a:t>ON</a:t>
+            </a:r>
+            <a:r>
+              <a:rPr lang="en-US" sz="1800" dirty="0">
+                <a:solidFill>
+                  <a:srgbClr val="000000"/>
+                </a:solidFill>
+                <a:highlight>
+                  <a:srgbClr val="FFFFFF"/>
+                </a:highlight>
+                <a:latin typeface="Cascadia Mono" panose="020B0609020000020004" pitchFamily="49" charset="0"/>
+              </a:rPr>
+              <a:t> S</a:t>
+            </a:r>
+            <a:r>
+              <a:rPr lang="en-US" sz="1800" dirty="0">
+                <a:solidFill>
+                  <a:srgbClr val="808080"/>
+                </a:solidFill>
+                <a:highlight>
+                  <a:srgbClr val="FFFFFF"/>
+                </a:highlight>
+                <a:latin typeface="Cascadia Mono" panose="020B0609020000020004" pitchFamily="49" charset="0"/>
+              </a:rPr>
+              <a:t>.</a:t>
+            </a:r>
+            <a:r>
+              <a:rPr lang="en-US" sz="1800" dirty="0">
+                <a:solidFill>
+                  <a:srgbClr val="000000"/>
+                </a:solidFill>
+                <a:highlight>
+                  <a:srgbClr val="FFFFFF"/>
+                </a:highlight>
+                <a:latin typeface="Cascadia Mono" panose="020B0609020000020004" pitchFamily="49" charset="0"/>
+              </a:rPr>
+              <a:t>PRODUCT_CAT </a:t>
+            </a:r>
+            <a:r>
+              <a:rPr lang="en-US" sz="1800" dirty="0">
+                <a:solidFill>
+                  <a:srgbClr val="808080"/>
+                </a:solidFill>
+                <a:highlight>
+                  <a:srgbClr val="FFFFFF"/>
+                </a:highlight>
+                <a:latin typeface="Cascadia Mono" panose="020B0609020000020004" pitchFamily="49" charset="0"/>
+              </a:rPr>
+              <a:t>=</a:t>
+            </a:r>
+            <a:r>
+              <a:rPr lang="en-US" sz="1800" dirty="0">
+                <a:solidFill>
+                  <a:srgbClr val="000000"/>
+                </a:solidFill>
+                <a:highlight>
+                  <a:srgbClr val="FFFFFF"/>
+                </a:highlight>
+                <a:latin typeface="Cascadia Mono" panose="020B0609020000020004" pitchFamily="49" charset="0"/>
+              </a:rPr>
+              <a:t> P</a:t>
+            </a:r>
+            <a:r>
+              <a:rPr lang="en-US" sz="1800" dirty="0">
+                <a:solidFill>
+                  <a:srgbClr val="808080"/>
+                </a:solidFill>
+                <a:highlight>
+                  <a:srgbClr val="FFFFFF"/>
+                </a:highlight>
+                <a:latin typeface="Cascadia Mono" panose="020B0609020000020004" pitchFamily="49" charset="0"/>
+              </a:rPr>
+              <a:t>.</a:t>
+            </a:r>
+            <a:r>
+              <a:rPr lang="en-US" sz="1800" dirty="0">
+                <a:solidFill>
+                  <a:srgbClr val="000000"/>
+                </a:solidFill>
+                <a:highlight>
+                  <a:srgbClr val="FFFFFF"/>
+                </a:highlight>
+                <a:latin typeface="Cascadia Mono" panose="020B0609020000020004" pitchFamily="49" charset="0"/>
+              </a:rPr>
+              <a:t>PRODUCT_CAT</a:t>
+            </a:r>
+          </a:p>
+          <a:p>
+            <a:r>
+              <a:rPr lang="en-US" sz="1800" dirty="0">
+                <a:solidFill>
+                  <a:srgbClr val="808080"/>
+                </a:solidFill>
+                <a:highlight>
+                  <a:srgbClr val="FFFFFF"/>
+                </a:highlight>
+                <a:latin typeface="Cascadia Mono" panose="020B0609020000020004" pitchFamily="49" charset="0"/>
+              </a:rPr>
+              <a:t> AND</a:t>
+            </a:r>
+            <a:r>
+              <a:rPr lang="en-US" sz="1800" dirty="0">
+                <a:solidFill>
+                  <a:srgbClr val="000000"/>
+                </a:solidFill>
+                <a:highlight>
+                  <a:srgbClr val="FFFFFF"/>
+                </a:highlight>
+                <a:latin typeface="Cascadia Mono" panose="020B0609020000020004" pitchFamily="49" charset="0"/>
+              </a:rPr>
+              <a:t> S</a:t>
+            </a:r>
+            <a:r>
+              <a:rPr lang="en-US" sz="1800" dirty="0">
+                <a:solidFill>
+                  <a:srgbClr val="808080"/>
+                </a:solidFill>
+                <a:highlight>
+                  <a:srgbClr val="FFFFFF"/>
+                </a:highlight>
+                <a:latin typeface="Cascadia Mono" panose="020B0609020000020004" pitchFamily="49" charset="0"/>
+              </a:rPr>
+              <a:t>.</a:t>
+            </a:r>
+            <a:r>
+              <a:rPr lang="en-US" sz="1800" dirty="0">
+                <a:solidFill>
+                  <a:srgbClr val="000000"/>
+                </a:solidFill>
+                <a:highlight>
+                  <a:srgbClr val="FFFFFF"/>
+                </a:highlight>
+                <a:latin typeface="Cascadia Mono" panose="020B0609020000020004" pitchFamily="49" charset="0"/>
+              </a:rPr>
+              <a:t>PRODUCT_BRAND </a:t>
+            </a:r>
+            <a:r>
+              <a:rPr lang="en-US" sz="1800" dirty="0">
+                <a:solidFill>
+                  <a:srgbClr val="808080"/>
+                </a:solidFill>
+                <a:highlight>
+                  <a:srgbClr val="FFFFFF"/>
+                </a:highlight>
+                <a:latin typeface="Cascadia Mono" panose="020B0609020000020004" pitchFamily="49" charset="0"/>
+              </a:rPr>
+              <a:t>=</a:t>
+            </a:r>
+            <a:r>
+              <a:rPr lang="en-US" sz="1800" dirty="0">
+                <a:solidFill>
+                  <a:srgbClr val="000000"/>
+                </a:solidFill>
+                <a:highlight>
+                  <a:srgbClr val="FFFFFF"/>
+                </a:highlight>
+                <a:latin typeface="Cascadia Mono" panose="020B0609020000020004" pitchFamily="49" charset="0"/>
+              </a:rPr>
+              <a:t> P</a:t>
+            </a:r>
+            <a:r>
+              <a:rPr lang="en-US" sz="1800" dirty="0">
+                <a:solidFill>
+                  <a:srgbClr val="808080"/>
+                </a:solidFill>
+                <a:highlight>
+                  <a:srgbClr val="FFFFFF"/>
+                </a:highlight>
+                <a:latin typeface="Cascadia Mono" panose="020B0609020000020004" pitchFamily="49" charset="0"/>
+              </a:rPr>
+              <a:t>.</a:t>
+            </a:r>
+            <a:r>
+              <a:rPr lang="en-US" sz="1800" dirty="0">
+                <a:solidFill>
+                  <a:srgbClr val="000000"/>
+                </a:solidFill>
+                <a:highlight>
+                  <a:srgbClr val="FFFFFF"/>
+                </a:highlight>
+                <a:latin typeface="Cascadia Mono" panose="020B0609020000020004" pitchFamily="49" charset="0"/>
+              </a:rPr>
+              <a:t>PRODUCT_BRAND</a:t>
+            </a:r>
+          </a:p>
+          <a:p>
+            <a:r>
+              <a:rPr lang="en-US" sz="1800" dirty="0">
+                <a:solidFill>
+                  <a:srgbClr val="808080"/>
+                </a:solidFill>
+                <a:highlight>
+                  <a:srgbClr val="FFFFFF"/>
+                </a:highlight>
+                <a:latin typeface="Cascadia Mono" panose="020B0609020000020004" pitchFamily="49" charset="0"/>
+              </a:rPr>
+              <a:t> AND</a:t>
+            </a:r>
+            <a:r>
+              <a:rPr lang="en-US" sz="1800" dirty="0">
+                <a:solidFill>
+                  <a:srgbClr val="000000"/>
+                </a:solidFill>
+                <a:highlight>
+                  <a:srgbClr val="FFFFFF"/>
+                </a:highlight>
+                <a:latin typeface="Cascadia Mono" panose="020B0609020000020004" pitchFamily="49" charset="0"/>
+              </a:rPr>
+              <a:t> S</a:t>
+            </a:r>
+            <a:r>
+              <a:rPr lang="en-US" sz="1800" dirty="0">
+                <a:solidFill>
+                  <a:srgbClr val="808080"/>
+                </a:solidFill>
+                <a:highlight>
+                  <a:srgbClr val="FFFFFF"/>
+                </a:highlight>
+                <a:latin typeface="Cascadia Mono" panose="020B0609020000020004" pitchFamily="49" charset="0"/>
+              </a:rPr>
+              <a:t>.</a:t>
+            </a:r>
+            <a:r>
+              <a:rPr lang="en-US" sz="1800" dirty="0">
+                <a:solidFill>
+                  <a:srgbClr val="000000"/>
+                </a:solidFill>
+                <a:highlight>
+                  <a:srgbClr val="FFFFFF"/>
+                </a:highlight>
+                <a:latin typeface="Cascadia Mono" panose="020B0609020000020004" pitchFamily="49" charset="0"/>
+              </a:rPr>
+              <a:t>PRODUCT_TYPE </a:t>
+            </a:r>
+            <a:r>
+              <a:rPr lang="en-US" sz="1800" dirty="0">
+                <a:solidFill>
+                  <a:srgbClr val="808080"/>
+                </a:solidFill>
+                <a:highlight>
+                  <a:srgbClr val="FFFFFF"/>
+                </a:highlight>
+                <a:latin typeface="Cascadia Mono" panose="020B0609020000020004" pitchFamily="49" charset="0"/>
+              </a:rPr>
+              <a:t>=</a:t>
+            </a:r>
+            <a:r>
+              <a:rPr lang="en-US" sz="1800" dirty="0">
+                <a:solidFill>
+                  <a:srgbClr val="000000"/>
+                </a:solidFill>
+                <a:highlight>
+                  <a:srgbClr val="FFFFFF"/>
+                </a:highlight>
+                <a:latin typeface="Cascadia Mono" panose="020B0609020000020004" pitchFamily="49" charset="0"/>
+              </a:rPr>
+              <a:t> P</a:t>
+            </a:r>
+            <a:r>
+              <a:rPr lang="en-US" sz="1800" dirty="0">
+                <a:solidFill>
+                  <a:srgbClr val="808080"/>
+                </a:solidFill>
+                <a:highlight>
+                  <a:srgbClr val="FFFFFF"/>
+                </a:highlight>
+                <a:latin typeface="Cascadia Mono" panose="020B0609020000020004" pitchFamily="49" charset="0"/>
+              </a:rPr>
+              <a:t>.</a:t>
+            </a:r>
+            <a:r>
+              <a:rPr lang="en-US" sz="1800" dirty="0">
+                <a:solidFill>
+                  <a:srgbClr val="000000"/>
+                </a:solidFill>
+                <a:highlight>
+                  <a:srgbClr val="FFFFFF"/>
+                </a:highlight>
+                <a:latin typeface="Cascadia Mono" panose="020B0609020000020004" pitchFamily="49" charset="0"/>
+              </a:rPr>
+              <a:t>PRODUCT_TYPE</a:t>
+            </a:r>
+          </a:p>
+          <a:p>
+            <a:r>
+              <a:rPr lang="en-US" sz="1800" dirty="0">
+                <a:solidFill>
+                  <a:srgbClr val="808080"/>
+                </a:solidFill>
+                <a:highlight>
+                  <a:srgbClr val="FFFFFF"/>
+                </a:highlight>
+                <a:latin typeface="Cascadia Mono" panose="020B0609020000020004" pitchFamily="49" charset="0"/>
+              </a:rPr>
+              <a:t> AND</a:t>
+            </a:r>
+            <a:r>
+              <a:rPr lang="en-US" sz="1800" dirty="0">
+                <a:solidFill>
+                  <a:srgbClr val="000000"/>
+                </a:solidFill>
+                <a:highlight>
+                  <a:srgbClr val="FFFFFF"/>
+                </a:highlight>
+                <a:latin typeface="Cascadia Mono" panose="020B0609020000020004" pitchFamily="49" charset="0"/>
+              </a:rPr>
+              <a:t> S</a:t>
+            </a:r>
+            <a:r>
+              <a:rPr lang="en-US" sz="1800" dirty="0">
+                <a:solidFill>
+                  <a:srgbClr val="808080"/>
+                </a:solidFill>
+                <a:highlight>
+                  <a:srgbClr val="FFFFFF"/>
+                </a:highlight>
+                <a:latin typeface="Cascadia Mono" panose="020B0609020000020004" pitchFamily="49" charset="0"/>
+              </a:rPr>
+              <a:t>.</a:t>
+            </a:r>
+            <a:r>
+              <a:rPr lang="en-US" sz="1800" dirty="0">
+                <a:solidFill>
+                  <a:srgbClr val="000000"/>
+                </a:solidFill>
+                <a:highlight>
+                  <a:srgbClr val="FFFFFF"/>
+                </a:highlight>
+                <a:latin typeface="Cascadia Mono" panose="020B0609020000020004" pitchFamily="49" charset="0"/>
+              </a:rPr>
+              <a:t>PRODUCT_FEEDBACK </a:t>
+            </a:r>
+            <a:r>
+              <a:rPr lang="en-US" sz="1800" dirty="0">
+                <a:solidFill>
+                  <a:srgbClr val="808080"/>
+                </a:solidFill>
+                <a:highlight>
+                  <a:srgbClr val="FFFFFF"/>
+                </a:highlight>
+                <a:latin typeface="Cascadia Mono" panose="020B0609020000020004" pitchFamily="49" charset="0"/>
+              </a:rPr>
+              <a:t>=</a:t>
+            </a:r>
+            <a:r>
+              <a:rPr lang="en-US" sz="1800" dirty="0">
+                <a:solidFill>
+                  <a:srgbClr val="000000"/>
+                </a:solidFill>
+                <a:highlight>
+                  <a:srgbClr val="FFFFFF"/>
+                </a:highlight>
+                <a:latin typeface="Cascadia Mono" panose="020B0609020000020004" pitchFamily="49" charset="0"/>
+              </a:rPr>
+              <a:t> P</a:t>
+            </a:r>
+            <a:r>
+              <a:rPr lang="en-US" sz="1800" dirty="0">
+                <a:solidFill>
+                  <a:srgbClr val="808080"/>
+                </a:solidFill>
+                <a:highlight>
+                  <a:srgbClr val="FFFFFF"/>
+                </a:highlight>
+                <a:latin typeface="Cascadia Mono" panose="020B0609020000020004" pitchFamily="49" charset="0"/>
+              </a:rPr>
+              <a:t>.</a:t>
+            </a:r>
+            <a:r>
+              <a:rPr lang="en-US" sz="1800" dirty="0">
+                <a:solidFill>
+                  <a:srgbClr val="000000"/>
+                </a:solidFill>
+                <a:highlight>
+                  <a:srgbClr val="FFFFFF"/>
+                </a:highlight>
+                <a:latin typeface="Cascadia Mono" panose="020B0609020000020004" pitchFamily="49" charset="0"/>
+              </a:rPr>
+              <a:t>PRODUCT_FEEDBACK</a:t>
+            </a:r>
+          </a:p>
+          <a:p>
+            <a:r>
+              <a:rPr lang="en-US" sz="1800" dirty="0">
+                <a:solidFill>
+                  <a:srgbClr val="808080"/>
+                </a:solidFill>
+                <a:highlight>
+                  <a:srgbClr val="FFFFFF"/>
+                </a:highlight>
+                <a:latin typeface="Cascadia Mono" panose="020B0609020000020004" pitchFamily="49" charset="0"/>
+              </a:rPr>
+              <a:t> AND</a:t>
+            </a:r>
+            <a:r>
+              <a:rPr lang="en-US" sz="1800" dirty="0">
+                <a:solidFill>
+                  <a:srgbClr val="000000"/>
+                </a:solidFill>
+                <a:highlight>
+                  <a:srgbClr val="FFFFFF"/>
+                </a:highlight>
+                <a:latin typeface="Cascadia Mono" panose="020B0609020000020004" pitchFamily="49" charset="0"/>
+              </a:rPr>
+              <a:t> S</a:t>
+            </a:r>
+            <a:r>
+              <a:rPr lang="en-US" sz="1800" dirty="0">
+                <a:solidFill>
+                  <a:srgbClr val="808080"/>
+                </a:solidFill>
+                <a:highlight>
+                  <a:srgbClr val="FFFFFF"/>
+                </a:highlight>
+                <a:latin typeface="Cascadia Mono" panose="020B0609020000020004" pitchFamily="49" charset="0"/>
+              </a:rPr>
+              <a:t>.</a:t>
+            </a:r>
+            <a:r>
+              <a:rPr lang="en-US" sz="1800" dirty="0">
+                <a:solidFill>
+                  <a:srgbClr val="000000"/>
+                </a:solidFill>
+                <a:highlight>
+                  <a:srgbClr val="FFFFFF"/>
+                </a:highlight>
+                <a:latin typeface="Cascadia Mono" panose="020B0609020000020004" pitchFamily="49" charset="0"/>
+              </a:rPr>
+              <a:t>PRODUCT_SHIPPING </a:t>
+            </a:r>
+            <a:r>
+              <a:rPr lang="en-US" sz="1800" dirty="0">
+                <a:solidFill>
+                  <a:srgbClr val="808080"/>
+                </a:solidFill>
+                <a:highlight>
+                  <a:srgbClr val="FFFFFF"/>
+                </a:highlight>
+                <a:latin typeface="Cascadia Mono" panose="020B0609020000020004" pitchFamily="49" charset="0"/>
+              </a:rPr>
+              <a:t>=</a:t>
+            </a:r>
+            <a:r>
+              <a:rPr lang="en-US" sz="1800" dirty="0">
+                <a:solidFill>
+                  <a:srgbClr val="000000"/>
+                </a:solidFill>
+                <a:highlight>
+                  <a:srgbClr val="FFFFFF"/>
+                </a:highlight>
+                <a:latin typeface="Cascadia Mono" panose="020B0609020000020004" pitchFamily="49" charset="0"/>
+              </a:rPr>
+              <a:t> P</a:t>
+            </a:r>
+            <a:r>
+              <a:rPr lang="en-US" sz="1800" dirty="0">
+                <a:solidFill>
+                  <a:srgbClr val="808080"/>
+                </a:solidFill>
+                <a:highlight>
+                  <a:srgbClr val="FFFFFF"/>
+                </a:highlight>
+                <a:latin typeface="Cascadia Mono" panose="020B0609020000020004" pitchFamily="49" charset="0"/>
+              </a:rPr>
+              <a:t>.</a:t>
+            </a:r>
+            <a:r>
+              <a:rPr lang="en-US" sz="1800" dirty="0">
+                <a:solidFill>
+                  <a:srgbClr val="000000"/>
+                </a:solidFill>
+                <a:highlight>
+                  <a:srgbClr val="FFFFFF"/>
+                </a:highlight>
+                <a:latin typeface="Cascadia Mono" panose="020B0609020000020004" pitchFamily="49" charset="0"/>
+              </a:rPr>
+              <a:t>PRODUCT_SHIPPING</a:t>
+            </a:r>
+          </a:p>
+          <a:p>
+            <a:r>
+              <a:rPr lang="en-US" sz="1800" dirty="0">
+                <a:solidFill>
+                  <a:srgbClr val="808080"/>
+                </a:solidFill>
+                <a:highlight>
+                  <a:srgbClr val="FFFFFF"/>
+                </a:highlight>
+                <a:latin typeface="Cascadia Mono" panose="020B0609020000020004" pitchFamily="49" charset="0"/>
+              </a:rPr>
+              <a:t> AND</a:t>
+            </a:r>
+            <a:r>
+              <a:rPr lang="en-US" sz="1800" dirty="0">
+                <a:solidFill>
+                  <a:srgbClr val="000000"/>
+                </a:solidFill>
+                <a:highlight>
+                  <a:srgbClr val="FFFFFF"/>
+                </a:highlight>
+                <a:latin typeface="Cascadia Mono" panose="020B0609020000020004" pitchFamily="49" charset="0"/>
+              </a:rPr>
+              <a:t> S</a:t>
+            </a:r>
+            <a:r>
+              <a:rPr lang="en-US" sz="1800" dirty="0">
+                <a:solidFill>
+                  <a:srgbClr val="808080"/>
+                </a:solidFill>
+                <a:highlight>
+                  <a:srgbClr val="FFFFFF"/>
+                </a:highlight>
+                <a:latin typeface="Cascadia Mono" panose="020B0609020000020004" pitchFamily="49" charset="0"/>
+              </a:rPr>
+              <a:t>.</a:t>
+            </a:r>
+            <a:r>
+              <a:rPr lang="en-US" sz="1800" dirty="0">
+                <a:solidFill>
+                  <a:srgbClr val="000000"/>
+                </a:solidFill>
+                <a:highlight>
+                  <a:srgbClr val="FFFFFF"/>
+                </a:highlight>
+                <a:latin typeface="Cascadia Mono" panose="020B0609020000020004" pitchFamily="49" charset="0"/>
+              </a:rPr>
+              <a:t>PRODUCTS </a:t>
+            </a:r>
+            <a:r>
+              <a:rPr lang="en-US" sz="1800" dirty="0">
+                <a:solidFill>
+                  <a:srgbClr val="808080"/>
+                </a:solidFill>
+                <a:highlight>
+                  <a:srgbClr val="FFFFFF"/>
+                </a:highlight>
+                <a:latin typeface="Cascadia Mono" panose="020B0609020000020004" pitchFamily="49" charset="0"/>
+              </a:rPr>
+              <a:t>=</a:t>
+            </a:r>
+            <a:r>
+              <a:rPr lang="en-US" sz="1800" dirty="0">
+                <a:solidFill>
+                  <a:srgbClr val="000000"/>
+                </a:solidFill>
+                <a:highlight>
+                  <a:srgbClr val="FFFFFF"/>
+                </a:highlight>
+                <a:latin typeface="Cascadia Mono" panose="020B0609020000020004" pitchFamily="49" charset="0"/>
+              </a:rPr>
+              <a:t> P</a:t>
+            </a:r>
+            <a:r>
+              <a:rPr lang="en-US" sz="1800" dirty="0">
+                <a:solidFill>
+                  <a:srgbClr val="808080"/>
+                </a:solidFill>
+                <a:highlight>
+                  <a:srgbClr val="FFFFFF"/>
+                </a:highlight>
+                <a:latin typeface="Cascadia Mono" panose="020B0609020000020004" pitchFamily="49" charset="0"/>
+              </a:rPr>
+              <a:t>.</a:t>
+            </a:r>
+            <a:r>
+              <a:rPr lang="en-US" sz="1800" dirty="0">
+                <a:solidFill>
+                  <a:srgbClr val="000000"/>
+                </a:solidFill>
+                <a:highlight>
+                  <a:srgbClr val="FFFFFF"/>
+                </a:highlight>
+                <a:latin typeface="Cascadia Mono" panose="020B0609020000020004" pitchFamily="49" charset="0"/>
+              </a:rPr>
+              <a:t>PRODUCTS</a:t>
+            </a:r>
+            <a:r>
+              <a:rPr lang="en-US" sz="1800" dirty="0">
+                <a:solidFill>
+                  <a:srgbClr val="808080"/>
+                </a:solidFill>
+                <a:highlight>
+                  <a:srgbClr val="FFFFFF"/>
+                </a:highlight>
+                <a:latin typeface="Cascadia Mono" panose="020B0609020000020004" pitchFamily="49" charset="0"/>
+              </a:rPr>
+              <a:t>;</a:t>
+            </a:r>
+            <a:endParaRPr lang="en-IN" dirty="0"/>
           </a:p>
           <a:p>
             <a:endParaRPr lang="en-IN" dirty="0"/>
@@ -8018,7 +8564,7 @@
           <p:cNvPr id="4" name="Picture 3">
             <a:extLst>
               <a:ext uri="{FF2B5EF4-FFF2-40B4-BE49-F238E27FC236}">
-                <a16:creationId xmlns:a16="http://schemas.microsoft.com/office/drawing/2014/main" id="{A327B28B-E4E9-0BE8-B148-6F104D498970}"/>
+                <a16:creationId xmlns:a16="http://schemas.microsoft.com/office/drawing/2014/main" id="{465C3ED1-7B7F-6C0F-3FE0-56D532B9FB69}"/>
               </a:ext>
             </a:extLst>
           </p:cNvPr>
@@ -8043,10 +8589,46 @@
           </a:prstGeom>
         </p:spPr>
       </p:pic>
+      <p:pic>
+        <p:nvPicPr>
+          <p:cNvPr id="5" name="Graphic 4">
+            <a:extLst>
+              <a:ext uri="{FF2B5EF4-FFF2-40B4-BE49-F238E27FC236}">
+                <a16:creationId xmlns:a16="http://schemas.microsoft.com/office/drawing/2014/main" id="{06013C34-12F7-584D-3609-41E17FE14FDD}"/>
+              </a:ext>
+            </a:extLst>
+          </p:cNvPr>
+          <p:cNvPicPr>
+            <a:picLocks noChangeAspect="1"/>
+          </p:cNvPicPr>
+          <p:nvPr/>
+        </p:nvPicPr>
+        <p:blipFill>
+          <a:blip r:embed="rId3">
+            <a:extLst>
+              <a:ext uri="{96DAC541-7B7A-43D3-8B79-37D633B846F1}">
+                <asvg:svgBlip xmlns:asvg="http://schemas.microsoft.com/office/drawing/2016/SVG/main" r:embed="rId4"/>
+              </a:ext>
+            </a:extLst>
+          </a:blip>
+          <a:stretch>
+            <a:fillRect/>
+          </a:stretch>
+        </p:blipFill>
+        <p:spPr>
+          <a:xfrm>
+            <a:off x="9606694" y="4906295"/>
+            <a:ext cx="3651800" cy="2086743"/>
+          </a:xfrm>
+          <a:prstGeom prst="rect">
+            <a:avLst/>
+          </a:prstGeom>
+        </p:spPr>
+      </p:pic>
     </p:spTree>
     <p:extLst>
       <p:ext uri="{BB962C8B-B14F-4D97-AF65-F5344CB8AC3E}">
-        <p14:creationId xmlns:p14="http://schemas.microsoft.com/office/powerpoint/2010/main" val="3016815425"/>
+        <p14:creationId xmlns:p14="http://schemas.microsoft.com/office/powerpoint/2010/main" val="738422402"/>
       </p:ext>
     </p:extLst>
   </p:cSld>
@@ -8252,6 +8834,42 @@
           </a:p>
         </p:txBody>
       </p:sp>
+      <p:pic>
+        <p:nvPicPr>
+          <p:cNvPr id="4" name="Graphic 3">
+            <a:extLst>
+              <a:ext uri="{FF2B5EF4-FFF2-40B4-BE49-F238E27FC236}">
+                <a16:creationId xmlns:a16="http://schemas.microsoft.com/office/drawing/2014/main" id="{87625367-9BE4-A2E1-F74C-4196763B1DD9}"/>
+              </a:ext>
+            </a:extLst>
+          </p:cNvPr>
+          <p:cNvPicPr>
+            <a:picLocks noChangeAspect="1"/>
+          </p:cNvPicPr>
+          <p:nvPr/>
+        </p:nvPicPr>
+        <p:blipFill>
+          <a:blip r:embed="rId2">
+            <a:extLst>
+              <a:ext uri="{96DAC541-7B7A-43D3-8B79-37D633B846F1}">
+                <asvg:svgBlip xmlns:asvg="http://schemas.microsoft.com/office/drawing/2016/SVG/main" r:embed="rId3"/>
+              </a:ext>
+            </a:extLst>
+          </a:blip>
+          <a:stretch>
+            <a:fillRect/>
+          </a:stretch>
+        </p:blipFill>
+        <p:spPr>
+          <a:xfrm>
+            <a:off x="9407588" y="4916129"/>
+            <a:ext cx="3565769" cy="2037582"/>
+          </a:xfrm>
+          <a:prstGeom prst="rect">
+            <a:avLst/>
+          </a:prstGeom>
+        </p:spPr>
+      </p:pic>
     </p:spTree>
     <p:extLst>
       <p:ext uri="{BB962C8B-B14F-4D97-AF65-F5344CB8AC3E}">
@@ -8454,6 +9072,42 @@
           <a:xfrm>
             <a:off x="9337037" y="0"/>
             <a:ext cx="2723885" cy="1607575"/>
+          </a:xfrm>
+          <a:prstGeom prst="rect">
+            <a:avLst/>
+          </a:prstGeom>
+        </p:spPr>
+      </p:pic>
+      <p:pic>
+        <p:nvPicPr>
+          <p:cNvPr id="4" name="Graphic 3">
+            <a:extLst>
+              <a:ext uri="{FF2B5EF4-FFF2-40B4-BE49-F238E27FC236}">
+                <a16:creationId xmlns:a16="http://schemas.microsoft.com/office/drawing/2014/main" id="{CA981FAE-134F-91DF-B9D1-223DDE000940}"/>
+              </a:ext>
+            </a:extLst>
+          </p:cNvPr>
+          <p:cNvPicPr>
+            <a:picLocks noChangeAspect="1"/>
+          </p:cNvPicPr>
+          <p:nvPr/>
+        </p:nvPicPr>
+        <p:blipFill>
+          <a:blip r:embed="rId3">
+            <a:extLst>
+              <a:ext uri="{96DAC541-7B7A-43D3-8B79-37D633B846F1}">
+                <asvg:svgBlip xmlns:asvg="http://schemas.microsoft.com/office/drawing/2016/SVG/main" r:embed="rId4"/>
+              </a:ext>
+            </a:extLst>
+          </a:blip>
+          <a:stretch>
+            <a:fillRect/>
+          </a:stretch>
+        </p:blipFill>
+        <p:spPr>
+          <a:xfrm>
+            <a:off x="9566940" y="5155900"/>
+            <a:ext cx="3573719" cy="2042125"/>
           </a:xfrm>
           <a:prstGeom prst="rect">
             <a:avLst/>
@@ -8534,7 +9188,12 @@
             <p:ph idx="1"/>
           </p:nvPr>
         </p:nvSpPr>
-        <p:spPr/>
+        <p:spPr>
+          <a:xfrm>
+            <a:off x="720789" y="2158027"/>
+            <a:ext cx="10515600" cy="4351338"/>
+          </a:xfrm>
+        </p:spPr>
         <p:txBody>
           <a:bodyPr>
             <a:normAutofit/>
@@ -8663,6 +9322,42 @@
           <a:xfrm>
             <a:off x="7499592" y="4257368"/>
             <a:ext cx="4406528" cy="2600632"/>
+          </a:xfrm>
+          <a:prstGeom prst="rect">
+            <a:avLst/>
+          </a:prstGeom>
+        </p:spPr>
+      </p:pic>
+      <p:pic>
+        <p:nvPicPr>
+          <p:cNvPr id="4" name="Graphic 3">
+            <a:extLst>
+              <a:ext uri="{FF2B5EF4-FFF2-40B4-BE49-F238E27FC236}">
+                <a16:creationId xmlns:a16="http://schemas.microsoft.com/office/drawing/2014/main" id="{A0C58853-70C3-AA48-165F-61F86D91950C}"/>
+              </a:ext>
+            </a:extLst>
+          </p:cNvPr>
+          <p:cNvPicPr>
+            <a:picLocks noChangeAspect="1"/>
+          </p:cNvPicPr>
+          <p:nvPr/>
+        </p:nvPicPr>
+        <p:blipFill>
+          <a:blip r:embed="rId3">
+            <a:extLst>
+              <a:ext uri="{96DAC541-7B7A-43D3-8B79-37D633B846F1}">
+                <asvg:svgBlip xmlns:asvg="http://schemas.microsoft.com/office/drawing/2016/SVG/main" r:embed="rId4"/>
+              </a:ext>
+            </a:extLst>
+          </a:blip>
+          <a:stretch>
+            <a:fillRect/>
+          </a:stretch>
+        </p:blipFill>
+        <p:spPr>
+          <a:xfrm>
+            <a:off x="10044093" y="-102214"/>
+            <a:ext cx="2619414" cy="1496808"/>
           </a:xfrm>
           <a:prstGeom prst="rect">
             <a:avLst/>
@@ -8844,7 +9539,7 @@
         </p:blipFill>
         <p:spPr>
           <a:xfrm>
-            <a:off x="934065" y="3429000"/>
+            <a:off x="934065" y="3421185"/>
             <a:ext cx="3748874" cy="3156125"/>
           </a:xfrm>
           <a:prstGeom prst="rect">
@@ -8882,6 +9577,42 @@
           <a:xfrm>
             <a:off x="5801032" y="3827205"/>
             <a:ext cx="4179017" cy="2089509"/>
+          </a:xfrm>
+          <a:prstGeom prst="rect">
+            <a:avLst/>
+          </a:prstGeom>
+        </p:spPr>
+      </p:pic>
+      <p:pic>
+        <p:nvPicPr>
+          <p:cNvPr id="4" name="Graphic 3">
+            <a:extLst>
+              <a:ext uri="{FF2B5EF4-FFF2-40B4-BE49-F238E27FC236}">
+                <a16:creationId xmlns:a16="http://schemas.microsoft.com/office/drawing/2014/main" id="{B4DD2EC0-1878-5AB7-F77F-EC845E1136EB}"/>
+              </a:ext>
+            </a:extLst>
+          </p:cNvPr>
+          <p:cNvPicPr>
+            <a:picLocks noChangeAspect="1"/>
+          </p:cNvPicPr>
+          <p:nvPr/>
+        </p:nvPicPr>
+        <p:blipFill>
+          <a:blip r:embed="rId4">
+            <a:extLst>
+              <a:ext uri="{96DAC541-7B7A-43D3-8B79-37D633B846F1}">
+                <asvg:svgBlip xmlns:asvg="http://schemas.microsoft.com/office/drawing/2016/SVG/main" r:embed="rId5"/>
+              </a:ext>
+            </a:extLst>
+          </a:blip>
+          <a:stretch>
+            <a:fillRect/>
+          </a:stretch>
+        </p:blipFill>
+        <p:spPr>
+          <a:xfrm>
+            <a:off x="8932835" y="-337165"/>
+            <a:ext cx="3784883" cy="2162790"/>
           </a:xfrm>
           <a:prstGeom prst="rect">
             <a:avLst/>
@@ -8923,7 +9654,7 @@
           <p:cNvPr id="2" name="Title 1">
             <a:extLst>
               <a:ext uri="{FF2B5EF4-FFF2-40B4-BE49-F238E27FC236}">
-                <a16:creationId xmlns:a16="http://schemas.microsoft.com/office/drawing/2014/main" id="{552361D6-2ACD-1273-AD45-DD2CB31C442B}"/>
+                <a16:creationId xmlns:a16="http://schemas.microsoft.com/office/drawing/2014/main" id="{4308D767-2EFA-5E58-CAEF-E5DE281D52BE}"/>
               </a:ext>
             </a:extLst>
           </p:cNvPr>
@@ -8941,7 +9672,7 @@
           <a:p>
             <a:r>
               <a:rPr lang="en-IN" dirty="0"/>
-              <a:t>Data Warehousing</a:t>
+              <a:t>EDA on retail sales data (Some basic points)</a:t>
             </a:r>
           </a:p>
         </p:txBody>
@@ -8951,7 +9682,7 @@
           <p:cNvPr id="3" name="Content Placeholder 2">
             <a:extLst>
               <a:ext uri="{FF2B5EF4-FFF2-40B4-BE49-F238E27FC236}">
-                <a16:creationId xmlns:a16="http://schemas.microsoft.com/office/drawing/2014/main" id="{1AAE7508-E446-20CD-7E47-2645431163B8}"/>
+                <a16:creationId xmlns:a16="http://schemas.microsoft.com/office/drawing/2014/main" id="{DF0146A7-9EF9-491D-493B-BCFAAFD01264}"/>
               </a:ext>
             </a:extLst>
           </p:cNvPr>
@@ -8962,95 +9693,53 @@
             <p:ph idx="1"/>
           </p:nvPr>
         </p:nvSpPr>
-        <p:spPr/>
+        <p:spPr>
+          <a:xfrm>
+            <a:off x="838200" y="1825624"/>
+            <a:ext cx="10515600" cy="5032375"/>
+          </a:xfrm>
+        </p:spPr>
         <p:txBody>
           <a:bodyPr/>
           <a:lstStyle/>
           <a:p>
+            <a:r>
+              <a:rPr lang="en-IN" dirty="0"/>
+              <a:t>Shape of given data-30210 rows , 30 columns</a:t>
+            </a:r>
+          </a:p>
+          <a:p>
+            <a:r>
+              <a:rPr lang="en-IN" dirty="0"/>
+              <a:t>There are 4 duplicated rows</a:t>
+            </a:r>
+          </a:p>
+          <a:p>
+            <a:r>
+              <a:rPr lang="en-IN" dirty="0"/>
+              <a:t>Null values in total- 8370</a:t>
+            </a:r>
+          </a:p>
+          <a:p>
+            <a:r>
+              <a:rPr lang="en-IN" dirty="0"/>
+              <a:t>Unique values-2,008,754</a:t>
+            </a:r>
+          </a:p>
+          <a:p>
+            <a:r>
+              <a:rPr lang="en-IN" dirty="0"/>
+              <a:t>Correlation –</a:t>
+            </a:r>
+          </a:p>
+          <a:p>
             <a:endParaRPr lang="en-IN" dirty="0"/>
           </a:p>
           <a:p>
-            <a:r>
-              <a:rPr lang="en-US" dirty="0"/>
-              <a:t>A </a:t>
-            </a:r>
-            <a:r>
-              <a:rPr lang="en-US" b="1" dirty="0"/>
-              <a:t>Data Warehouse</a:t>
-            </a:r>
-            <a:r>
-              <a:rPr lang="en-US" dirty="0"/>
-              <a:t> is a </a:t>
-            </a:r>
-            <a:r>
-              <a:rPr lang="en-US" b="1" dirty="0"/>
-              <a:t>centralized repository</a:t>
-            </a:r>
-            <a:r>
-              <a:rPr lang="en-US" dirty="0"/>
-              <a:t> that stores large volumes of structured data from different sources, optimized for </a:t>
-            </a:r>
-            <a:r>
-              <a:rPr lang="en-US" b="1" dirty="0"/>
-              <a:t>reporting, analysis, and decision-making</a:t>
-            </a:r>
-            <a:r>
-              <a:rPr lang="en-US" dirty="0"/>
-              <a:t>.</a:t>
-            </a:r>
-          </a:p>
-          <a:p>
             <a:endParaRPr lang="en-IN" dirty="0"/>
           </a:p>
           <a:p>
-            <a:r>
-              <a:rPr lang="en-US" dirty="0"/>
-              <a:t>The </a:t>
-            </a:r>
-            <a:r>
-              <a:rPr lang="en-US" b="1" dirty="0"/>
-              <a:t>Medallion Architecture</a:t>
-            </a:r>
-            <a:r>
-              <a:rPr lang="en-US" dirty="0"/>
-              <a:t> is a modern </a:t>
-            </a:r>
-            <a:r>
-              <a:rPr lang="en-US" b="1" dirty="0"/>
-              <a:t>data engineering pattern</a:t>
-            </a:r>
-            <a:r>
-              <a:rPr lang="en-US" dirty="0"/>
-              <a:t> used in </a:t>
-            </a:r>
-            <a:r>
-              <a:rPr lang="en-US" b="1" dirty="0"/>
-              <a:t>data </a:t>
-            </a:r>
-            <a:r>
-              <a:rPr lang="en-US" b="1" dirty="0" err="1"/>
-              <a:t>lakehouses</a:t>
-            </a:r>
-            <a:r>
-              <a:rPr lang="en-US" dirty="0"/>
-              <a:t> (e.g., with Databricks, Delta Lake, or similar platforms). It organizes data into </a:t>
-            </a:r>
-            <a:r>
-              <a:rPr lang="en-US" b="1" dirty="0"/>
-              <a:t>three layers: Bronze, Silver, and Gold</a:t>
-            </a:r>
-            <a:r>
-              <a:rPr lang="en-US" dirty="0"/>
-              <a:t>—like medals—to improve </a:t>
-            </a:r>
-            <a:r>
-              <a:rPr lang="en-US" b="1" dirty="0"/>
-              <a:t>data quality, scalability, and performance</a:t>
-            </a:r>
-            <a:r>
-              <a:rPr lang="en-US" dirty="0"/>
-              <a:t>.</a:t>
-            </a:r>
+            <a:endParaRPr lang="en-IN" dirty="0"/>
           </a:p>
           <a:p>
             <a:endParaRPr lang="en-IN" dirty="0"/>
@@ -9059,10 +9748,10 @@
       </p:sp>
       <p:pic>
         <p:nvPicPr>
-          <p:cNvPr id="5" name="Picture 4">
-            <a:extLst>
-              <a:ext uri="{FF2B5EF4-FFF2-40B4-BE49-F238E27FC236}">
-                <a16:creationId xmlns:a16="http://schemas.microsoft.com/office/drawing/2014/main" id="{4C50C31B-D5C9-1EEC-032E-FF2C13A8AD8B}"/>
+          <p:cNvPr id="7" name="Picture 6">
+            <a:extLst>
+              <a:ext uri="{FF2B5EF4-FFF2-40B4-BE49-F238E27FC236}">
+                <a16:creationId xmlns:a16="http://schemas.microsoft.com/office/drawing/2014/main" id="{572059E0-314F-247F-DC76-10A475DBDDA6}"/>
               </a:ext>
             </a:extLst>
           </p:cNvPr>
@@ -9072,10 +9761,40 @@
           <p:nvPr/>
         </p:nvPicPr>
         <p:blipFill>
-          <a:blip r:embed="rId2">
-            <a:extLst>
-              <a:ext uri="{28A0092B-C50C-407E-A947-70E740481C1C}">
-                <a14:useLocalDpi xmlns:a14="http://schemas.microsoft.com/office/drawing/2010/main" val="0"/>
+          <a:blip r:embed="rId2"/>
+          <a:stretch>
+            <a:fillRect/>
+          </a:stretch>
+        </p:blipFill>
+        <p:spPr>
+          <a:xfrm>
+            <a:off x="3208864" y="3757946"/>
+            <a:ext cx="6600182" cy="1908216"/>
+          </a:xfrm>
+          <a:prstGeom prst="rect">
+            <a:avLst/>
+          </a:prstGeom>
+        </p:spPr>
+      </p:pic>
+      <p:pic>
+        <p:nvPicPr>
+          <p:cNvPr id="4" name="Graphic 3">
+            <a:extLst>
+              <a:ext uri="{FF2B5EF4-FFF2-40B4-BE49-F238E27FC236}">
+                <a16:creationId xmlns:a16="http://schemas.microsoft.com/office/drawing/2014/main" id="{3EEC6559-DC45-8823-AACD-CBB36916982B}"/>
+              </a:ext>
+            </a:extLst>
+          </p:cNvPr>
+          <p:cNvPicPr>
+            <a:picLocks noChangeAspect="1"/>
+          </p:cNvPicPr>
+          <p:nvPr/>
+        </p:nvPicPr>
+        <p:blipFill>
+          <a:blip r:embed="rId3">
+            <a:extLst>
+              <a:ext uri="{96DAC541-7B7A-43D3-8B79-37D633B846F1}">
+                <asvg:svgBlip xmlns:asvg="http://schemas.microsoft.com/office/drawing/2016/SVG/main" r:embed="rId4"/>
               </a:ext>
             </a:extLst>
           </a:blip>
@@ -9085,8 +9804,8 @@
         </p:blipFill>
         <p:spPr>
           <a:xfrm>
-            <a:off x="7845798" y="145026"/>
-            <a:ext cx="3508002" cy="2253891"/>
+            <a:off x="9979742" y="-241923"/>
+            <a:ext cx="2973951" cy="1699401"/>
           </a:xfrm>
           <a:prstGeom prst="rect">
             <a:avLst/>
@@ -9096,7 +9815,7 @@
     </p:spTree>
     <p:extLst>
       <p:ext uri="{BB962C8B-B14F-4D97-AF65-F5344CB8AC3E}">
-        <p14:creationId xmlns:p14="http://schemas.microsoft.com/office/powerpoint/2010/main" val="1974205701"/>
+        <p14:creationId xmlns:p14="http://schemas.microsoft.com/office/powerpoint/2010/main" val="2045340854"/>
       </p:ext>
     </p:extLst>
   </p:cSld>
@@ -9128,7 +9847,7 @@
           <p:cNvPr id="2" name="Title 1">
             <a:extLst>
               <a:ext uri="{FF2B5EF4-FFF2-40B4-BE49-F238E27FC236}">
-                <a16:creationId xmlns:a16="http://schemas.microsoft.com/office/drawing/2014/main" id="{4308D767-2EFA-5E58-CAEF-E5DE281D52BE}"/>
+                <a16:creationId xmlns:a16="http://schemas.microsoft.com/office/drawing/2014/main" id="{A558C7E4-8DDF-764E-582D-8C3EEC237E41}"/>
               </a:ext>
             </a:extLst>
           </p:cNvPr>
@@ -9146,7 +9865,7 @@
           <a:p>
             <a:r>
               <a:rPr lang="en-IN" dirty="0"/>
-              <a:t>EDA on retail sales data (Some basic points)</a:t>
+              <a:t>EDA on retail sales data</a:t>
             </a:r>
           </a:p>
         </p:txBody>
@@ -9156,7 +9875,7 @@
           <p:cNvPr id="3" name="Content Placeholder 2">
             <a:extLst>
               <a:ext uri="{FF2B5EF4-FFF2-40B4-BE49-F238E27FC236}">
-                <a16:creationId xmlns:a16="http://schemas.microsoft.com/office/drawing/2014/main" id="{DF0146A7-9EF9-491D-493B-BCFAAFD01264}"/>
+                <a16:creationId xmlns:a16="http://schemas.microsoft.com/office/drawing/2014/main" id="{6830E50F-9C72-FCE7-7E13-FEB854D0915A}"/>
               </a:ext>
             </a:extLst>
           </p:cNvPr>
@@ -9174,37 +9893,30 @@
           </a:xfrm>
         </p:spPr>
         <p:txBody>
-          <a:bodyPr/>
+          <a:bodyPr>
+            <a:normAutofit/>
+          </a:bodyPr>
           <a:lstStyle/>
           <a:p>
             <a:r>
               <a:rPr lang="en-IN" dirty="0"/>
-              <a:t>Shape of given data-30210 rows , 30 columns</a:t>
-            </a:r>
-          </a:p>
-          <a:p>
-            <a:r>
-              <a:rPr lang="en-IN" dirty="0"/>
-              <a:t>There are 4 duplicated rows</a:t>
-            </a:r>
-          </a:p>
-          <a:p>
-            <a:r>
-              <a:rPr lang="en-IN" dirty="0"/>
-              <a:t>Null values in total- 8370</a:t>
-            </a:r>
-          </a:p>
-          <a:p>
-            <a:r>
-              <a:rPr lang="en-IN" dirty="0"/>
-              <a:t>Unique values-2,008,754</a:t>
-            </a:r>
-          </a:p>
-          <a:p>
-            <a:r>
-              <a:rPr lang="en-IN" dirty="0"/>
-              <a:t>Correlation –</a:t>
-            </a:r>
+              <a:t>info</a:t>
+            </a:r>
+          </a:p>
+          <a:p>
+            <a:endParaRPr lang="en-IN" dirty="0"/>
+          </a:p>
+          <a:p>
+            <a:endParaRPr lang="en-IN" dirty="0"/>
+          </a:p>
+          <a:p>
+            <a:endParaRPr lang="en-IN" dirty="0"/>
+          </a:p>
+          <a:p>
+            <a:endParaRPr lang="en-IN" dirty="0"/>
+          </a:p>
+          <a:p>
+            <a:endParaRPr lang="en-IN" dirty="0"/>
           </a:p>
           <a:p>
             <a:endParaRPr lang="en-IN" dirty="0"/>
@@ -9222,10 +9934,10 @@
       </p:sp>
       <p:pic>
         <p:nvPicPr>
-          <p:cNvPr id="7" name="Picture 6">
-            <a:extLst>
-              <a:ext uri="{FF2B5EF4-FFF2-40B4-BE49-F238E27FC236}">
-                <a16:creationId xmlns:a16="http://schemas.microsoft.com/office/drawing/2014/main" id="{572059E0-314F-247F-DC76-10A475DBDDA6}"/>
+          <p:cNvPr id="5" name="Picture 4">
+            <a:extLst>
+              <a:ext uri="{FF2B5EF4-FFF2-40B4-BE49-F238E27FC236}">
+                <a16:creationId xmlns:a16="http://schemas.microsoft.com/office/drawing/2014/main" id="{FE7F6A93-6A06-4099-3115-596012776D45}"/>
               </a:ext>
             </a:extLst>
           </p:cNvPr>
@@ -9242,8 +9954,44 @@
         </p:blipFill>
         <p:spPr>
           <a:xfrm>
-            <a:off x="3208864" y="3757946"/>
-            <a:ext cx="6600182" cy="1908216"/>
+            <a:off x="2057184" y="2159922"/>
+            <a:ext cx="4284621" cy="4013443"/>
+          </a:xfrm>
+          <a:prstGeom prst="rect">
+            <a:avLst/>
+          </a:prstGeom>
+        </p:spPr>
+      </p:pic>
+      <p:pic>
+        <p:nvPicPr>
+          <p:cNvPr id="4" name="Graphic 3">
+            <a:extLst>
+              <a:ext uri="{FF2B5EF4-FFF2-40B4-BE49-F238E27FC236}">
+                <a16:creationId xmlns:a16="http://schemas.microsoft.com/office/drawing/2014/main" id="{52F58A0F-A714-8C95-88E9-A6A29694DE74}"/>
+              </a:ext>
+            </a:extLst>
+          </p:cNvPr>
+          <p:cNvPicPr>
+            <a:picLocks noChangeAspect="1"/>
+          </p:cNvPicPr>
+          <p:nvPr/>
+        </p:nvPicPr>
+        <p:blipFill>
+          <a:blip r:embed="rId3">
+            <a:extLst>
+              <a:ext uri="{96DAC541-7B7A-43D3-8B79-37D633B846F1}">
+                <asvg:svgBlip xmlns:asvg="http://schemas.microsoft.com/office/drawing/2016/SVG/main" r:embed="rId4"/>
+              </a:ext>
+            </a:extLst>
+          </a:blip>
+          <a:stretch>
+            <a:fillRect/>
+          </a:stretch>
+        </p:blipFill>
+        <p:spPr>
+          <a:xfrm>
+            <a:off x="9793082" y="-92989"/>
+            <a:ext cx="3121435" cy="1783677"/>
           </a:xfrm>
           <a:prstGeom prst="rect">
             <a:avLst/>
@@ -9253,7 +10001,7 @@
     </p:spTree>
     <p:extLst>
       <p:ext uri="{BB962C8B-B14F-4D97-AF65-F5344CB8AC3E}">
-        <p14:creationId xmlns:p14="http://schemas.microsoft.com/office/powerpoint/2010/main" val="2045340854"/>
+        <p14:creationId xmlns:p14="http://schemas.microsoft.com/office/powerpoint/2010/main" val="1667814394"/>
       </p:ext>
     </p:extLst>
   </p:cSld>
@@ -9285,7 +10033,7 @@
           <p:cNvPr id="2" name="Title 1">
             <a:extLst>
               <a:ext uri="{FF2B5EF4-FFF2-40B4-BE49-F238E27FC236}">
-                <a16:creationId xmlns:a16="http://schemas.microsoft.com/office/drawing/2014/main" id="{A558C7E4-8DDF-764E-582D-8C3EEC237E41}"/>
+                <a16:creationId xmlns:a16="http://schemas.microsoft.com/office/drawing/2014/main" id="{5CE856EE-5337-2725-CE7C-C6B307449F29}"/>
               </a:ext>
             </a:extLst>
           </p:cNvPr>
@@ -9313,7 +10061,7 @@
           <p:cNvPr id="3" name="Content Placeholder 2">
             <a:extLst>
               <a:ext uri="{FF2B5EF4-FFF2-40B4-BE49-F238E27FC236}">
-                <a16:creationId xmlns:a16="http://schemas.microsoft.com/office/drawing/2014/main" id="{6830E50F-9C72-FCE7-7E13-FEB854D0915A}"/>
+                <a16:creationId xmlns:a16="http://schemas.microsoft.com/office/drawing/2014/main" id="{65B40D18-A8E1-4191-D1F9-D57C4960D324}"/>
               </a:ext>
             </a:extLst>
           </p:cNvPr>
@@ -9326,47 +10074,18 @@
         </p:nvSpPr>
         <p:spPr>
           <a:xfrm>
-            <a:off x="838200" y="1825624"/>
-            <a:ext cx="10515600" cy="5032375"/>
+            <a:off x="838199" y="1756339"/>
+            <a:ext cx="10515600" cy="4351338"/>
           </a:xfrm>
         </p:spPr>
         <p:txBody>
-          <a:bodyPr>
-            <a:normAutofit/>
-          </a:bodyPr>
+          <a:bodyPr/>
           <a:lstStyle/>
           <a:p>
             <a:r>
               <a:rPr lang="en-IN" dirty="0"/>
-              <a:t>info</a:t>
-            </a:r>
-          </a:p>
-          <a:p>
-            <a:endParaRPr lang="en-IN" dirty="0"/>
-          </a:p>
-          <a:p>
-            <a:endParaRPr lang="en-IN" dirty="0"/>
-          </a:p>
-          <a:p>
-            <a:endParaRPr lang="en-IN" dirty="0"/>
-          </a:p>
-          <a:p>
-            <a:endParaRPr lang="en-IN" dirty="0"/>
-          </a:p>
-          <a:p>
-            <a:endParaRPr lang="en-IN" dirty="0"/>
-          </a:p>
-          <a:p>
-            <a:endParaRPr lang="en-IN" dirty="0"/>
-          </a:p>
-          <a:p>
-            <a:endParaRPr lang="en-IN" dirty="0"/>
-          </a:p>
-          <a:p>
-            <a:endParaRPr lang="en-IN" dirty="0"/>
-          </a:p>
-          <a:p>
-            <a:endParaRPr lang="en-IN" dirty="0"/>
+              <a:t>Description-</a:t>
+            </a:r>
           </a:p>
         </p:txBody>
       </p:sp>
@@ -9375,7 +10094,7 @@
           <p:cNvPr id="5" name="Picture 4">
             <a:extLst>
               <a:ext uri="{FF2B5EF4-FFF2-40B4-BE49-F238E27FC236}">
-                <a16:creationId xmlns:a16="http://schemas.microsoft.com/office/drawing/2014/main" id="{FE7F6A93-6A06-4099-3115-596012776D45}"/>
+                <a16:creationId xmlns:a16="http://schemas.microsoft.com/office/drawing/2014/main" id="{1EFBA168-8892-EBA9-C353-16467C07B45E}"/>
               </a:ext>
             </a:extLst>
           </p:cNvPr>
@@ -9392,8 +10111,44 @@
         </p:blipFill>
         <p:spPr>
           <a:xfrm>
-            <a:off x="2057184" y="2159922"/>
-            <a:ext cx="4284621" cy="4013443"/>
+            <a:off x="1304256" y="2257261"/>
+            <a:ext cx="9583487" cy="2343477"/>
+          </a:xfrm>
+          <a:prstGeom prst="rect">
+            <a:avLst/>
+          </a:prstGeom>
+        </p:spPr>
+      </p:pic>
+      <p:pic>
+        <p:nvPicPr>
+          <p:cNvPr id="4" name="Graphic 3">
+            <a:extLst>
+              <a:ext uri="{FF2B5EF4-FFF2-40B4-BE49-F238E27FC236}">
+                <a16:creationId xmlns:a16="http://schemas.microsoft.com/office/drawing/2014/main" id="{D4016D01-85BF-6836-2F14-D7D720F6D91D}"/>
+              </a:ext>
+            </a:extLst>
+          </p:cNvPr>
+          <p:cNvPicPr>
+            <a:picLocks noChangeAspect="1"/>
+          </p:cNvPicPr>
+          <p:nvPr/>
+        </p:nvPicPr>
+        <p:blipFill>
+          <a:blip r:embed="rId3">
+            <a:extLst>
+              <a:ext uri="{96DAC541-7B7A-43D3-8B79-37D633B846F1}">
+                <asvg:svgBlip xmlns:asvg="http://schemas.microsoft.com/office/drawing/2016/SVG/main" r:embed="rId4"/>
+              </a:ext>
+            </a:extLst>
+          </a:blip>
+          <a:stretch>
+            <a:fillRect/>
+          </a:stretch>
+        </p:blipFill>
+        <p:spPr>
+          <a:xfrm>
+            <a:off x="9586640" y="-88491"/>
+            <a:ext cx="2602206" cy="1486975"/>
           </a:xfrm>
           <a:prstGeom prst="rect">
             <a:avLst/>
@@ -9403,7 +10158,7 @@
     </p:spTree>
     <p:extLst>
       <p:ext uri="{BB962C8B-B14F-4D97-AF65-F5344CB8AC3E}">
-        <p14:creationId xmlns:p14="http://schemas.microsoft.com/office/powerpoint/2010/main" val="1667814394"/>
+        <p14:creationId xmlns:p14="http://schemas.microsoft.com/office/powerpoint/2010/main" val="3833035871"/>
       </p:ext>
     </p:extLst>
   </p:cSld>
@@ -9435,7 +10190,7 @@
           <p:cNvPr id="2" name="Title 1">
             <a:extLst>
               <a:ext uri="{FF2B5EF4-FFF2-40B4-BE49-F238E27FC236}">
-                <a16:creationId xmlns:a16="http://schemas.microsoft.com/office/drawing/2014/main" id="{5CE856EE-5337-2725-CE7C-C6B307449F29}"/>
+                <a16:creationId xmlns:a16="http://schemas.microsoft.com/office/drawing/2014/main" id="{552361D6-2ACD-1273-AD45-DD2CB31C442B}"/>
               </a:ext>
             </a:extLst>
           </p:cNvPr>
@@ -9453,7 +10208,7 @@
           <a:p>
             <a:r>
               <a:rPr lang="en-IN" dirty="0"/>
-              <a:t>EDA on retail sales data</a:t>
+              <a:t>Data Warehousing</a:t>
             </a:r>
           </a:p>
         </p:txBody>
@@ -9463,7 +10218,7 @@
           <p:cNvPr id="3" name="Content Placeholder 2">
             <a:extLst>
               <a:ext uri="{FF2B5EF4-FFF2-40B4-BE49-F238E27FC236}">
-                <a16:creationId xmlns:a16="http://schemas.microsoft.com/office/drawing/2014/main" id="{65B40D18-A8E1-4191-D1F9-D57C4960D324}"/>
+                <a16:creationId xmlns:a16="http://schemas.microsoft.com/office/drawing/2014/main" id="{1AAE7508-E446-20CD-7E47-2645431163B8}"/>
               </a:ext>
             </a:extLst>
           </p:cNvPr>
@@ -9479,10 +10234,93 @@
           <a:bodyPr/>
           <a:lstStyle/>
           <a:p>
-            <a:r>
-              <a:rPr lang="en-IN" dirty="0"/>
-              <a:t>Description-</a:t>
-            </a:r>
+            <a:endParaRPr lang="en-IN" dirty="0"/>
+          </a:p>
+          <a:p>
+            <a:r>
+              <a:rPr lang="en-US" dirty="0"/>
+              <a:t>A </a:t>
+            </a:r>
+            <a:r>
+              <a:rPr lang="en-US" b="1" dirty="0"/>
+              <a:t>Data Warehouse</a:t>
+            </a:r>
+            <a:r>
+              <a:rPr lang="en-US" dirty="0"/>
+              <a:t> is a </a:t>
+            </a:r>
+            <a:r>
+              <a:rPr lang="en-US" b="1" dirty="0"/>
+              <a:t>centralized repository</a:t>
+            </a:r>
+            <a:r>
+              <a:rPr lang="en-US" dirty="0"/>
+              <a:t> that stores large volumes of structured data from different sources, optimized for </a:t>
+            </a:r>
+            <a:r>
+              <a:rPr lang="en-US" b="1" dirty="0"/>
+              <a:t>reporting, analysis, and decision-making</a:t>
+            </a:r>
+            <a:r>
+              <a:rPr lang="en-US" dirty="0"/>
+              <a:t>.</a:t>
+            </a:r>
+          </a:p>
+          <a:p>
+            <a:endParaRPr lang="en-IN" dirty="0"/>
+          </a:p>
+          <a:p>
+            <a:r>
+              <a:rPr lang="en-US" dirty="0"/>
+              <a:t>The </a:t>
+            </a:r>
+            <a:r>
+              <a:rPr lang="en-US" b="1" dirty="0"/>
+              <a:t>Medallion Architecture</a:t>
+            </a:r>
+            <a:r>
+              <a:rPr lang="en-US" dirty="0"/>
+              <a:t> is a modern </a:t>
+            </a:r>
+            <a:r>
+              <a:rPr lang="en-US" b="1" dirty="0"/>
+              <a:t>data engineering pattern</a:t>
+            </a:r>
+            <a:r>
+              <a:rPr lang="en-US" dirty="0"/>
+              <a:t> used in </a:t>
+            </a:r>
+            <a:r>
+              <a:rPr lang="en-US" b="1" dirty="0"/>
+              <a:t>data </a:t>
+            </a:r>
+            <a:r>
+              <a:rPr lang="en-US" b="1" dirty="0" err="1"/>
+              <a:t>lakehouses</a:t>
+            </a:r>
+            <a:r>
+              <a:rPr lang="en-US" dirty="0"/>
+              <a:t> (e.g., with Databricks, Delta Lake, or similar platforms). It organizes data into </a:t>
+            </a:r>
+            <a:r>
+              <a:rPr lang="en-US" b="1" dirty="0"/>
+              <a:t>three layers: Bronze, Silver, and Gold</a:t>
+            </a:r>
+            <a:r>
+              <a:rPr lang="en-US" dirty="0"/>
+              <a:t>—like medals—to improve </a:t>
+            </a:r>
+            <a:r>
+              <a:rPr lang="en-US" b="1" dirty="0"/>
+              <a:t>data quality, scalability, and performance</a:t>
+            </a:r>
+            <a:r>
+              <a:rPr lang="en-US" dirty="0"/>
+              <a:t>.</a:t>
+            </a:r>
+          </a:p>
+          <a:p>
+            <a:endParaRPr lang="en-IN" dirty="0"/>
           </a:p>
         </p:txBody>
       </p:sp>
@@ -9491,7 +10329,7 @@
           <p:cNvPr id="5" name="Picture 4">
             <a:extLst>
               <a:ext uri="{FF2B5EF4-FFF2-40B4-BE49-F238E27FC236}">
-                <a16:creationId xmlns:a16="http://schemas.microsoft.com/office/drawing/2014/main" id="{1EFBA168-8892-EBA9-C353-16467C07B45E}"/>
+                <a16:creationId xmlns:a16="http://schemas.microsoft.com/office/drawing/2014/main" id="{4C50C31B-D5C9-1EEC-032E-FF2C13A8AD8B}"/>
               </a:ext>
             </a:extLst>
           </p:cNvPr>
@@ -9501,15 +10339,57 @@
           <p:nvPr/>
         </p:nvPicPr>
         <p:blipFill>
-          <a:blip r:embed="rId2"/>
+          <a:blip r:embed="rId2">
+            <a:extLst>
+              <a:ext uri="{28A0092B-C50C-407E-A947-70E740481C1C}">
+                <a14:useLocalDpi xmlns:a14="http://schemas.microsoft.com/office/drawing/2010/main" val="0"/>
+              </a:ext>
+            </a:extLst>
+          </a:blip>
           <a:stretch>
             <a:fillRect/>
           </a:stretch>
         </p:blipFill>
         <p:spPr>
           <a:xfrm>
-            <a:off x="1304256" y="2257261"/>
-            <a:ext cx="9583487" cy="2343477"/>
+            <a:off x="7845798" y="145026"/>
+            <a:ext cx="3508002" cy="2253891"/>
+          </a:xfrm>
+          <a:prstGeom prst="rect">
+            <a:avLst/>
+          </a:prstGeom>
+        </p:spPr>
+      </p:pic>
+      <p:pic>
+        <p:nvPicPr>
+          <p:cNvPr id="4" name="Graphic 3">
+            <a:extLst>
+              <a:ext uri="{FF2B5EF4-FFF2-40B4-BE49-F238E27FC236}">
+                <a16:creationId xmlns:a16="http://schemas.microsoft.com/office/drawing/2014/main" id="{C285B995-D82C-9249-7CB0-ED882E296E65}"/>
+              </a:ext>
+            </a:extLst>
+          </p:cNvPr>
+          <p:cNvPicPr>
+            <a:picLocks noChangeAspect="1"/>
+          </p:cNvPicPr>
+          <p:nvPr/>
+        </p:nvPicPr>
+        <p:blipFill>
+          <a:blip r:embed="rId3">
+            <a:extLst>
+              <a:ext uri="{96DAC541-7B7A-43D3-8B79-37D633B846F1}">
+                <asvg:svgBlip xmlns:asvg="http://schemas.microsoft.com/office/drawing/2016/SVG/main" r:embed="rId4"/>
+              </a:ext>
+            </a:extLst>
+          </a:blip>
+          <a:stretch>
+            <a:fillRect/>
+          </a:stretch>
+        </p:blipFill>
+        <p:spPr>
+          <a:xfrm>
+            <a:off x="9435860" y="5027795"/>
+            <a:ext cx="3508002" cy="2004573"/>
           </a:xfrm>
           <a:prstGeom prst="rect">
             <a:avLst/>
@@ -9519,7 +10399,7 @@
     </p:spTree>
     <p:extLst>
       <p:ext uri="{BB962C8B-B14F-4D97-AF65-F5344CB8AC3E}">
-        <p14:creationId xmlns:p14="http://schemas.microsoft.com/office/powerpoint/2010/main" val="3833035871"/>
+        <p14:creationId xmlns:p14="http://schemas.microsoft.com/office/powerpoint/2010/main" val="1974205701"/>
       </p:ext>
     </p:extLst>
   </p:cSld>
@@ -9751,6 +10631,42 @@
           </a:p>
         </p:txBody>
       </p:sp>
+      <p:pic>
+        <p:nvPicPr>
+          <p:cNvPr id="3" name="Graphic 2">
+            <a:extLst>
+              <a:ext uri="{FF2B5EF4-FFF2-40B4-BE49-F238E27FC236}">
+                <a16:creationId xmlns:a16="http://schemas.microsoft.com/office/drawing/2014/main" id="{EBF179E4-AC25-945C-96E3-B532BA854BD8}"/>
+              </a:ext>
+            </a:extLst>
+          </p:cNvPr>
+          <p:cNvPicPr>
+            <a:picLocks noChangeAspect="1"/>
+          </p:cNvPicPr>
+          <p:nvPr/>
+        </p:nvPicPr>
+        <p:blipFill>
+          <a:blip r:embed="rId3">
+            <a:extLst>
+              <a:ext uri="{96DAC541-7B7A-43D3-8B79-37D633B846F1}">
+                <asvg:svgBlip xmlns:asvg="http://schemas.microsoft.com/office/drawing/2016/SVG/main" r:embed="rId4"/>
+              </a:ext>
+            </a:extLst>
+          </a:blip>
+          <a:stretch>
+            <a:fillRect/>
+          </a:stretch>
+        </p:blipFill>
+        <p:spPr>
+          <a:xfrm>
+            <a:off x="10186220" y="5669877"/>
+            <a:ext cx="2079216" cy="1188123"/>
+          </a:xfrm>
+          <a:prstGeom prst="rect">
+            <a:avLst/>
+          </a:prstGeom>
+        </p:spPr>
+      </p:pic>
     </p:spTree>
     <p:extLst>
       <p:ext uri="{BB962C8B-B14F-4D97-AF65-F5344CB8AC3E}">

--- a/Retail Sales Data Analysis.pptx
+++ b/Retail Sales Data Analysis.pptx
@@ -22,6 +22,18 @@
     <p:sldId id="269" r:id="rId16"/>
     <p:sldId id="270" r:id="rId17"/>
     <p:sldId id="272" r:id="rId18"/>
+    <p:sldId id="283" r:id="rId19"/>
+    <p:sldId id="284" r:id="rId20"/>
+    <p:sldId id="273" r:id="rId21"/>
+    <p:sldId id="274" r:id="rId22"/>
+    <p:sldId id="275" r:id="rId23"/>
+    <p:sldId id="276" r:id="rId24"/>
+    <p:sldId id="277" r:id="rId25"/>
+    <p:sldId id="278" r:id="rId26"/>
+    <p:sldId id="279" r:id="rId27"/>
+    <p:sldId id="280" r:id="rId28"/>
+    <p:sldId id="281" r:id="rId29"/>
+    <p:sldId id="282" r:id="rId30"/>
   </p:sldIdLst>
   <p:sldSz cx="12192000" cy="6858000"/>
   <p:notesSz cx="6858000" cy="9144000"/>
@@ -131,7 +143,7 @@
 <file path=ppt/revisionInfo.xml><?xml version="1.0" encoding="utf-8"?>
 <p1510:revInfo xmlns:a="http://schemas.openxmlformats.org/drawingml/2006/main" xmlns:r="http://schemas.openxmlformats.org/officeDocument/2006/relationships" xmlns:p1510="http://schemas.microsoft.com/office/powerpoint/2015/10/main">
   <p1510:revLst>
-    <p1510:client id="{96E188A7-290F-47FA-B4D4-EB175F54C8CC}" v="16" dt="2025-06-05T06:12:40.954"/>
+    <p1510:client id="{96E188A7-290F-47FA-B4D4-EB175F54C8CC}" v="59" dt="2025-06-09T12:48:48.449"/>
   </p1510:revLst>
 </p1510:revInfo>
 </file>
@@ -140,8 +152,8 @@
 <pc:chgInfo xmlns:a="http://schemas.openxmlformats.org/drawingml/2006/main" xmlns:r="http://schemas.openxmlformats.org/officeDocument/2006/relationships" xmlns:ac="http://schemas.microsoft.com/office/drawing/2013/main/command" xmlns:pc="http://schemas.microsoft.com/office/powerpoint/2013/main/command">
   <pc:docChgLst>
     <pc:chgData name="Viswanath Parashuram Yadavalli" userId="382611aecaaed771" providerId="LiveId" clId="{96E188A7-290F-47FA-B4D4-EB175F54C8CC}"/>
-    <pc:docChg chg="modSld sldOrd">
-      <pc:chgData name="Viswanath Parashuram Yadavalli" userId="382611aecaaed771" providerId="LiveId" clId="{96E188A7-290F-47FA-B4D4-EB175F54C8CC}" dt="2025-06-05T07:08:28.618" v="63" actId="1035"/>
+    <pc:docChg chg="undo custSel addSld modSld sldOrd">
+      <pc:chgData name="Viswanath Parashuram Yadavalli" userId="382611aecaaed771" providerId="LiveId" clId="{96E188A7-290F-47FA-B4D4-EB175F54C8CC}" dt="2025-06-09T12:48:48.449" v="2202"/>
       <pc:docMkLst>
         <pc:docMk/>
       </pc:docMkLst>
@@ -433,6 +445,506 @@
           </ac:picMkLst>
         </pc:picChg>
       </pc:sldChg>
+      <pc:sldChg chg="addSp modSp new mod">
+        <pc:chgData name="Viswanath Parashuram Yadavalli" userId="382611aecaaed771" providerId="LiveId" clId="{96E188A7-290F-47FA-B4D4-EB175F54C8CC}" dt="2025-06-09T05:58:17.904" v="410" actId="20577"/>
+        <pc:sldMkLst>
+          <pc:docMk/>
+          <pc:sldMk cId="3186229401" sldId="273"/>
+        </pc:sldMkLst>
+        <pc:spChg chg="mod">
+          <ac:chgData name="Viswanath Parashuram Yadavalli" userId="382611aecaaed771" providerId="LiveId" clId="{96E188A7-290F-47FA-B4D4-EB175F54C8CC}" dt="2025-06-09T05:53:48.944" v="92" actId="20577"/>
+          <ac:spMkLst>
+            <pc:docMk/>
+            <pc:sldMk cId="3186229401" sldId="273"/>
+            <ac:spMk id="2" creationId="{778230DE-5C50-479A-24C6-9F2BFF912A0E}"/>
+          </ac:spMkLst>
+        </pc:spChg>
+        <pc:spChg chg="mod">
+          <ac:chgData name="Viswanath Parashuram Yadavalli" userId="382611aecaaed771" providerId="LiveId" clId="{96E188A7-290F-47FA-B4D4-EB175F54C8CC}" dt="2025-06-09T05:58:17.904" v="410" actId="20577"/>
+          <ac:spMkLst>
+            <pc:docMk/>
+            <pc:sldMk cId="3186229401" sldId="273"/>
+            <ac:spMk id="3" creationId="{F3ECFC4D-030E-0392-90F3-7B16B79CCDE5}"/>
+          </ac:spMkLst>
+        </pc:spChg>
+        <pc:picChg chg="add mod">
+          <ac:chgData name="Viswanath Parashuram Yadavalli" userId="382611aecaaed771" providerId="LiveId" clId="{96E188A7-290F-47FA-B4D4-EB175F54C8CC}" dt="2025-06-09T05:56:42.179" v="313" actId="14100"/>
+          <ac:picMkLst>
+            <pc:docMk/>
+            <pc:sldMk cId="3186229401" sldId="273"/>
+            <ac:picMk id="5" creationId="{94D18660-5166-495F-A587-5FF51C343199}"/>
+          </ac:picMkLst>
+        </pc:picChg>
+        <pc:picChg chg="add mod">
+          <ac:chgData name="Viswanath Parashuram Yadavalli" userId="382611aecaaed771" providerId="LiveId" clId="{96E188A7-290F-47FA-B4D4-EB175F54C8CC}" dt="2025-06-09T05:56:27.624" v="306"/>
+          <ac:picMkLst>
+            <pc:docMk/>
+            <pc:sldMk cId="3186229401" sldId="273"/>
+            <ac:picMk id="6" creationId="{CCF25258-45E5-F02C-D5B1-5146F67E71FB}"/>
+          </ac:picMkLst>
+        </pc:picChg>
+      </pc:sldChg>
+      <pc:sldChg chg="addSp modSp new mod">
+        <pc:chgData name="Viswanath Parashuram Yadavalli" userId="382611aecaaed771" providerId="LiveId" clId="{96E188A7-290F-47FA-B4D4-EB175F54C8CC}" dt="2025-06-09T12:47:09.690" v="2187" actId="1076"/>
+        <pc:sldMkLst>
+          <pc:docMk/>
+          <pc:sldMk cId="1527438195" sldId="274"/>
+        </pc:sldMkLst>
+        <pc:spChg chg="mod">
+          <ac:chgData name="Viswanath Parashuram Yadavalli" userId="382611aecaaed771" providerId="LiveId" clId="{96E188A7-290F-47FA-B4D4-EB175F54C8CC}" dt="2025-06-09T06:09:27.476" v="445" actId="20577"/>
+          <ac:spMkLst>
+            <pc:docMk/>
+            <pc:sldMk cId="1527438195" sldId="274"/>
+            <ac:spMk id="2" creationId="{3E5A763A-9674-DB7B-D774-F19A44CAF624}"/>
+          </ac:spMkLst>
+        </pc:spChg>
+        <pc:spChg chg="mod">
+          <ac:chgData name="Viswanath Parashuram Yadavalli" userId="382611aecaaed771" providerId="LiveId" clId="{96E188A7-290F-47FA-B4D4-EB175F54C8CC}" dt="2025-06-09T06:12:33.327" v="607" actId="20577"/>
+          <ac:spMkLst>
+            <pc:docMk/>
+            <pc:sldMk cId="1527438195" sldId="274"/>
+            <ac:spMk id="3" creationId="{32331902-A840-B777-16E9-27A689011649}"/>
+          </ac:spMkLst>
+        </pc:spChg>
+        <pc:picChg chg="add mod">
+          <ac:chgData name="Viswanath Parashuram Yadavalli" userId="382611aecaaed771" providerId="LiveId" clId="{96E188A7-290F-47FA-B4D4-EB175F54C8CC}" dt="2025-06-09T06:12:34.559" v="608"/>
+          <ac:picMkLst>
+            <pc:docMk/>
+            <pc:sldMk cId="1527438195" sldId="274"/>
+            <ac:picMk id="4" creationId="{3A222BB2-B42D-7816-0F26-475CCCA1C362}"/>
+          </ac:picMkLst>
+        </pc:picChg>
+        <pc:picChg chg="add mod">
+          <ac:chgData name="Viswanath Parashuram Yadavalli" userId="382611aecaaed771" providerId="LiveId" clId="{96E188A7-290F-47FA-B4D4-EB175F54C8CC}" dt="2025-06-09T12:47:09.690" v="2187" actId="1076"/>
+          <ac:picMkLst>
+            <pc:docMk/>
+            <pc:sldMk cId="1527438195" sldId="274"/>
+            <ac:picMk id="6" creationId="{8063B922-5BAE-1FC7-71DB-808ABAB16CB2}"/>
+          </ac:picMkLst>
+        </pc:picChg>
+      </pc:sldChg>
+      <pc:sldChg chg="addSp delSp modSp new mod">
+        <pc:chgData name="Viswanath Parashuram Yadavalli" userId="382611aecaaed771" providerId="LiveId" clId="{96E188A7-290F-47FA-B4D4-EB175F54C8CC}" dt="2025-06-09T06:28:11.629" v="744" actId="207"/>
+        <pc:sldMkLst>
+          <pc:docMk/>
+          <pc:sldMk cId="197179865" sldId="275"/>
+        </pc:sldMkLst>
+        <pc:spChg chg="mod">
+          <ac:chgData name="Viswanath Parashuram Yadavalli" userId="382611aecaaed771" providerId="LiveId" clId="{96E188A7-290F-47FA-B4D4-EB175F54C8CC}" dt="2025-06-09T06:14:12.104" v="632" actId="20577"/>
+          <ac:spMkLst>
+            <pc:docMk/>
+            <pc:sldMk cId="197179865" sldId="275"/>
+            <ac:spMk id="2" creationId="{C29E577C-832D-279B-CED4-1C8AF1623570}"/>
+          </ac:spMkLst>
+        </pc:spChg>
+        <pc:spChg chg="del">
+          <ac:chgData name="Viswanath Parashuram Yadavalli" userId="382611aecaaed771" providerId="LiveId" clId="{96E188A7-290F-47FA-B4D4-EB175F54C8CC}" dt="2025-06-09T06:14:20.626" v="633"/>
+          <ac:spMkLst>
+            <pc:docMk/>
+            <pc:sldMk cId="197179865" sldId="275"/>
+            <ac:spMk id="3" creationId="{31E6DE68-386A-436C-22E6-4B497F27B8F3}"/>
+          </ac:spMkLst>
+        </pc:spChg>
+        <pc:spChg chg="add mod">
+          <ac:chgData name="Viswanath Parashuram Yadavalli" userId="382611aecaaed771" providerId="LiveId" clId="{96E188A7-290F-47FA-B4D4-EB175F54C8CC}" dt="2025-06-09T06:26:47.509" v="639" actId="14100"/>
+          <ac:spMkLst>
+            <pc:docMk/>
+            <pc:sldMk cId="197179865" sldId="275"/>
+            <ac:spMk id="5" creationId="{8D180F9E-F09B-2485-AA0D-4F4E0E647D12}"/>
+          </ac:spMkLst>
+        </pc:spChg>
+        <pc:spChg chg="add del mod">
+          <ac:chgData name="Viswanath Parashuram Yadavalli" userId="382611aecaaed771" providerId="LiveId" clId="{96E188A7-290F-47FA-B4D4-EB175F54C8CC}" dt="2025-06-09T06:27:01.959" v="643"/>
+          <ac:spMkLst>
+            <pc:docMk/>
+            <pc:sldMk cId="197179865" sldId="275"/>
+            <ac:spMk id="6" creationId="{256F3BA2-8D11-F07C-0D2F-E1F5E9D9B7A6}"/>
+          </ac:spMkLst>
+        </pc:spChg>
+        <pc:spChg chg="add mod">
+          <ac:chgData name="Viswanath Parashuram Yadavalli" userId="382611aecaaed771" providerId="LiveId" clId="{96E188A7-290F-47FA-B4D4-EB175F54C8CC}" dt="2025-06-09T06:28:11.629" v="744" actId="207"/>
+          <ac:spMkLst>
+            <pc:docMk/>
+            <pc:sldMk cId="197179865" sldId="275"/>
+            <ac:spMk id="7" creationId="{78837DBD-E021-5D39-8B42-40BF0BF25A5D}"/>
+          </ac:spMkLst>
+        </pc:spChg>
+        <pc:picChg chg="add mod">
+          <ac:chgData name="Viswanath Parashuram Yadavalli" userId="382611aecaaed771" providerId="LiveId" clId="{96E188A7-290F-47FA-B4D4-EB175F54C8CC}" dt="2025-06-09T06:14:31.607" v="636" actId="1076"/>
+          <ac:picMkLst>
+            <pc:docMk/>
+            <pc:sldMk cId="197179865" sldId="275"/>
+            <ac:picMk id="4" creationId="{78525DAA-6505-8FC2-60E3-D4DB8555EA74}"/>
+          </ac:picMkLst>
+        </pc:picChg>
+      </pc:sldChg>
+      <pc:sldChg chg="addSp modSp new mod">
+        <pc:chgData name="Viswanath Parashuram Yadavalli" userId="382611aecaaed771" providerId="LiveId" clId="{96E188A7-290F-47FA-B4D4-EB175F54C8CC}" dt="2025-06-09T12:48:15.073" v="2193" actId="1076"/>
+        <pc:sldMkLst>
+          <pc:docMk/>
+          <pc:sldMk cId="906569910" sldId="276"/>
+        </pc:sldMkLst>
+        <pc:spChg chg="mod">
+          <ac:chgData name="Viswanath Parashuram Yadavalli" userId="382611aecaaed771" providerId="LiveId" clId="{96E188A7-290F-47FA-B4D4-EB175F54C8CC}" dt="2025-06-09T06:28:32.049" v="763" actId="20577"/>
+          <ac:spMkLst>
+            <pc:docMk/>
+            <pc:sldMk cId="906569910" sldId="276"/>
+            <ac:spMk id="2" creationId="{20E558F0-A5DC-CBA0-DFD3-FB145A5E1D75}"/>
+          </ac:spMkLst>
+        </pc:spChg>
+        <pc:spChg chg="mod">
+          <ac:chgData name="Viswanath Parashuram Yadavalli" userId="382611aecaaed771" providerId="LiveId" clId="{96E188A7-290F-47FA-B4D4-EB175F54C8CC}" dt="2025-06-09T06:41:54.970" v="839" actId="27636"/>
+          <ac:spMkLst>
+            <pc:docMk/>
+            <pc:sldMk cId="906569910" sldId="276"/>
+            <ac:spMk id="3" creationId="{A7F08ECD-24CF-8B1F-6372-5B271632AAC7}"/>
+          </ac:spMkLst>
+        </pc:spChg>
+        <pc:picChg chg="add mod">
+          <ac:chgData name="Viswanath Parashuram Yadavalli" userId="382611aecaaed771" providerId="LiveId" clId="{96E188A7-290F-47FA-B4D4-EB175F54C8CC}" dt="2025-06-09T06:42:26.004" v="842" actId="1076"/>
+          <ac:picMkLst>
+            <pc:docMk/>
+            <pc:sldMk cId="906569910" sldId="276"/>
+            <ac:picMk id="4" creationId="{8C3DAFFD-CB72-3AA1-393B-6AF012C55CE0}"/>
+          </ac:picMkLst>
+        </pc:picChg>
+        <pc:picChg chg="add mod">
+          <ac:chgData name="Viswanath Parashuram Yadavalli" userId="382611aecaaed771" providerId="LiveId" clId="{96E188A7-290F-47FA-B4D4-EB175F54C8CC}" dt="2025-06-09T12:48:15.073" v="2193" actId="1076"/>
+          <ac:picMkLst>
+            <pc:docMk/>
+            <pc:sldMk cId="906569910" sldId="276"/>
+            <ac:picMk id="6" creationId="{E93AF6E8-F92D-B9ED-831F-87D66B350F2D}"/>
+          </ac:picMkLst>
+        </pc:picChg>
+      </pc:sldChg>
+      <pc:sldChg chg="addSp modSp new mod">
+        <pc:chgData name="Viswanath Parashuram Yadavalli" userId="382611aecaaed771" providerId="LiveId" clId="{96E188A7-290F-47FA-B4D4-EB175F54C8CC}" dt="2025-06-09T12:48:25.981" v="2195"/>
+        <pc:sldMkLst>
+          <pc:docMk/>
+          <pc:sldMk cId="4143245643" sldId="277"/>
+        </pc:sldMkLst>
+        <pc:spChg chg="mod">
+          <ac:chgData name="Viswanath Parashuram Yadavalli" userId="382611aecaaed771" providerId="LiveId" clId="{96E188A7-290F-47FA-B4D4-EB175F54C8CC}" dt="2025-06-09T06:42:40.642" v="861" actId="20577"/>
+          <ac:spMkLst>
+            <pc:docMk/>
+            <pc:sldMk cId="4143245643" sldId="277"/>
+            <ac:spMk id="2" creationId="{05C628AE-4E35-0761-8D4F-96A98EB0E735}"/>
+          </ac:spMkLst>
+        </pc:spChg>
+        <pc:spChg chg="mod">
+          <ac:chgData name="Viswanath Parashuram Yadavalli" userId="382611aecaaed771" providerId="LiveId" clId="{96E188A7-290F-47FA-B4D4-EB175F54C8CC}" dt="2025-06-09T06:57:08.439" v="925" actId="27636"/>
+          <ac:spMkLst>
+            <pc:docMk/>
+            <pc:sldMk cId="4143245643" sldId="277"/>
+            <ac:spMk id="3" creationId="{0EF6D6BF-D96D-1380-8085-06E6D026BBB4}"/>
+          </ac:spMkLst>
+        </pc:spChg>
+        <pc:picChg chg="add mod">
+          <ac:chgData name="Viswanath Parashuram Yadavalli" userId="382611aecaaed771" providerId="LiveId" clId="{96E188A7-290F-47FA-B4D4-EB175F54C8CC}" dt="2025-06-09T06:57:23.039" v="927" actId="1076"/>
+          <ac:picMkLst>
+            <pc:docMk/>
+            <pc:sldMk cId="4143245643" sldId="277"/>
+            <ac:picMk id="4" creationId="{AF05E43C-470A-F47D-999D-3EDAECA0FAA6}"/>
+          </ac:picMkLst>
+        </pc:picChg>
+        <pc:picChg chg="add mod">
+          <ac:chgData name="Viswanath Parashuram Yadavalli" userId="382611aecaaed771" providerId="LiveId" clId="{96E188A7-290F-47FA-B4D4-EB175F54C8CC}" dt="2025-06-09T12:48:18.056" v="2194"/>
+          <ac:picMkLst>
+            <pc:docMk/>
+            <pc:sldMk cId="4143245643" sldId="277"/>
+            <ac:picMk id="5" creationId="{8C9D3017-64D7-0BC0-F0EC-53CB87B7588C}"/>
+          </ac:picMkLst>
+        </pc:picChg>
+        <pc:picChg chg="add mod">
+          <ac:chgData name="Viswanath Parashuram Yadavalli" userId="382611aecaaed771" providerId="LiveId" clId="{96E188A7-290F-47FA-B4D4-EB175F54C8CC}" dt="2025-06-09T12:48:25.981" v="2195"/>
+          <ac:picMkLst>
+            <pc:docMk/>
+            <pc:sldMk cId="4143245643" sldId="277"/>
+            <ac:picMk id="6" creationId="{4B514DDC-22AB-7933-A92B-C6D8908B7883}"/>
+          </ac:picMkLst>
+        </pc:picChg>
+      </pc:sldChg>
+      <pc:sldChg chg="addSp modSp new mod">
+        <pc:chgData name="Viswanath Parashuram Yadavalli" userId="382611aecaaed771" providerId="LiveId" clId="{96E188A7-290F-47FA-B4D4-EB175F54C8CC}" dt="2025-06-09T12:48:33.461" v="2197" actId="14100"/>
+        <pc:sldMkLst>
+          <pc:docMk/>
+          <pc:sldMk cId="2344435532" sldId="278"/>
+        </pc:sldMkLst>
+        <pc:spChg chg="mod">
+          <ac:chgData name="Viswanath Parashuram Yadavalli" userId="382611aecaaed771" providerId="LiveId" clId="{96E188A7-290F-47FA-B4D4-EB175F54C8CC}" dt="2025-06-09T06:57:57.252" v="949" actId="20577"/>
+          <ac:spMkLst>
+            <pc:docMk/>
+            <pc:sldMk cId="2344435532" sldId="278"/>
+            <ac:spMk id="2" creationId="{BD48446F-C682-1775-8718-57322C5A14B8}"/>
+          </ac:spMkLst>
+        </pc:spChg>
+        <pc:spChg chg="mod">
+          <ac:chgData name="Viswanath Parashuram Yadavalli" userId="382611aecaaed771" providerId="LiveId" clId="{96E188A7-290F-47FA-B4D4-EB175F54C8CC}" dt="2025-06-09T08:17:59.345" v="1005" actId="27636"/>
+          <ac:spMkLst>
+            <pc:docMk/>
+            <pc:sldMk cId="2344435532" sldId="278"/>
+            <ac:spMk id="3" creationId="{18334251-1E5F-F82D-54A5-743A8FE04BE3}"/>
+          </ac:spMkLst>
+        </pc:spChg>
+        <pc:picChg chg="add mod">
+          <ac:chgData name="Viswanath Parashuram Yadavalli" userId="382611aecaaed771" providerId="LiveId" clId="{96E188A7-290F-47FA-B4D4-EB175F54C8CC}" dt="2025-06-09T08:18:09.774" v="1006"/>
+          <ac:picMkLst>
+            <pc:docMk/>
+            <pc:sldMk cId="2344435532" sldId="278"/>
+            <ac:picMk id="4" creationId="{0775273B-FA4C-7C71-6D71-2DA4E87C4656}"/>
+          </ac:picMkLst>
+        </pc:picChg>
+        <pc:picChg chg="add mod">
+          <ac:chgData name="Viswanath Parashuram Yadavalli" userId="382611aecaaed771" providerId="LiveId" clId="{96E188A7-290F-47FA-B4D4-EB175F54C8CC}" dt="2025-06-09T12:48:33.461" v="2197" actId="14100"/>
+          <ac:picMkLst>
+            <pc:docMk/>
+            <pc:sldMk cId="2344435532" sldId="278"/>
+            <ac:picMk id="5" creationId="{265606A8-F975-43E5-7AAF-07F35B5F6717}"/>
+          </ac:picMkLst>
+        </pc:picChg>
+      </pc:sldChg>
+      <pc:sldChg chg="addSp modSp new mod">
+        <pc:chgData name="Viswanath Parashuram Yadavalli" userId="382611aecaaed771" providerId="LiveId" clId="{96E188A7-290F-47FA-B4D4-EB175F54C8CC}" dt="2025-06-09T12:48:39.845" v="2199" actId="14100"/>
+        <pc:sldMkLst>
+          <pc:docMk/>
+          <pc:sldMk cId="4189335730" sldId="279"/>
+        </pc:sldMkLst>
+        <pc:spChg chg="mod">
+          <ac:chgData name="Viswanath Parashuram Yadavalli" userId="382611aecaaed771" providerId="LiveId" clId="{96E188A7-290F-47FA-B4D4-EB175F54C8CC}" dt="2025-06-09T08:40:55.894" v="1028" actId="20577"/>
+          <ac:spMkLst>
+            <pc:docMk/>
+            <pc:sldMk cId="4189335730" sldId="279"/>
+            <ac:spMk id="2" creationId="{00DA88D5-F02E-1092-BFFF-96047EC21D74}"/>
+          </ac:spMkLst>
+        </pc:spChg>
+        <pc:spChg chg="mod">
+          <ac:chgData name="Viswanath Parashuram Yadavalli" userId="382611aecaaed771" providerId="LiveId" clId="{96E188A7-290F-47FA-B4D4-EB175F54C8CC}" dt="2025-06-09T08:53:10.928" v="1196" actId="27636"/>
+          <ac:spMkLst>
+            <pc:docMk/>
+            <pc:sldMk cId="4189335730" sldId="279"/>
+            <ac:spMk id="3" creationId="{A52DEDB7-62F9-8128-BFFC-B78A1EF6A617}"/>
+          </ac:spMkLst>
+        </pc:spChg>
+        <pc:picChg chg="add mod">
+          <ac:chgData name="Viswanath Parashuram Yadavalli" userId="382611aecaaed771" providerId="LiveId" clId="{96E188A7-290F-47FA-B4D4-EB175F54C8CC}" dt="2025-06-09T08:53:25.791" v="1197"/>
+          <ac:picMkLst>
+            <pc:docMk/>
+            <pc:sldMk cId="4189335730" sldId="279"/>
+            <ac:picMk id="4" creationId="{EE509524-4C13-EAF5-80FF-370FE80D3957}"/>
+          </ac:picMkLst>
+        </pc:picChg>
+        <pc:picChg chg="add mod">
+          <ac:chgData name="Viswanath Parashuram Yadavalli" userId="382611aecaaed771" providerId="LiveId" clId="{96E188A7-290F-47FA-B4D4-EB175F54C8CC}" dt="2025-06-09T12:48:39.845" v="2199" actId="14100"/>
+          <ac:picMkLst>
+            <pc:docMk/>
+            <pc:sldMk cId="4189335730" sldId="279"/>
+            <ac:picMk id="5" creationId="{67FC04B4-00AD-CA54-7E88-47082D33E012}"/>
+          </ac:picMkLst>
+        </pc:picChg>
+      </pc:sldChg>
+      <pc:sldChg chg="addSp modSp new mod">
+        <pc:chgData name="Viswanath Parashuram Yadavalli" userId="382611aecaaed771" providerId="LiveId" clId="{96E188A7-290F-47FA-B4D4-EB175F54C8CC}" dt="2025-06-09T12:48:42.441" v="2200"/>
+        <pc:sldMkLst>
+          <pc:docMk/>
+          <pc:sldMk cId="451881747" sldId="280"/>
+        </pc:sldMkLst>
+        <pc:spChg chg="mod">
+          <ac:chgData name="Viswanath Parashuram Yadavalli" userId="382611aecaaed771" providerId="LiveId" clId="{96E188A7-290F-47FA-B4D4-EB175F54C8CC}" dt="2025-06-09T08:58:42.700" v="1219" actId="20577"/>
+          <ac:spMkLst>
+            <pc:docMk/>
+            <pc:sldMk cId="451881747" sldId="280"/>
+            <ac:spMk id="2" creationId="{24CC966D-9DCC-B691-C7F2-BC7AB6AFC2D7}"/>
+          </ac:spMkLst>
+        </pc:spChg>
+        <pc:spChg chg="mod">
+          <ac:chgData name="Viswanath Parashuram Yadavalli" userId="382611aecaaed771" providerId="LiveId" clId="{96E188A7-290F-47FA-B4D4-EB175F54C8CC}" dt="2025-06-09T08:59:05.735" v="1267" actId="20577"/>
+          <ac:spMkLst>
+            <pc:docMk/>
+            <pc:sldMk cId="451881747" sldId="280"/>
+            <ac:spMk id="3" creationId="{4C4C7ED8-D626-B18A-1A07-823B2033CF07}"/>
+          </ac:spMkLst>
+        </pc:spChg>
+        <pc:picChg chg="add mod">
+          <ac:chgData name="Viswanath Parashuram Yadavalli" userId="382611aecaaed771" providerId="LiveId" clId="{96E188A7-290F-47FA-B4D4-EB175F54C8CC}" dt="2025-06-09T12:07:34.623" v="1268"/>
+          <ac:picMkLst>
+            <pc:docMk/>
+            <pc:sldMk cId="451881747" sldId="280"/>
+            <ac:picMk id="4" creationId="{A8B71FAD-E008-80B6-866C-FB1977FE92F6}"/>
+          </ac:picMkLst>
+        </pc:picChg>
+        <pc:picChg chg="add mod">
+          <ac:chgData name="Viswanath Parashuram Yadavalli" userId="382611aecaaed771" providerId="LiveId" clId="{96E188A7-290F-47FA-B4D4-EB175F54C8CC}" dt="2025-06-09T12:48:42.441" v="2200"/>
+          <ac:picMkLst>
+            <pc:docMk/>
+            <pc:sldMk cId="451881747" sldId="280"/>
+            <ac:picMk id="5" creationId="{BD144CAB-1A6C-FB9C-95E7-11192BE869DB}"/>
+          </ac:picMkLst>
+        </pc:picChg>
+      </pc:sldChg>
+      <pc:sldChg chg="addSp modSp new mod">
+        <pc:chgData name="Viswanath Parashuram Yadavalli" userId="382611aecaaed771" providerId="LiveId" clId="{96E188A7-290F-47FA-B4D4-EB175F54C8CC}" dt="2025-06-09T12:48:45.427" v="2201"/>
+        <pc:sldMkLst>
+          <pc:docMk/>
+          <pc:sldMk cId="616789115" sldId="281"/>
+        </pc:sldMkLst>
+        <pc:spChg chg="mod">
+          <ac:chgData name="Viswanath Parashuram Yadavalli" userId="382611aecaaed771" providerId="LiveId" clId="{96E188A7-290F-47FA-B4D4-EB175F54C8CC}" dt="2025-06-09T12:08:13.794" v="1276" actId="20577"/>
+          <ac:spMkLst>
+            <pc:docMk/>
+            <pc:sldMk cId="616789115" sldId="281"/>
+            <ac:spMk id="2" creationId="{3608F517-E1AB-12BE-4A6C-46BF4B42F1D8}"/>
+          </ac:spMkLst>
+        </pc:spChg>
+        <pc:spChg chg="mod">
+          <ac:chgData name="Viswanath Parashuram Yadavalli" userId="382611aecaaed771" providerId="LiveId" clId="{96E188A7-290F-47FA-B4D4-EB175F54C8CC}" dt="2025-06-09T12:38:23.286" v="1444" actId="20577"/>
+          <ac:spMkLst>
+            <pc:docMk/>
+            <pc:sldMk cId="616789115" sldId="281"/>
+            <ac:spMk id="3" creationId="{73730DF3-8400-0AE3-C6EC-DBD2E39EE232}"/>
+          </ac:spMkLst>
+        </pc:spChg>
+        <pc:picChg chg="add mod">
+          <ac:chgData name="Viswanath Parashuram Yadavalli" userId="382611aecaaed771" providerId="LiveId" clId="{96E188A7-290F-47FA-B4D4-EB175F54C8CC}" dt="2025-06-09T12:33:16.793" v="1396" actId="1076"/>
+          <ac:picMkLst>
+            <pc:docMk/>
+            <pc:sldMk cId="616789115" sldId="281"/>
+            <ac:picMk id="4" creationId="{B66B7850-BF32-D213-6023-893436BC9B0F}"/>
+          </ac:picMkLst>
+        </pc:picChg>
+        <pc:picChg chg="add mod">
+          <ac:chgData name="Viswanath Parashuram Yadavalli" userId="382611aecaaed771" providerId="LiveId" clId="{96E188A7-290F-47FA-B4D4-EB175F54C8CC}" dt="2025-06-09T12:48:45.427" v="2201"/>
+          <ac:picMkLst>
+            <pc:docMk/>
+            <pc:sldMk cId="616789115" sldId="281"/>
+            <ac:picMk id="5" creationId="{8D247244-CEA2-F44E-48F1-FB7F9D1FE7BC}"/>
+          </ac:picMkLst>
+        </pc:picChg>
+      </pc:sldChg>
+      <pc:sldChg chg="addSp modSp new mod">
+        <pc:chgData name="Viswanath Parashuram Yadavalli" userId="382611aecaaed771" providerId="LiveId" clId="{96E188A7-290F-47FA-B4D4-EB175F54C8CC}" dt="2025-06-09T12:48:48.449" v="2202"/>
+        <pc:sldMkLst>
+          <pc:docMk/>
+          <pc:sldMk cId="4201310555" sldId="282"/>
+        </pc:sldMkLst>
+        <pc:spChg chg="mod">
+          <ac:chgData name="Viswanath Parashuram Yadavalli" userId="382611aecaaed771" providerId="LiveId" clId="{96E188A7-290F-47FA-B4D4-EB175F54C8CC}" dt="2025-06-09T12:38:34.687" v="1452" actId="20577"/>
+          <ac:spMkLst>
+            <pc:docMk/>
+            <pc:sldMk cId="4201310555" sldId="282"/>
+            <ac:spMk id="2" creationId="{205C5DEC-E960-CD38-46A4-179C9D757418}"/>
+          </ac:spMkLst>
+        </pc:spChg>
+        <pc:spChg chg="mod">
+          <ac:chgData name="Viswanath Parashuram Yadavalli" userId="382611aecaaed771" providerId="LiveId" clId="{96E188A7-290F-47FA-B4D4-EB175F54C8CC}" dt="2025-06-09T12:38:44.786" v="1480" actId="27636"/>
+          <ac:spMkLst>
+            <pc:docMk/>
+            <pc:sldMk cId="4201310555" sldId="282"/>
+            <ac:spMk id="3" creationId="{BBD927BE-4496-3867-66D2-3BAD53ED7B63}"/>
+          </ac:spMkLst>
+        </pc:spChg>
+        <pc:picChg chg="add mod">
+          <ac:chgData name="Viswanath Parashuram Yadavalli" userId="382611aecaaed771" providerId="LiveId" clId="{96E188A7-290F-47FA-B4D4-EB175F54C8CC}" dt="2025-06-09T12:38:50.962" v="1481"/>
+          <ac:picMkLst>
+            <pc:docMk/>
+            <pc:sldMk cId="4201310555" sldId="282"/>
+            <ac:picMk id="4" creationId="{200A4B4B-C0A4-EB8D-1D53-24F309D881BC}"/>
+          </ac:picMkLst>
+        </pc:picChg>
+        <pc:picChg chg="add mod">
+          <ac:chgData name="Viswanath Parashuram Yadavalli" userId="382611aecaaed771" providerId="LiveId" clId="{96E188A7-290F-47FA-B4D4-EB175F54C8CC}" dt="2025-06-09T12:48:48.449" v="2202"/>
+          <ac:picMkLst>
+            <pc:docMk/>
+            <pc:sldMk cId="4201310555" sldId="282"/>
+            <ac:picMk id="5" creationId="{9027FEF9-ADB0-696C-66A8-C3623F754AE2}"/>
+          </ac:picMkLst>
+        </pc:picChg>
+      </pc:sldChg>
+      <pc:sldChg chg="addSp modSp new mod">
+        <pc:chgData name="Viswanath Parashuram Yadavalli" userId="382611aecaaed771" providerId="LiveId" clId="{96E188A7-290F-47FA-B4D4-EB175F54C8CC}" dt="2025-06-09T12:46:14.571" v="2183" actId="14100"/>
+        <pc:sldMkLst>
+          <pc:docMk/>
+          <pc:sldMk cId="3648235052" sldId="283"/>
+        </pc:sldMkLst>
+        <pc:spChg chg="mod">
+          <ac:chgData name="Viswanath Parashuram Yadavalli" userId="382611aecaaed771" providerId="LiveId" clId="{96E188A7-290F-47FA-B4D4-EB175F54C8CC}" dt="2025-06-09T12:39:03.054" v="1487" actId="20577"/>
+          <ac:spMkLst>
+            <pc:docMk/>
+            <pc:sldMk cId="3648235052" sldId="283"/>
+            <ac:spMk id="2" creationId="{2EB5FFBE-93AB-0777-D94B-39BE3FB20BA5}"/>
+          </ac:spMkLst>
+        </pc:spChg>
+        <pc:spChg chg="mod">
+          <ac:chgData name="Viswanath Parashuram Yadavalli" userId="382611aecaaed771" providerId="LiveId" clId="{96E188A7-290F-47FA-B4D4-EB175F54C8CC}" dt="2025-06-09T12:41:49.692" v="1894" actId="20577"/>
+          <ac:spMkLst>
+            <pc:docMk/>
+            <pc:sldMk cId="3648235052" sldId="283"/>
+            <ac:spMk id="3" creationId="{BCCB11F7-0809-E03F-0E50-0B1C51A67847}"/>
+          </ac:spMkLst>
+        </pc:spChg>
+        <pc:picChg chg="add mod">
+          <ac:chgData name="Viswanath Parashuram Yadavalli" userId="382611aecaaed771" providerId="LiveId" clId="{96E188A7-290F-47FA-B4D4-EB175F54C8CC}" dt="2025-06-09T12:41:57.790" v="1895"/>
+          <ac:picMkLst>
+            <pc:docMk/>
+            <pc:sldMk cId="3648235052" sldId="283"/>
+            <ac:picMk id="4" creationId="{C9589B88-A6F2-15E2-0CCC-99B97432C0B0}"/>
+          </ac:picMkLst>
+        </pc:picChg>
+        <pc:picChg chg="add mod">
+          <ac:chgData name="Viswanath Parashuram Yadavalli" userId="382611aecaaed771" providerId="LiveId" clId="{96E188A7-290F-47FA-B4D4-EB175F54C8CC}" dt="2025-06-09T12:46:14.571" v="2183" actId="14100"/>
+          <ac:picMkLst>
+            <pc:docMk/>
+            <pc:sldMk cId="3648235052" sldId="283"/>
+            <ac:picMk id="6" creationId="{78B1B61A-6B01-B1CB-F5D1-F9F1F41689B2}"/>
+          </ac:picMkLst>
+        </pc:picChg>
+      </pc:sldChg>
+      <pc:sldChg chg="addSp modSp new mod">
+        <pc:chgData name="Viswanath Parashuram Yadavalli" userId="382611aecaaed771" providerId="LiveId" clId="{96E188A7-290F-47FA-B4D4-EB175F54C8CC}" dt="2025-06-09T12:46:24.363" v="2185" actId="14100"/>
+        <pc:sldMkLst>
+          <pc:docMk/>
+          <pc:sldMk cId="1731840764" sldId="284"/>
+        </pc:sldMkLst>
+        <pc:spChg chg="mod">
+          <ac:chgData name="Viswanath Parashuram Yadavalli" userId="382611aecaaed771" providerId="LiveId" clId="{96E188A7-290F-47FA-B4D4-EB175F54C8CC}" dt="2025-06-09T12:43:15.522" v="1927" actId="20577"/>
+          <ac:spMkLst>
+            <pc:docMk/>
+            <pc:sldMk cId="1731840764" sldId="284"/>
+            <ac:spMk id="2" creationId="{6ADF81B4-1A51-3E3B-7CFA-95E788691706}"/>
+          </ac:spMkLst>
+        </pc:spChg>
+        <pc:spChg chg="mod">
+          <ac:chgData name="Viswanath Parashuram Yadavalli" userId="382611aecaaed771" providerId="LiveId" clId="{96E188A7-290F-47FA-B4D4-EB175F54C8CC}" dt="2025-06-09T12:44:54.537" v="2173" actId="20577"/>
+          <ac:spMkLst>
+            <pc:docMk/>
+            <pc:sldMk cId="1731840764" sldId="284"/>
+            <ac:spMk id="3" creationId="{DD9D7731-5CDE-9560-567B-F181EDF14BDD}"/>
+          </ac:spMkLst>
+        </pc:spChg>
+        <pc:spChg chg="add mod">
+          <ac:chgData name="Viswanath Parashuram Yadavalli" userId="382611aecaaed771" providerId="LiveId" clId="{96E188A7-290F-47FA-B4D4-EB175F54C8CC}" dt="2025-06-09T12:45:14.278" v="2177"/>
+          <ac:spMkLst>
+            <pc:docMk/>
+            <pc:sldMk cId="1731840764" sldId="284"/>
+            <ac:spMk id="5" creationId="{559A6145-C50F-6516-FD84-44E9F934146A}"/>
+          </ac:spMkLst>
+        </pc:spChg>
+        <pc:picChg chg="add mod">
+          <ac:chgData name="Viswanath Parashuram Yadavalli" userId="382611aecaaed771" providerId="LiveId" clId="{96E188A7-290F-47FA-B4D4-EB175F54C8CC}" dt="2025-06-09T12:45:06.400" v="2175" actId="1076"/>
+          <ac:picMkLst>
+            <pc:docMk/>
+            <pc:sldMk cId="1731840764" sldId="284"/>
+            <ac:picMk id="4" creationId="{5C910A6D-DA41-10AE-7F99-F01ABB2D3CEA}"/>
+          </ac:picMkLst>
+        </pc:picChg>
+        <pc:picChg chg="add mod">
+          <ac:chgData name="Viswanath Parashuram Yadavalli" userId="382611aecaaed771" providerId="LiveId" clId="{96E188A7-290F-47FA-B4D4-EB175F54C8CC}" dt="2025-06-09T12:46:24.363" v="2185" actId="14100"/>
+          <ac:picMkLst>
+            <pc:docMk/>
+            <pc:sldMk cId="1731840764" sldId="284"/>
+            <ac:picMk id="6" creationId="{065EE770-CF8A-0ED7-D094-CD1E2EF929C3}"/>
+          </ac:picMkLst>
+        </pc:picChg>
+      </pc:sldChg>
     </pc:docChg>
   </pc:docChgLst>
 </pc:chgInfo>
@@ -587,7 +1099,7 @@
           <a:p>
             <a:fld id="{98F0D625-40CC-43FA-90D2-7BBFBB1FA3E2}" type="datetimeFigureOut">
               <a:rPr lang="en-IN" smtClean="0"/>
-              <a:t>05-06-2025</a:t>
+              <a:t>09-06-2025</a:t>
             </a:fld>
             <a:endParaRPr lang="en-IN"/>
           </a:p>
@@ -787,7 +1299,7 @@
           <a:p>
             <a:fld id="{98F0D625-40CC-43FA-90D2-7BBFBB1FA3E2}" type="datetimeFigureOut">
               <a:rPr lang="en-IN" smtClean="0"/>
-              <a:t>05-06-2025</a:t>
+              <a:t>09-06-2025</a:t>
             </a:fld>
             <a:endParaRPr lang="en-IN"/>
           </a:p>
@@ -997,7 +1509,7 @@
           <a:p>
             <a:fld id="{98F0D625-40CC-43FA-90D2-7BBFBB1FA3E2}" type="datetimeFigureOut">
               <a:rPr lang="en-IN" smtClean="0"/>
-              <a:t>05-06-2025</a:t>
+              <a:t>09-06-2025</a:t>
             </a:fld>
             <a:endParaRPr lang="en-IN"/>
           </a:p>
@@ -1197,7 +1709,7 @@
           <a:p>
             <a:fld id="{98F0D625-40CC-43FA-90D2-7BBFBB1FA3E2}" type="datetimeFigureOut">
               <a:rPr lang="en-IN" smtClean="0"/>
-              <a:t>05-06-2025</a:t>
+              <a:t>09-06-2025</a:t>
             </a:fld>
             <a:endParaRPr lang="en-IN"/>
           </a:p>
@@ -1473,7 +1985,7 @@
           <a:p>
             <a:fld id="{98F0D625-40CC-43FA-90D2-7BBFBB1FA3E2}" type="datetimeFigureOut">
               <a:rPr lang="en-IN" smtClean="0"/>
-              <a:t>05-06-2025</a:t>
+              <a:t>09-06-2025</a:t>
             </a:fld>
             <a:endParaRPr lang="en-IN"/>
           </a:p>
@@ -1741,7 +2253,7 @@
           <a:p>
             <a:fld id="{98F0D625-40CC-43FA-90D2-7BBFBB1FA3E2}" type="datetimeFigureOut">
               <a:rPr lang="en-IN" smtClean="0"/>
-              <a:t>05-06-2025</a:t>
+              <a:t>09-06-2025</a:t>
             </a:fld>
             <a:endParaRPr lang="en-IN"/>
           </a:p>
@@ -2156,7 +2668,7 @@
           <a:p>
             <a:fld id="{98F0D625-40CC-43FA-90D2-7BBFBB1FA3E2}" type="datetimeFigureOut">
               <a:rPr lang="en-IN" smtClean="0"/>
-              <a:t>05-06-2025</a:t>
+              <a:t>09-06-2025</a:t>
             </a:fld>
             <a:endParaRPr lang="en-IN"/>
           </a:p>
@@ -2298,7 +2810,7 @@
           <a:p>
             <a:fld id="{98F0D625-40CC-43FA-90D2-7BBFBB1FA3E2}" type="datetimeFigureOut">
               <a:rPr lang="en-IN" smtClean="0"/>
-              <a:t>05-06-2025</a:t>
+              <a:t>09-06-2025</a:t>
             </a:fld>
             <a:endParaRPr lang="en-IN"/>
           </a:p>
@@ -2411,7 +2923,7 @@
           <a:p>
             <a:fld id="{98F0D625-40CC-43FA-90D2-7BBFBB1FA3E2}" type="datetimeFigureOut">
               <a:rPr lang="en-IN" smtClean="0"/>
-              <a:t>05-06-2025</a:t>
+              <a:t>09-06-2025</a:t>
             </a:fld>
             <a:endParaRPr lang="en-IN"/>
           </a:p>
@@ -2724,7 +3236,7 @@
           <a:p>
             <a:fld id="{98F0D625-40CC-43FA-90D2-7BBFBB1FA3E2}" type="datetimeFigureOut">
               <a:rPr lang="en-IN" smtClean="0"/>
-              <a:t>05-06-2025</a:t>
+              <a:t>09-06-2025</a:t>
             </a:fld>
             <a:endParaRPr lang="en-IN"/>
           </a:p>
@@ -3013,7 +3525,7 @@
           <a:p>
             <a:fld id="{98F0D625-40CC-43FA-90D2-7BBFBB1FA3E2}" type="datetimeFigureOut">
               <a:rPr lang="en-IN" smtClean="0"/>
-              <a:t>05-06-2025</a:t>
+              <a:t>09-06-2025</a:t>
             </a:fld>
             <a:endParaRPr lang="en-IN"/>
           </a:p>
@@ -3256,7 +3768,7 @@
           <a:p>
             <a:fld id="{98F0D625-40CC-43FA-90D2-7BBFBB1FA3E2}" type="datetimeFigureOut">
               <a:rPr lang="en-IN" smtClean="0"/>
-              <a:t>05-06-2025</a:t>
+              <a:t>09-06-2025</a:t>
             </a:fld>
             <a:endParaRPr lang="en-IN"/>
           </a:p>
@@ -8883,6 +9395,413 @@
 </p:sld>
 </file>
 
+<file path=ppt/slides/slide18.xml><?xml version="1.0" encoding="utf-8"?>
+<p:sld xmlns:a="http://schemas.openxmlformats.org/drawingml/2006/main" xmlns:r="http://schemas.openxmlformats.org/officeDocument/2006/relationships" xmlns:p="http://schemas.openxmlformats.org/presentationml/2006/main">
+  <p:cSld>
+    <p:spTree>
+      <p:nvGrpSpPr>
+        <p:cNvPr id="1" name=""/>
+        <p:cNvGrpSpPr/>
+        <p:nvPr/>
+      </p:nvGrpSpPr>
+      <p:grpSpPr>
+        <a:xfrm>
+          <a:off x="0" y="0"/>
+          <a:ext cx="0" cy="0"/>
+          <a:chOff x="0" y="0"/>
+          <a:chExt cx="0" cy="0"/>
+        </a:xfrm>
+      </p:grpSpPr>
+      <p:sp>
+        <p:nvSpPr>
+          <p:cNvPr id="2" name="Title 1">
+            <a:extLst>
+              <a:ext uri="{FF2B5EF4-FFF2-40B4-BE49-F238E27FC236}">
+                <a16:creationId xmlns:a16="http://schemas.microsoft.com/office/drawing/2014/main" id="{2EB5FFBE-93AB-0777-D94B-39BE3FB20BA5}"/>
+              </a:ext>
+            </a:extLst>
+          </p:cNvPr>
+          <p:cNvSpPr>
+            <a:spLocks noGrp="1"/>
+          </p:cNvSpPr>
+          <p:nvPr>
+            <p:ph type="title"/>
+          </p:nvPr>
+        </p:nvSpPr>
+        <p:spPr/>
+        <p:txBody>
+          <a:bodyPr/>
+          <a:lstStyle/>
+          <a:p>
+            <a:r>
+              <a:rPr lang="en-IN" dirty="0"/>
+              <a:t>Recap</a:t>
+            </a:r>
+          </a:p>
+        </p:txBody>
+      </p:sp>
+      <p:sp>
+        <p:nvSpPr>
+          <p:cNvPr id="3" name="Content Placeholder 2">
+            <a:extLst>
+              <a:ext uri="{FF2B5EF4-FFF2-40B4-BE49-F238E27FC236}">
+                <a16:creationId xmlns:a16="http://schemas.microsoft.com/office/drawing/2014/main" id="{BCCB11F7-0809-E03F-0E50-0B1C51A67847}"/>
+              </a:ext>
+            </a:extLst>
+          </p:cNvPr>
+          <p:cNvSpPr>
+            <a:spLocks noGrp="1"/>
+          </p:cNvSpPr>
+          <p:nvPr>
+            <p:ph idx="1"/>
+          </p:nvPr>
+        </p:nvSpPr>
+        <p:spPr/>
+        <p:txBody>
+          <a:bodyPr/>
+          <a:lstStyle/>
+          <a:p>
+            <a:r>
+              <a:rPr lang="en-IN" dirty="0"/>
+              <a:t>Till now we have :</a:t>
+            </a:r>
+          </a:p>
+          <a:p>
+            <a:r>
+              <a:rPr lang="en-IN" dirty="0"/>
+              <a:t>Created An EDA to explore the dataset</a:t>
+            </a:r>
+          </a:p>
+          <a:p>
+            <a:r>
+              <a:rPr lang="en-IN" dirty="0"/>
+              <a:t>Created A Medallion architecture Data warehouse</a:t>
+            </a:r>
+          </a:p>
+          <a:p>
+            <a:r>
+              <a:rPr lang="en-IN" dirty="0"/>
+              <a:t>Dealt with encoding error in bronze layer</a:t>
+            </a:r>
+          </a:p>
+          <a:p>
+            <a:r>
+              <a:rPr lang="en-IN" dirty="0"/>
+              <a:t>Dealt with nulls and duplicates and inconsistent data in silver layer</a:t>
+            </a:r>
+          </a:p>
+          <a:p>
+            <a:r>
+              <a:rPr lang="en-IN" dirty="0"/>
+              <a:t>Represented data in a star schema in gold layer</a:t>
+            </a:r>
+          </a:p>
+          <a:p>
+            <a:r>
+              <a:rPr lang="en-IN" dirty="0"/>
+              <a:t>The star schema is as :</a:t>
+            </a:r>
+            <a:r>
+              <a:rPr lang="en-IN" dirty="0" err="1"/>
+              <a:t>Fact_sales,Dim_customer,Dim_product</a:t>
+            </a:r>
+            <a:r>
+              <a:rPr lang="en-IN" dirty="0"/>
+              <a:t> </a:t>
+            </a:r>
+          </a:p>
+          <a:p>
+            <a:r>
+              <a:rPr lang="en-IN" dirty="0"/>
+              <a:t>Next: We have to understand business goals</a:t>
+            </a:r>
+          </a:p>
+        </p:txBody>
+      </p:sp>
+      <p:pic>
+        <p:nvPicPr>
+          <p:cNvPr id="4" name="Graphic 3">
+            <a:extLst>
+              <a:ext uri="{FF2B5EF4-FFF2-40B4-BE49-F238E27FC236}">
+                <a16:creationId xmlns:a16="http://schemas.microsoft.com/office/drawing/2014/main" id="{C9589B88-A6F2-15E2-0CCC-99B97432C0B0}"/>
+              </a:ext>
+            </a:extLst>
+          </p:cNvPr>
+          <p:cNvPicPr>
+            <a:picLocks noChangeAspect="1"/>
+          </p:cNvPicPr>
+          <p:nvPr/>
+        </p:nvPicPr>
+        <p:blipFill>
+          <a:blip r:embed="rId2">
+            <a:extLst>
+              <a:ext uri="{96DAC541-7B7A-43D3-8B79-37D633B846F1}">
+                <asvg:svgBlip xmlns:asvg="http://schemas.microsoft.com/office/drawing/2016/SVG/main" r:embed="rId3"/>
+              </a:ext>
+            </a:extLst>
+          </a:blip>
+          <a:stretch>
+            <a:fillRect/>
+          </a:stretch>
+        </p:blipFill>
+        <p:spPr>
+          <a:xfrm>
+            <a:off x="9407588" y="4916129"/>
+            <a:ext cx="3565769" cy="2037582"/>
+          </a:xfrm>
+          <a:prstGeom prst="rect">
+            <a:avLst/>
+          </a:prstGeom>
+        </p:spPr>
+      </p:pic>
+      <p:pic>
+        <p:nvPicPr>
+          <p:cNvPr id="6" name="Picture 5">
+            <a:extLst>
+              <a:ext uri="{FF2B5EF4-FFF2-40B4-BE49-F238E27FC236}">
+                <a16:creationId xmlns:a16="http://schemas.microsoft.com/office/drawing/2014/main" id="{78B1B61A-6B01-B1CB-F5D1-F9F1F41689B2}"/>
+              </a:ext>
+            </a:extLst>
+          </p:cNvPr>
+          <p:cNvPicPr>
+            <a:picLocks noChangeAspect="1"/>
+          </p:cNvPicPr>
+          <p:nvPr/>
+        </p:nvPicPr>
+        <p:blipFill>
+          <a:blip r:embed="rId4">
+            <a:extLst>
+              <a:ext uri="{28A0092B-C50C-407E-A947-70E740481C1C}">
+                <a14:useLocalDpi xmlns:a14="http://schemas.microsoft.com/office/drawing/2010/main" val="0"/>
+              </a:ext>
+            </a:extLst>
+          </a:blip>
+          <a:stretch>
+            <a:fillRect/>
+          </a:stretch>
+        </p:blipFill>
+        <p:spPr>
+          <a:xfrm>
+            <a:off x="7784991" y="1"/>
+            <a:ext cx="4195993" cy="2360246"/>
+          </a:xfrm>
+          <a:prstGeom prst="rect">
+            <a:avLst/>
+          </a:prstGeom>
+        </p:spPr>
+      </p:pic>
+    </p:spTree>
+    <p:extLst>
+      <p:ext uri="{BB962C8B-B14F-4D97-AF65-F5344CB8AC3E}">
+        <p14:creationId xmlns:p14="http://schemas.microsoft.com/office/powerpoint/2010/main" val="3648235052"/>
+      </p:ext>
+    </p:extLst>
+  </p:cSld>
+  <p:clrMapOvr>
+    <a:masterClrMapping/>
+  </p:clrMapOvr>
+</p:sld>
+</file>
+
+<file path=ppt/slides/slide19.xml><?xml version="1.0" encoding="utf-8"?>
+<p:sld xmlns:a="http://schemas.openxmlformats.org/drawingml/2006/main" xmlns:r="http://schemas.openxmlformats.org/officeDocument/2006/relationships" xmlns:p="http://schemas.openxmlformats.org/presentationml/2006/main">
+  <p:cSld>
+    <p:spTree>
+      <p:nvGrpSpPr>
+        <p:cNvPr id="1" name=""/>
+        <p:cNvGrpSpPr/>
+        <p:nvPr/>
+      </p:nvGrpSpPr>
+      <p:grpSpPr>
+        <a:xfrm>
+          <a:off x="0" y="0"/>
+          <a:ext cx="0" cy="0"/>
+          <a:chOff x="0" y="0"/>
+          <a:chExt cx="0" cy="0"/>
+        </a:xfrm>
+      </p:grpSpPr>
+      <p:sp>
+        <p:nvSpPr>
+          <p:cNvPr id="2" name="Title 1">
+            <a:extLst>
+              <a:ext uri="{FF2B5EF4-FFF2-40B4-BE49-F238E27FC236}">
+                <a16:creationId xmlns:a16="http://schemas.microsoft.com/office/drawing/2014/main" id="{6ADF81B4-1A51-3E3B-7CFA-95E788691706}"/>
+              </a:ext>
+            </a:extLst>
+          </p:cNvPr>
+          <p:cNvSpPr>
+            <a:spLocks noGrp="1"/>
+          </p:cNvSpPr>
+          <p:nvPr>
+            <p:ph type="title"/>
+          </p:nvPr>
+        </p:nvSpPr>
+        <p:spPr/>
+        <p:txBody>
+          <a:bodyPr/>
+          <a:lstStyle/>
+          <a:p>
+            <a:r>
+              <a:rPr lang="en-IN" dirty="0"/>
+              <a:t>Building a second </a:t>
+            </a:r>
+            <a:r>
+              <a:rPr lang="en-IN" dirty="0" err="1"/>
+              <a:t>eda</a:t>
+            </a:r>
+            <a:r>
+              <a:rPr lang="en-IN" dirty="0"/>
+              <a:t> using </a:t>
+            </a:r>
+            <a:r>
+              <a:rPr lang="en-IN" dirty="0" err="1"/>
+              <a:t>sql</a:t>
+            </a:r>
+            <a:endParaRPr lang="en-IN" dirty="0"/>
+          </a:p>
+        </p:txBody>
+      </p:sp>
+      <p:sp>
+        <p:nvSpPr>
+          <p:cNvPr id="3" name="Content Placeholder 2">
+            <a:extLst>
+              <a:ext uri="{FF2B5EF4-FFF2-40B4-BE49-F238E27FC236}">
+                <a16:creationId xmlns:a16="http://schemas.microsoft.com/office/drawing/2014/main" id="{DD9D7731-5CDE-9560-567B-F181EDF14BDD}"/>
+              </a:ext>
+            </a:extLst>
+          </p:cNvPr>
+          <p:cNvSpPr>
+            <a:spLocks noGrp="1"/>
+          </p:cNvSpPr>
+          <p:nvPr>
+            <p:ph idx="1"/>
+          </p:nvPr>
+        </p:nvSpPr>
+        <p:spPr/>
+        <p:txBody>
+          <a:bodyPr/>
+          <a:lstStyle/>
+          <a:p>
+            <a:r>
+              <a:rPr lang="en-IN" dirty="0"/>
+              <a:t>This EDA will help us understand the various business goals involved in data analysis.</a:t>
+            </a:r>
+          </a:p>
+          <a:p>
+            <a:r>
+              <a:rPr lang="en-IN" dirty="0"/>
+              <a:t>The first EDA was for understanding the structure of raw data.</a:t>
+            </a:r>
+          </a:p>
+          <a:p>
+            <a:r>
+              <a:rPr lang="en-IN" dirty="0"/>
+              <a:t>Through advanced </a:t>
+            </a:r>
+            <a:r>
+              <a:rPr lang="en-IN" dirty="0" err="1"/>
+              <a:t>querying,we</a:t>
+            </a:r>
+            <a:r>
+              <a:rPr lang="en-IN" dirty="0"/>
+              <a:t> can understand the </a:t>
+            </a:r>
+            <a:r>
+              <a:rPr lang="en-IN" dirty="0" err="1"/>
+              <a:t>ranks,important</a:t>
+            </a:r>
+            <a:r>
+              <a:rPr lang="en-IN" dirty="0"/>
+              <a:t> metrics and ranks etc.</a:t>
+            </a:r>
+          </a:p>
+        </p:txBody>
+      </p:sp>
+      <p:pic>
+        <p:nvPicPr>
+          <p:cNvPr id="4" name="Graphic 3">
+            <a:extLst>
+              <a:ext uri="{FF2B5EF4-FFF2-40B4-BE49-F238E27FC236}">
+                <a16:creationId xmlns:a16="http://schemas.microsoft.com/office/drawing/2014/main" id="{5C910A6D-DA41-10AE-7F99-F01ABB2D3CEA}"/>
+              </a:ext>
+            </a:extLst>
+          </p:cNvPr>
+          <p:cNvPicPr>
+            <a:picLocks noChangeAspect="1"/>
+          </p:cNvPicPr>
+          <p:nvPr/>
+        </p:nvPicPr>
+        <p:blipFill>
+          <a:blip r:embed="rId2">
+            <a:extLst>
+              <a:ext uri="{96DAC541-7B7A-43D3-8B79-37D633B846F1}">
+                <asvg:svgBlip xmlns:asvg="http://schemas.microsoft.com/office/drawing/2016/SVG/main" r:embed="rId3"/>
+              </a:ext>
+            </a:extLst>
+          </a:blip>
+          <a:stretch>
+            <a:fillRect/>
+          </a:stretch>
+        </p:blipFill>
+        <p:spPr>
+          <a:xfrm>
+            <a:off x="8571342" y="4712929"/>
+            <a:ext cx="3565769" cy="2037582"/>
+          </a:xfrm>
+          <a:prstGeom prst="rect">
+            <a:avLst/>
+          </a:prstGeom>
+        </p:spPr>
+      </p:pic>
+      <p:pic>
+        <p:nvPicPr>
+          <p:cNvPr id="6" name="Picture 5">
+            <a:extLst>
+              <a:ext uri="{FF2B5EF4-FFF2-40B4-BE49-F238E27FC236}">
+                <a16:creationId xmlns:a16="http://schemas.microsoft.com/office/drawing/2014/main" id="{065EE770-CF8A-0ED7-D094-CD1E2EF929C3}"/>
+              </a:ext>
+            </a:extLst>
+          </p:cNvPr>
+          <p:cNvPicPr>
+            <a:picLocks noChangeAspect="1"/>
+          </p:cNvPicPr>
+          <p:nvPr/>
+        </p:nvPicPr>
+        <p:blipFill>
+          <a:blip r:embed="rId4">
+            <a:extLst>
+              <a:ext uri="{28A0092B-C50C-407E-A947-70E740481C1C}">
+                <a14:useLocalDpi xmlns:a14="http://schemas.microsoft.com/office/drawing/2010/main" val="0"/>
+              </a:ext>
+            </a:extLst>
+          </a:blip>
+          <a:stretch>
+            <a:fillRect/>
+          </a:stretch>
+        </p:blipFill>
+        <p:spPr>
+          <a:xfrm>
+            <a:off x="8854831" y="1"/>
+            <a:ext cx="3126153" cy="1758461"/>
+          </a:xfrm>
+          <a:prstGeom prst="rect">
+            <a:avLst/>
+          </a:prstGeom>
+        </p:spPr>
+      </p:pic>
+    </p:spTree>
+    <p:extLst>
+      <p:ext uri="{BB962C8B-B14F-4D97-AF65-F5344CB8AC3E}">
+        <p14:creationId xmlns:p14="http://schemas.microsoft.com/office/powerpoint/2010/main" val="1731840764"/>
+      </p:ext>
+    </p:extLst>
+  </p:cSld>
+  <p:clrMapOvr>
+    <a:masterClrMapping/>
+  </p:clrMapOvr>
+</p:sld>
+</file>
+
 <file path=ppt/slides/slide2.xml><?xml version="1.0" encoding="utf-8"?>
 <p:sld xmlns:a="http://schemas.openxmlformats.org/drawingml/2006/main" xmlns:r="http://schemas.openxmlformats.org/officeDocument/2006/relationships" xmlns:p="http://schemas.openxmlformats.org/presentationml/2006/main">
   <p:cSld>
@@ -9118,6 +10037,2314 @@
     <p:extLst>
       <p:ext uri="{BB962C8B-B14F-4D97-AF65-F5344CB8AC3E}">
         <p14:creationId xmlns:p14="http://schemas.microsoft.com/office/powerpoint/2010/main" val="587140807"/>
+      </p:ext>
+    </p:extLst>
+  </p:cSld>
+  <p:clrMapOvr>
+    <a:masterClrMapping/>
+  </p:clrMapOvr>
+</p:sld>
+</file>
+
+<file path=ppt/slides/slide20.xml><?xml version="1.0" encoding="utf-8"?>
+<p:sld xmlns:a="http://schemas.openxmlformats.org/drawingml/2006/main" xmlns:r="http://schemas.openxmlformats.org/officeDocument/2006/relationships" xmlns:p="http://schemas.openxmlformats.org/presentationml/2006/main">
+  <p:cSld>
+    <p:spTree>
+      <p:nvGrpSpPr>
+        <p:cNvPr id="1" name=""/>
+        <p:cNvGrpSpPr/>
+        <p:nvPr/>
+      </p:nvGrpSpPr>
+      <p:grpSpPr>
+        <a:xfrm>
+          <a:off x="0" y="0"/>
+          <a:ext cx="0" cy="0"/>
+          <a:chOff x="0" y="0"/>
+          <a:chExt cx="0" cy="0"/>
+        </a:xfrm>
+      </p:grpSpPr>
+      <p:sp>
+        <p:nvSpPr>
+          <p:cNvPr id="2" name="Title 1">
+            <a:extLst>
+              <a:ext uri="{FF2B5EF4-FFF2-40B4-BE49-F238E27FC236}">
+                <a16:creationId xmlns:a16="http://schemas.microsoft.com/office/drawing/2014/main" id="{778230DE-5C50-479A-24C6-9F2BFF912A0E}"/>
+              </a:ext>
+            </a:extLst>
+          </p:cNvPr>
+          <p:cNvSpPr>
+            <a:spLocks noGrp="1"/>
+          </p:cNvSpPr>
+          <p:nvPr>
+            <p:ph type="title"/>
+          </p:nvPr>
+        </p:nvSpPr>
+        <p:spPr/>
+        <p:txBody>
+          <a:bodyPr/>
+          <a:lstStyle/>
+          <a:p>
+            <a:r>
+              <a:rPr lang="en-IN" dirty="0"/>
+              <a:t>Understanding business goals</a:t>
+            </a:r>
+          </a:p>
+        </p:txBody>
+      </p:sp>
+      <p:sp>
+        <p:nvSpPr>
+          <p:cNvPr id="3" name="Content Placeholder 2">
+            <a:extLst>
+              <a:ext uri="{FF2B5EF4-FFF2-40B4-BE49-F238E27FC236}">
+                <a16:creationId xmlns:a16="http://schemas.microsoft.com/office/drawing/2014/main" id="{F3ECFC4D-030E-0392-90F3-7B16B79CCDE5}"/>
+              </a:ext>
+            </a:extLst>
+          </p:cNvPr>
+          <p:cNvSpPr>
+            <a:spLocks noGrp="1"/>
+          </p:cNvSpPr>
+          <p:nvPr>
+            <p:ph idx="1"/>
+          </p:nvPr>
+        </p:nvSpPr>
+        <p:spPr/>
+        <p:txBody>
+          <a:bodyPr/>
+          <a:lstStyle/>
+          <a:p>
+            <a:r>
+              <a:rPr lang="en-IN" dirty="0"/>
+              <a:t>To visualize business goals we need to understand what is a dimension and what is a measure.</a:t>
+            </a:r>
+          </a:p>
+          <a:p>
+            <a:r>
+              <a:rPr lang="en-US" dirty="0"/>
+              <a:t>A </a:t>
+            </a:r>
+            <a:r>
+              <a:rPr lang="en-US" b="1" dirty="0"/>
+              <a:t>dimension</a:t>
+            </a:r>
+            <a:r>
+              <a:rPr lang="en-US" dirty="0"/>
+              <a:t> is a </a:t>
+            </a:r>
+            <a:r>
+              <a:rPr lang="en-US" b="1" dirty="0"/>
+              <a:t>descriptive attribute</a:t>
+            </a:r>
+            <a:r>
+              <a:rPr lang="en-US" dirty="0"/>
+              <a:t> or </a:t>
+            </a:r>
+            <a:r>
+              <a:rPr lang="en-US" b="1" dirty="0"/>
+              <a:t>categorical variable</a:t>
+            </a:r>
+            <a:r>
+              <a:rPr lang="en-US" dirty="0"/>
+              <a:t> used to slice, group, or filter data.</a:t>
+            </a:r>
+          </a:p>
+          <a:p>
+            <a:r>
+              <a:rPr lang="en-US" dirty="0"/>
+              <a:t>A </a:t>
+            </a:r>
+            <a:r>
+              <a:rPr lang="en-US" b="1" dirty="0"/>
+              <a:t>measure</a:t>
+            </a:r>
+            <a:r>
+              <a:rPr lang="en-US" dirty="0"/>
+              <a:t> is a </a:t>
+            </a:r>
+            <a:r>
+              <a:rPr lang="en-US" b="1" dirty="0"/>
+              <a:t>numeric value</a:t>
+            </a:r>
+            <a:r>
+              <a:rPr lang="en-US" dirty="0"/>
+              <a:t> that you can </a:t>
+            </a:r>
+            <a:r>
+              <a:rPr lang="en-US" b="1" dirty="0"/>
+              <a:t>aggregate</a:t>
+            </a:r>
+            <a:r>
+              <a:rPr lang="en-US" dirty="0"/>
+              <a:t> (sum, average, count, etc.). It's the </a:t>
+            </a:r>
+            <a:r>
+              <a:rPr lang="en-US" b="1" dirty="0"/>
+              <a:t>"how much"</a:t>
+            </a:r>
+            <a:r>
+              <a:rPr lang="en-US" dirty="0"/>
+              <a:t> or </a:t>
+            </a:r>
+            <a:r>
+              <a:rPr lang="en-US" b="1" dirty="0"/>
+              <a:t>"how many"</a:t>
+            </a:r>
+            <a:r>
+              <a:rPr lang="en-US" dirty="0"/>
+              <a:t> part of the data.</a:t>
+            </a:r>
+          </a:p>
+          <a:p>
+            <a:r>
+              <a:rPr lang="en-US" dirty="0"/>
+              <a:t>Dimension examples-</a:t>
+            </a:r>
+            <a:r>
+              <a:rPr lang="en-US" dirty="0" err="1"/>
+              <a:t>Product_id</a:t>
+            </a:r>
+            <a:r>
+              <a:rPr lang="en-US" dirty="0"/>
+              <a:t> ,</a:t>
+            </a:r>
+            <a:r>
+              <a:rPr lang="en-US" dirty="0" err="1"/>
+              <a:t>cust_id,country,data</a:t>
+            </a:r>
+            <a:endParaRPr lang="en-US" dirty="0"/>
+          </a:p>
+          <a:p>
+            <a:r>
+              <a:rPr lang="en-US" dirty="0"/>
+              <a:t>Measure-</a:t>
+            </a:r>
+            <a:r>
+              <a:rPr lang="en-US" dirty="0" err="1"/>
+              <a:t>Sales,Price,Age</a:t>
+            </a:r>
+            <a:endParaRPr lang="en-IN" dirty="0"/>
+          </a:p>
+          <a:p>
+            <a:endParaRPr lang="en-IN" dirty="0"/>
+          </a:p>
+          <a:p>
+            <a:endParaRPr lang="en-IN" dirty="0"/>
+          </a:p>
+        </p:txBody>
+      </p:sp>
+      <p:pic>
+        <p:nvPicPr>
+          <p:cNvPr id="5" name="Picture 4">
+            <a:extLst>
+              <a:ext uri="{FF2B5EF4-FFF2-40B4-BE49-F238E27FC236}">
+                <a16:creationId xmlns:a16="http://schemas.microsoft.com/office/drawing/2014/main" id="{94D18660-5166-495F-A587-5FF51C343199}"/>
+              </a:ext>
+            </a:extLst>
+          </p:cNvPr>
+          <p:cNvPicPr>
+            <a:picLocks noChangeAspect="1"/>
+          </p:cNvPicPr>
+          <p:nvPr/>
+        </p:nvPicPr>
+        <p:blipFill>
+          <a:blip r:embed="rId2">
+            <a:extLst>
+              <a:ext uri="{28A0092B-C50C-407E-A947-70E740481C1C}">
+                <a14:useLocalDpi xmlns:a14="http://schemas.microsoft.com/office/drawing/2010/main" val="0"/>
+              </a:ext>
+            </a:extLst>
+          </a:blip>
+          <a:stretch>
+            <a:fillRect/>
+          </a:stretch>
+        </p:blipFill>
+        <p:spPr>
+          <a:xfrm>
+            <a:off x="9175262" y="-1"/>
+            <a:ext cx="2610337" cy="1941871"/>
+          </a:xfrm>
+          <a:prstGeom prst="rect">
+            <a:avLst/>
+          </a:prstGeom>
+        </p:spPr>
+      </p:pic>
+      <p:pic>
+        <p:nvPicPr>
+          <p:cNvPr id="6" name="Graphic 5">
+            <a:extLst>
+              <a:ext uri="{FF2B5EF4-FFF2-40B4-BE49-F238E27FC236}">
+                <a16:creationId xmlns:a16="http://schemas.microsoft.com/office/drawing/2014/main" id="{CCF25258-45E5-F02C-D5B1-5146F67E71FB}"/>
+              </a:ext>
+            </a:extLst>
+          </p:cNvPr>
+          <p:cNvPicPr>
+            <a:picLocks noChangeAspect="1"/>
+          </p:cNvPicPr>
+          <p:nvPr/>
+        </p:nvPicPr>
+        <p:blipFill>
+          <a:blip r:embed="rId3">
+            <a:extLst>
+              <a:ext uri="{96DAC541-7B7A-43D3-8B79-37D633B846F1}">
+                <asvg:svgBlip xmlns:asvg="http://schemas.microsoft.com/office/drawing/2016/SVG/main" r:embed="rId4"/>
+              </a:ext>
+            </a:extLst>
+          </a:blip>
+          <a:stretch>
+            <a:fillRect/>
+          </a:stretch>
+        </p:blipFill>
+        <p:spPr>
+          <a:xfrm>
+            <a:off x="9407588" y="4916129"/>
+            <a:ext cx="3565769" cy="2037582"/>
+          </a:xfrm>
+          <a:prstGeom prst="rect">
+            <a:avLst/>
+          </a:prstGeom>
+        </p:spPr>
+      </p:pic>
+    </p:spTree>
+    <p:extLst>
+      <p:ext uri="{BB962C8B-B14F-4D97-AF65-F5344CB8AC3E}">
+        <p14:creationId xmlns:p14="http://schemas.microsoft.com/office/powerpoint/2010/main" val="3186229401"/>
+      </p:ext>
+    </p:extLst>
+  </p:cSld>
+  <p:clrMapOvr>
+    <a:masterClrMapping/>
+  </p:clrMapOvr>
+</p:sld>
+</file>
+
+<file path=ppt/slides/slide21.xml><?xml version="1.0" encoding="utf-8"?>
+<p:sld xmlns:a="http://schemas.openxmlformats.org/drawingml/2006/main" xmlns:r="http://schemas.openxmlformats.org/officeDocument/2006/relationships" xmlns:p="http://schemas.openxmlformats.org/presentationml/2006/main">
+  <p:cSld>
+    <p:spTree>
+      <p:nvGrpSpPr>
+        <p:cNvPr id="1" name=""/>
+        <p:cNvGrpSpPr/>
+        <p:nvPr/>
+      </p:nvGrpSpPr>
+      <p:grpSpPr>
+        <a:xfrm>
+          <a:off x="0" y="0"/>
+          <a:ext cx="0" cy="0"/>
+          <a:chOff x="0" y="0"/>
+          <a:chExt cx="0" cy="0"/>
+        </a:xfrm>
+      </p:grpSpPr>
+      <p:sp>
+        <p:nvSpPr>
+          <p:cNvPr id="2" name="Title 1">
+            <a:extLst>
+              <a:ext uri="{FF2B5EF4-FFF2-40B4-BE49-F238E27FC236}">
+                <a16:creationId xmlns:a16="http://schemas.microsoft.com/office/drawing/2014/main" id="{3E5A763A-9674-DB7B-D774-F19A44CAF624}"/>
+              </a:ext>
+            </a:extLst>
+          </p:cNvPr>
+          <p:cNvSpPr>
+            <a:spLocks noGrp="1"/>
+          </p:cNvSpPr>
+          <p:nvPr>
+            <p:ph type="title"/>
+          </p:nvPr>
+        </p:nvSpPr>
+        <p:spPr/>
+        <p:txBody>
+          <a:bodyPr/>
+          <a:lstStyle/>
+          <a:p>
+            <a:r>
+              <a:rPr lang="en-IN" dirty="0"/>
+              <a:t>Step 1: Database exploration</a:t>
+            </a:r>
+          </a:p>
+        </p:txBody>
+      </p:sp>
+      <p:sp>
+        <p:nvSpPr>
+          <p:cNvPr id="3" name="Content Placeholder 2">
+            <a:extLst>
+              <a:ext uri="{FF2B5EF4-FFF2-40B4-BE49-F238E27FC236}">
+                <a16:creationId xmlns:a16="http://schemas.microsoft.com/office/drawing/2014/main" id="{32331902-A840-B777-16E9-27A689011649}"/>
+              </a:ext>
+            </a:extLst>
+          </p:cNvPr>
+          <p:cNvSpPr>
+            <a:spLocks noGrp="1"/>
+          </p:cNvSpPr>
+          <p:nvPr>
+            <p:ph idx="1"/>
+          </p:nvPr>
+        </p:nvSpPr>
+        <p:spPr/>
+        <p:txBody>
+          <a:bodyPr>
+            <a:normAutofit fontScale="70000" lnSpcReduction="20000"/>
+          </a:bodyPr>
+          <a:lstStyle/>
+          <a:p>
+            <a:r>
+              <a:rPr lang="en-IN" dirty="0"/>
+              <a:t>USE RETAIL_DATA_WAREHOUSE;</a:t>
+            </a:r>
+          </a:p>
+          <a:p>
+            <a:r>
+              <a:rPr lang="en-IN" dirty="0">
+                <a:solidFill>
+                  <a:srgbClr val="FF0000"/>
+                </a:solidFill>
+              </a:rPr>
+              <a:t>To view all tables</a:t>
+            </a:r>
+          </a:p>
+          <a:p>
+            <a:endParaRPr lang="en-IN" dirty="0"/>
+          </a:p>
+          <a:p>
+            <a:r>
+              <a:rPr lang="en-US" dirty="0"/>
+              <a:t>SELECT * FROM INFORMATION_SCHEMA.TABLES</a:t>
+            </a:r>
+          </a:p>
+          <a:p>
+            <a:r>
+              <a:rPr lang="en-US" dirty="0">
+                <a:solidFill>
+                  <a:srgbClr val="FF0000"/>
+                </a:solidFill>
+              </a:rPr>
+              <a:t>To view METADATA of columns from specific tables</a:t>
+            </a:r>
+          </a:p>
+          <a:p>
+            <a:endParaRPr lang="en-IN" dirty="0"/>
+          </a:p>
+          <a:p>
+            <a:r>
+              <a:rPr lang="en-US" dirty="0"/>
+              <a:t>SELECT * FROM INFORMATION_SCHEMA.COLUMNS WHERE TABLE_NAME='DIM_CUSTOMER';</a:t>
+            </a:r>
+          </a:p>
+          <a:p>
+            <a:endParaRPr lang="en-IN" dirty="0"/>
+          </a:p>
+          <a:p>
+            <a:r>
+              <a:rPr lang="en-US" dirty="0"/>
+              <a:t>SELECT * FROM INFORMATION_SCHEMA.COLUMNS WHERE TABLE_NAME='DIM_PRODUCT';</a:t>
+            </a:r>
+          </a:p>
+          <a:p>
+            <a:endParaRPr lang="en-IN" dirty="0"/>
+          </a:p>
+          <a:p>
+            <a:r>
+              <a:rPr lang="en-US" dirty="0"/>
+              <a:t>SELECT * FROM INFORMATION_SCHEMA.COLUMNS WHERE   TABLE_NAME='FACT_SALES_EXTENDED';</a:t>
+            </a:r>
+            <a:endParaRPr lang="en-IN" dirty="0"/>
+          </a:p>
+        </p:txBody>
+      </p:sp>
+      <p:pic>
+        <p:nvPicPr>
+          <p:cNvPr id="4" name="Graphic 3">
+            <a:extLst>
+              <a:ext uri="{FF2B5EF4-FFF2-40B4-BE49-F238E27FC236}">
+                <a16:creationId xmlns:a16="http://schemas.microsoft.com/office/drawing/2014/main" id="{3A222BB2-B42D-7816-0F26-475CCCA1C362}"/>
+              </a:ext>
+            </a:extLst>
+          </p:cNvPr>
+          <p:cNvPicPr>
+            <a:picLocks noChangeAspect="1"/>
+          </p:cNvPicPr>
+          <p:nvPr/>
+        </p:nvPicPr>
+        <p:blipFill>
+          <a:blip r:embed="rId2">
+            <a:extLst>
+              <a:ext uri="{96DAC541-7B7A-43D3-8B79-37D633B846F1}">
+                <asvg:svgBlip xmlns:asvg="http://schemas.microsoft.com/office/drawing/2016/SVG/main" r:embed="rId3"/>
+              </a:ext>
+            </a:extLst>
+          </a:blip>
+          <a:stretch>
+            <a:fillRect/>
+          </a:stretch>
+        </p:blipFill>
+        <p:spPr>
+          <a:xfrm>
+            <a:off x="9407588" y="4916129"/>
+            <a:ext cx="3565769" cy="2037582"/>
+          </a:xfrm>
+          <a:prstGeom prst="rect">
+            <a:avLst/>
+          </a:prstGeom>
+        </p:spPr>
+      </p:pic>
+      <p:pic>
+        <p:nvPicPr>
+          <p:cNvPr id="6" name="Picture 5">
+            <a:extLst>
+              <a:ext uri="{FF2B5EF4-FFF2-40B4-BE49-F238E27FC236}">
+                <a16:creationId xmlns:a16="http://schemas.microsoft.com/office/drawing/2014/main" id="{8063B922-5BAE-1FC7-71DB-808ABAB16CB2}"/>
+              </a:ext>
+            </a:extLst>
+          </p:cNvPr>
+          <p:cNvPicPr>
+            <a:picLocks noChangeAspect="1"/>
+          </p:cNvPicPr>
+          <p:nvPr/>
+        </p:nvPicPr>
+        <p:blipFill>
+          <a:blip r:embed="rId4">
+            <a:extLst>
+              <a:ext uri="{28A0092B-C50C-407E-A947-70E740481C1C}">
+                <a14:useLocalDpi xmlns:a14="http://schemas.microsoft.com/office/drawing/2010/main" val="0"/>
+              </a:ext>
+            </a:extLst>
+          </a:blip>
+          <a:stretch>
+            <a:fillRect/>
+          </a:stretch>
+        </p:blipFill>
+        <p:spPr>
+          <a:xfrm>
+            <a:off x="8682037" y="489561"/>
+            <a:ext cx="2143125" cy="2143125"/>
+          </a:xfrm>
+          <a:prstGeom prst="rect">
+            <a:avLst/>
+          </a:prstGeom>
+        </p:spPr>
+      </p:pic>
+    </p:spTree>
+    <p:extLst>
+      <p:ext uri="{BB962C8B-B14F-4D97-AF65-F5344CB8AC3E}">
+        <p14:creationId xmlns:p14="http://schemas.microsoft.com/office/powerpoint/2010/main" val="1527438195"/>
+      </p:ext>
+    </p:extLst>
+  </p:cSld>
+  <p:clrMapOvr>
+    <a:masterClrMapping/>
+  </p:clrMapOvr>
+</p:sld>
+</file>
+
+<file path=ppt/slides/slide22.xml><?xml version="1.0" encoding="utf-8"?>
+<p:sld xmlns:a="http://schemas.openxmlformats.org/drawingml/2006/main" xmlns:r="http://schemas.openxmlformats.org/officeDocument/2006/relationships" xmlns:p="http://schemas.openxmlformats.org/presentationml/2006/main">
+  <p:cSld>
+    <p:spTree>
+      <p:nvGrpSpPr>
+        <p:cNvPr id="1" name=""/>
+        <p:cNvGrpSpPr/>
+        <p:nvPr/>
+      </p:nvGrpSpPr>
+      <p:grpSpPr>
+        <a:xfrm>
+          <a:off x="0" y="0"/>
+          <a:ext cx="0" cy="0"/>
+          <a:chOff x="0" y="0"/>
+          <a:chExt cx="0" cy="0"/>
+        </a:xfrm>
+      </p:grpSpPr>
+      <p:sp>
+        <p:nvSpPr>
+          <p:cNvPr id="2" name="Title 1">
+            <a:extLst>
+              <a:ext uri="{FF2B5EF4-FFF2-40B4-BE49-F238E27FC236}">
+                <a16:creationId xmlns:a16="http://schemas.microsoft.com/office/drawing/2014/main" id="{C29E577C-832D-279B-CED4-1C8AF1623570}"/>
+              </a:ext>
+            </a:extLst>
+          </p:cNvPr>
+          <p:cNvSpPr>
+            <a:spLocks noGrp="1"/>
+          </p:cNvSpPr>
+          <p:nvPr>
+            <p:ph type="title"/>
+          </p:nvPr>
+        </p:nvSpPr>
+        <p:spPr/>
+        <p:txBody>
+          <a:bodyPr/>
+          <a:lstStyle/>
+          <a:p>
+            <a:r>
+              <a:rPr lang="en-IN" dirty="0"/>
+              <a:t>Dimensions Explorations</a:t>
+            </a:r>
+          </a:p>
+        </p:txBody>
+      </p:sp>
+      <p:pic>
+        <p:nvPicPr>
+          <p:cNvPr id="4" name="Content Placeholder 3">
+            <a:extLst>
+              <a:ext uri="{FF2B5EF4-FFF2-40B4-BE49-F238E27FC236}">
+                <a16:creationId xmlns:a16="http://schemas.microsoft.com/office/drawing/2014/main" id="{78525DAA-6505-8FC2-60E3-D4DB8555EA74}"/>
+              </a:ext>
+            </a:extLst>
+          </p:cNvPr>
+          <p:cNvPicPr>
+            <a:picLocks noGrp="1" noChangeAspect="1"/>
+          </p:cNvPicPr>
+          <p:nvPr>
+            <p:ph idx="1"/>
+          </p:nvPr>
+        </p:nvPicPr>
+        <p:blipFill>
+          <a:blip r:embed="rId2">
+            <a:extLst>
+              <a:ext uri="{96DAC541-7B7A-43D3-8B79-37D633B846F1}">
+                <asvg:svgBlip xmlns:asvg="http://schemas.microsoft.com/office/drawing/2016/SVG/main" r:embed="rId3"/>
+              </a:ext>
+            </a:extLst>
+          </a:blip>
+          <a:stretch>
+            <a:fillRect/>
+          </a:stretch>
+        </p:blipFill>
+        <p:spPr>
+          <a:xfrm>
+            <a:off x="9066166" y="4712678"/>
+            <a:ext cx="3912990" cy="2235994"/>
+          </a:xfrm>
+          <a:prstGeom prst="rect">
+            <a:avLst/>
+          </a:prstGeom>
+        </p:spPr>
+      </p:pic>
+      <p:sp>
+        <p:nvSpPr>
+          <p:cNvPr id="5" name="TextBox 4">
+            <a:extLst>
+              <a:ext uri="{FF2B5EF4-FFF2-40B4-BE49-F238E27FC236}">
+                <a16:creationId xmlns:a16="http://schemas.microsoft.com/office/drawing/2014/main" id="{8D180F9E-F09B-2485-AA0D-4F4E0E647D12}"/>
+              </a:ext>
+            </a:extLst>
+          </p:cNvPr>
+          <p:cNvSpPr txBox="1"/>
+          <p:nvPr/>
+        </p:nvSpPr>
+        <p:spPr>
+          <a:xfrm>
+            <a:off x="1735015" y="2117969"/>
+            <a:ext cx="7846647" cy="4247317"/>
+          </a:xfrm>
+          <a:prstGeom prst="rect">
+            <a:avLst/>
+          </a:prstGeom>
+          <a:noFill/>
+        </p:spPr>
+        <p:txBody>
+          <a:bodyPr wrap="square" rtlCol="0">
+            <a:spAutoFit/>
+          </a:bodyPr>
+          <a:lstStyle/>
+          <a:p>
+            <a:r>
+              <a:rPr lang="en-US" dirty="0"/>
+              <a:t>SELECT DISTINCT CUSTOMER_COUNTRY FROM GOLD.DIM_CUSTOMER;</a:t>
+            </a:r>
+          </a:p>
+          <a:p>
+            <a:endParaRPr lang="en-IN" dirty="0"/>
+          </a:p>
+          <a:p>
+            <a:endParaRPr lang="en-IN" dirty="0"/>
+          </a:p>
+          <a:p>
+            <a:r>
+              <a:rPr lang="en-US" dirty="0"/>
+              <a:t>SELECT DISTINCT PRODUCT_CAT FROM GOLD.DIM_PRODUCT;</a:t>
+            </a:r>
+          </a:p>
+          <a:p>
+            <a:endParaRPr lang="en-IN" dirty="0"/>
+          </a:p>
+          <a:p>
+            <a:endParaRPr lang="en-IN" dirty="0"/>
+          </a:p>
+          <a:p>
+            <a:endParaRPr lang="en-IN" dirty="0"/>
+          </a:p>
+          <a:p>
+            <a:endParaRPr lang="en-IN" dirty="0"/>
+          </a:p>
+          <a:p>
+            <a:r>
+              <a:rPr lang="en-US" dirty="0"/>
+              <a:t>SELECT DISTINCT CUSTOMER_COUNTRY,CUSTOMER_STATE,CUSTOMER_CITY FROM GOLD.DIM_CUSTOMER;</a:t>
+            </a:r>
+          </a:p>
+          <a:p>
+            <a:endParaRPr lang="en-IN" dirty="0"/>
+          </a:p>
+          <a:p>
+            <a:endParaRPr lang="en-IN" dirty="0"/>
+          </a:p>
+          <a:p>
+            <a:r>
+              <a:rPr lang="en-US" dirty="0"/>
+              <a:t>SELECT PRODUCT_CAT,PRODUCT_BRAND,PRODUCTS FROM GOLD.DIM_PRODUCT ORDER BY 1,2,3;</a:t>
+            </a:r>
+          </a:p>
+          <a:p>
+            <a:endParaRPr lang="en-IN" dirty="0"/>
+          </a:p>
+        </p:txBody>
+      </p:sp>
+      <p:sp>
+        <p:nvSpPr>
+          <p:cNvPr id="7" name="TextBox 6">
+            <a:extLst>
+              <a:ext uri="{FF2B5EF4-FFF2-40B4-BE49-F238E27FC236}">
+                <a16:creationId xmlns:a16="http://schemas.microsoft.com/office/drawing/2014/main" id="{78837DBD-E021-5D39-8B42-40BF0BF25A5D}"/>
+              </a:ext>
+            </a:extLst>
+          </p:cNvPr>
+          <p:cNvSpPr txBox="1"/>
+          <p:nvPr/>
+        </p:nvSpPr>
+        <p:spPr>
+          <a:xfrm>
+            <a:off x="7870092" y="679938"/>
+            <a:ext cx="2344616" cy="1200329"/>
+          </a:xfrm>
+          <a:prstGeom prst="rect">
+            <a:avLst/>
+          </a:prstGeom>
+          <a:noFill/>
+        </p:spPr>
+        <p:txBody>
+          <a:bodyPr wrap="square" rtlCol="0">
+            <a:spAutoFit/>
+          </a:bodyPr>
+          <a:lstStyle/>
+          <a:p>
+            <a:r>
+              <a:rPr lang="en-IN" dirty="0">
+                <a:solidFill>
+                  <a:srgbClr val="FF0000"/>
+                </a:solidFill>
+              </a:rPr>
+              <a:t>A Simple file used to view columns.</a:t>
+            </a:r>
+          </a:p>
+          <a:p>
+            <a:r>
+              <a:rPr lang="en-IN" dirty="0">
+                <a:solidFill>
+                  <a:srgbClr val="FF0000"/>
+                </a:solidFill>
+              </a:rPr>
+              <a:t>We shall get into more advanced queries next.</a:t>
+            </a:r>
+          </a:p>
+        </p:txBody>
+      </p:sp>
+    </p:spTree>
+    <p:extLst>
+      <p:ext uri="{BB962C8B-B14F-4D97-AF65-F5344CB8AC3E}">
+        <p14:creationId xmlns:p14="http://schemas.microsoft.com/office/powerpoint/2010/main" val="197179865"/>
+      </p:ext>
+    </p:extLst>
+  </p:cSld>
+  <p:clrMapOvr>
+    <a:masterClrMapping/>
+  </p:clrMapOvr>
+</p:sld>
+</file>
+
+<file path=ppt/slides/slide23.xml><?xml version="1.0" encoding="utf-8"?>
+<p:sld xmlns:a="http://schemas.openxmlformats.org/drawingml/2006/main" xmlns:r="http://schemas.openxmlformats.org/officeDocument/2006/relationships" xmlns:p="http://schemas.openxmlformats.org/presentationml/2006/main">
+  <p:cSld>
+    <p:spTree>
+      <p:nvGrpSpPr>
+        <p:cNvPr id="1" name=""/>
+        <p:cNvGrpSpPr/>
+        <p:nvPr/>
+      </p:nvGrpSpPr>
+      <p:grpSpPr>
+        <a:xfrm>
+          <a:off x="0" y="0"/>
+          <a:ext cx="0" cy="0"/>
+          <a:chOff x="0" y="0"/>
+          <a:chExt cx="0" cy="0"/>
+        </a:xfrm>
+      </p:grpSpPr>
+      <p:sp>
+        <p:nvSpPr>
+          <p:cNvPr id="2" name="Title 1">
+            <a:extLst>
+              <a:ext uri="{FF2B5EF4-FFF2-40B4-BE49-F238E27FC236}">
+                <a16:creationId xmlns:a16="http://schemas.microsoft.com/office/drawing/2014/main" id="{20E558F0-A5DC-CBA0-DFD3-FB145A5E1D75}"/>
+              </a:ext>
+            </a:extLst>
+          </p:cNvPr>
+          <p:cNvSpPr>
+            <a:spLocks noGrp="1"/>
+          </p:cNvSpPr>
+          <p:nvPr>
+            <p:ph type="title"/>
+          </p:nvPr>
+        </p:nvSpPr>
+        <p:spPr/>
+        <p:txBody>
+          <a:bodyPr/>
+          <a:lstStyle/>
+          <a:p>
+            <a:r>
+              <a:rPr lang="en-IN" dirty="0"/>
+              <a:t>Date Exploration</a:t>
+            </a:r>
+          </a:p>
+        </p:txBody>
+      </p:sp>
+      <p:sp>
+        <p:nvSpPr>
+          <p:cNvPr id="3" name="Content Placeholder 2">
+            <a:extLst>
+              <a:ext uri="{FF2B5EF4-FFF2-40B4-BE49-F238E27FC236}">
+                <a16:creationId xmlns:a16="http://schemas.microsoft.com/office/drawing/2014/main" id="{A7F08ECD-24CF-8B1F-6372-5B271632AAC7}"/>
+              </a:ext>
+            </a:extLst>
+          </p:cNvPr>
+          <p:cNvSpPr>
+            <a:spLocks noGrp="1"/>
+          </p:cNvSpPr>
+          <p:nvPr>
+            <p:ph idx="1"/>
+          </p:nvPr>
+        </p:nvSpPr>
+        <p:spPr/>
+        <p:txBody>
+          <a:bodyPr>
+            <a:normAutofit fontScale="92500" lnSpcReduction="10000"/>
+          </a:bodyPr>
+          <a:lstStyle/>
+          <a:p>
+            <a:r>
+              <a:rPr lang="en-IN" dirty="0"/>
+              <a:t>Used to explore Dates.</a:t>
+            </a:r>
+          </a:p>
+          <a:p>
+            <a:r>
+              <a:rPr lang="en-IN" dirty="0"/>
+              <a:t>Identify latest and earliest dates</a:t>
+            </a:r>
+          </a:p>
+          <a:p>
+            <a:r>
+              <a:rPr lang="en-US" dirty="0"/>
+              <a:t>SELECT TRANSACTION_DATE FROM GOLD.FACT_SALES_EXTENDED;</a:t>
+            </a:r>
+          </a:p>
+          <a:p>
+            <a:endParaRPr lang="en-IN" dirty="0"/>
+          </a:p>
+          <a:p>
+            <a:r>
+              <a:rPr lang="en-US" dirty="0"/>
+              <a:t>SELECT MIN(TRANSACTION_DATE) AS FIRST_ORDER_DATE,MAX(TRANSACTION_DATE) AS LAST_ORDER_DATE FROM GOLD.FACT_SALES_EXTENDED;</a:t>
+            </a:r>
+          </a:p>
+          <a:p>
+            <a:endParaRPr lang="en-IN" dirty="0"/>
+          </a:p>
+          <a:p>
+            <a:r>
+              <a:rPr lang="en-US" dirty="0"/>
+              <a:t>SELECT DATEDIFF(</a:t>
+            </a:r>
+            <a:r>
+              <a:rPr lang="en-US" dirty="0" err="1"/>
+              <a:t>year,MIN</a:t>
+            </a:r>
+            <a:r>
+              <a:rPr lang="en-US" dirty="0"/>
+              <a:t>(TRANSACTION_DATE),MAX(TRANSACTION_DATE)) AS NO_OF_YEARS FROM GOLD.FACT_SALES_EXTENDED;</a:t>
+            </a:r>
+          </a:p>
+          <a:p>
+            <a:endParaRPr lang="en-IN" dirty="0"/>
+          </a:p>
+        </p:txBody>
+      </p:sp>
+      <p:pic>
+        <p:nvPicPr>
+          <p:cNvPr id="4" name="Graphic 3">
+            <a:extLst>
+              <a:ext uri="{FF2B5EF4-FFF2-40B4-BE49-F238E27FC236}">
+                <a16:creationId xmlns:a16="http://schemas.microsoft.com/office/drawing/2014/main" id="{8C3DAFFD-CB72-3AA1-393B-6AF012C55CE0}"/>
+              </a:ext>
+            </a:extLst>
+          </p:cNvPr>
+          <p:cNvPicPr>
+            <a:picLocks noChangeAspect="1"/>
+          </p:cNvPicPr>
+          <p:nvPr/>
+        </p:nvPicPr>
+        <p:blipFill>
+          <a:blip r:embed="rId2">
+            <a:extLst>
+              <a:ext uri="{96DAC541-7B7A-43D3-8B79-37D633B846F1}">
+                <asvg:svgBlip xmlns:asvg="http://schemas.microsoft.com/office/drawing/2016/SVG/main" r:embed="rId3"/>
+              </a:ext>
+            </a:extLst>
+          </a:blip>
+          <a:stretch>
+            <a:fillRect/>
+          </a:stretch>
+        </p:blipFill>
+        <p:spPr>
+          <a:xfrm>
+            <a:off x="9292494" y="5109657"/>
+            <a:ext cx="3735572" cy="2134612"/>
+          </a:xfrm>
+          <a:prstGeom prst="rect">
+            <a:avLst/>
+          </a:prstGeom>
+        </p:spPr>
+      </p:pic>
+      <p:pic>
+        <p:nvPicPr>
+          <p:cNvPr id="6" name="Picture 5">
+            <a:extLst>
+              <a:ext uri="{FF2B5EF4-FFF2-40B4-BE49-F238E27FC236}">
+                <a16:creationId xmlns:a16="http://schemas.microsoft.com/office/drawing/2014/main" id="{E93AF6E8-F92D-B9ED-831F-87D66B350F2D}"/>
+              </a:ext>
+            </a:extLst>
+          </p:cNvPr>
+          <p:cNvPicPr>
+            <a:picLocks noChangeAspect="1"/>
+          </p:cNvPicPr>
+          <p:nvPr/>
+        </p:nvPicPr>
+        <p:blipFill>
+          <a:blip r:embed="rId4">
+            <a:extLst>
+              <a:ext uri="{28A0092B-C50C-407E-A947-70E740481C1C}">
+                <a14:useLocalDpi xmlns:a14="http://schemas.microsoft.com/office/drawing/2010/main" val="0"/>
+              </a:ext>
+            </a:extLst>
+          </a:blip>
+          <a:stretch>
+            <a:fillRect/>
+          </a:stretch>
+        </p:blipFill>
+        <p:spPr>
+          <a:xfrm>
+            <a:off x="9292494" y="0"/>
+            <a:ext cx="2481386" cy="2481386"/>
+          </a:xfrm>
+          <a:prstGeom prst="rect">
+            <a:avLst/>
+          </a:prstGeom>
+        </p:spPr>
+      </p:pic>
+    </p:spTree>
+    <p:extLst>
+      <p:ext uri="{BB962C8B-B14F-4D97-AF65-F5344CB8AC3E}">
+        <p14:creationId xmlns:p14="http://schemas.microsoft.com/office/powerpoint/2010/main" val="906569910"/>
+      </p:ext>
+    </p:extLst>
+  </p:cSld>
+  <p:clrMapOvr>
+    <a:masterClrMapping/>
+  </p:clrMapOvr>
+</p:sld>
+</file>
+
+<file path=ppt/slides/slide24.xml><?xml version="1.0" encoding="utf-8"?>
+<p:sld xmlns:a="http://schemas.openxmlformats.org/drawingml/2006/main" xmlns:r="http://schemas.openxmlformats.org/officeDocument/2006/relationships" xmlns:p="http://schemas.openxmlformats.org/presentationml/2006/main">
+  <p:cSld>
+    <p:spTree>
+      <p:nvGrpSpPr>
+        <p:cNvPr id="1" name=""/>
+        <p:cNvGrpSpPr/>
+        <p:nvPr/>
+      </p:nvGrpSpPr>
+      <p:grpSpPr>
+        <a:xfrm>
+          <a:off x="0" y="0"/>
+          <a:ext cx="0" cy="0"/>
+          <a:chOff x="0" y="0"/>
+          <a:chExt cx="0" cy="0"/>
+        </a:xfrm>
+      </p:grpSpPr>
+      <p:sp>
+        <p:nvSpPr>
+          <p:cNvPr id="2" name="Title 1">
+            <a:extLst>
+              <a:ext uri="{FF2B5EF4-FFF2-40B4-BE49-F238E27FC236}">
+                <a16:creationId xmlns:a16="http://schemas.microsoft.com/office/drawing/2014/main" id="{05C628AE-4E35-0761-8D4F-96A98EB0E735}"/>
+              </a:ext>
+            </a:extLst>
+          </p:cNvPr>
+          <p:cNvSpPr>
+            <a:spLocks noGrp="1"/>
+          </p:cNvSpPr>
+          <p:nvPr>
+            <p:ph type="title"/>
+          </p:nvPr>
+        </p:nvSpPr>
+        <p:spPr/>
+        <p:txBody>
+          <a:bodyPr/>
+          <a:lstStyle/>
+          <a:p>
+            <a:r>
+              <a:rPr lang="en-IN" dirty="0"/>
+              <a:t>Date Exploration</a:t>
+            </a:r>
+          </a:p>
+        </p:txBody>
+      </p:sp>
+      <p:sp>
+        <p:nvSpPr>
+          <p:cNvPr id="3" name="Content Placeholder 2">
+            <a:extLst>
+              <a:ext uri="{FF2B5EF4-FFF2-40B4-BE49-F238E27FC236}">
+                <a16:creationId xmlns:a16="http://schemas.microsoft.com/office/drawing/2014/main" id="{0EF6D6BF-D96D-1380-8085-06E6D026BBB4}"/>
+              </a:ext>
+            </a:extLst>
+          </p:cNvPr>
+          <p:cNvSpPr>
+            <a:spLocks noGrp="1"/>
+          </p:cNvSpPr>
+          <p:nvPr>
+            <p:ph idx="1"/>
+          </p:nvPr>
+        </p:nvSpPr>
+        <p:spPr/>
+        <p:txBody>
+          <a:bodyPr>
+            <a:normAutofit fontScale="55000" lnSpcReduction="20000"/>
+          </a:bodyPr>
+          <a:lstStyle/>
+          <a:p>
+            <a:r>
+              <a:rPr lang="en-IN" dirty="0"/>
+              <a:t>Identify Youngest and Oldest Customers</a:t>
+            </a:r>
+          </a:p>
+          <a:p>
+            <a:r>
+              <a:rPr lang="en-US" dirty="0"/>
+              <a:t>SELECT TRANSACTION_DATE FROM GOLD.FACT_SALES_EXTENDED;</a:t>
+            </a:r>
+          </a:p>
+          <a:p>
+            <a:endParaRPr lang="en-IN" dirty="0"/>
+          </a:p>
+          <a:p>
+            <a:r>
+              <a:rPr lang="en-US" dirty="0"/>
+              <a:t>SELECT MIN(TRANSACTION_DATE) AS FIRST_ORDER_DATE,MAX(TRANSACTION_DATE) AS LAST_ORDER_DATE FROM GOLD.FACT_SALES_EXTENDED;</a:t>
+            </a:r>
+          </a:p>
+          <a:p>
+            <a:endParaRPr lang="en-IN" dirty="0"/>
+          </a:p>
+          <a:p>
+            <a:r>
+              <a:rPr lang="en-US" dirty="0"/>
+              <a:t>SELECT DATEDIFF(</a:t>
+            </a:r>
+            <a:r>
+              <a:rPr lang="en-US" dirty="0" err="1"/>
+              <a:t>year,MIN</a:t>
+            </a:r>
+            <a:r>
+              <a:rPr lang="en-US" dirty="0"/>
+              <a:t>(TRANSACTION_DATE),MAX(TRANSACTION_DATE)) AS NO_OF_YEARS FROM GOLD.FACT_SALES_EXTENDED;</a:t>
+            </a:r>
+          </a:p>
+          <a:p>
+            <a:endParaRPr lang="en-IN" dirty="0"/>
+          </a:p>
+          <a:p>
+            <a:endParaRPr lang="en-IN" dirty="0"/>
+          </a:p>
+          <a:p>
+            <a:r>
+              <a:rPr lang="en-US" dirty="0"/>
+              <a:t>SELECT CUSTOMER_NAME,CUSTOMER_AGE FROM GOLD.FACT_SALES_EXTENDED WHERE CUSTOMER_AGE=(</a:t>
+            </a:r>
+          </a:p>
+          <a:p>
+            <a:r>
+              <a:rPr lang="en-US" dirty="0"/>
+              <a:t>SELECT MIN(CUSTOMER_AGE) FROM GOLD.FACT_SALES_EXTENDED WHERE CUSTOMER_AGE!= 0);</a:t>
+            </a:r>
+          </a:p>
+          <a:p>
+            <a:endParaRPr lang="en-IN" dirty="0"/>
+          </a:p>
+          <a:p>
+            <a:r>
+              <a:rPr lang="en-US" dirty="0"/>
+              <a:t>SELECT CUSTOMER_NAME,CUSTOMER_AGE FROM GOLD.FACT_SALES_EXTENDED WHERE CUSTOMER_AGE=( SELECT MAX(CUSTOMER_AGE) FROM GOLD.FACT_SALES_EXTENDED);</a:t>
+            </a:r>
+          </a:p>
+          <a:p>
+            <a:endParaRPr lang="en-IN" dirty="0"/>
+          </a:p>
+          <a:p>
+            <a:endParaRPr lang="en-IN" dirty="0"/>
+          </a:p>
+        </p:txBody>
+      </p:sp>
+      <p:pic>
+        <p:nvPicPr>
+          <p:cNvPr id="4" name="Graphic 3">
+            <a:extLst>
+              <a:ext uri="{FF2B5EF4-FFF2-40B4-BE49-F238E27FC236}">
+                <a16:creationId xmlns:a16="http://schemas.microsoft.com/office/drawing/2014/main" id="{AF05E43C-470A-F47D-999D-3EDAECA0FAA6}"/>
+              </a:ext>
+            </a:extLst>
+          </p:cNvPr>
+          <p:cNvPicPr>
+            <a:picLocks noChangeAspect="1"/>
+          </p:cNvPicPr>
+          <p:nvPr/>
+        </p:nvPicPr>
+        <p:blipFill>
+          <a:blip r:embed="rId2">
+            <a:extLst>
+              <a:ext uri="{96DAC541-7B7A-43D3-8B79-37D633B846F1}">
+                <asvg:svgBlip xmlns:asvg="http://schemas.microsoft.com/office/drawing/2016/SVG/main" r:embed="rId3"/>
+              </a:ext>
+            </a:extLst>
+          </a:blip>
+          <a:stretch>
+            <a:fillRect/>
+          </a:stretch>
+        </p:blipFill>
+        <p:spPr>
+          <a:xfrm>
+            <a:off x="8964247" y="4723388"/>
+            <a:ext cx="3735572" cy="2134612"/>
+          </a:xfrm>
+          <a:prstGeom prst="rect">
+            <a:avLst/>
+          </a:prstGeom>
+        </p:spPr>
+      </p:pic>
+      <p:pic>
+        <p:nvPicPr>
+          <p:cNvPr id="6" name="Picture 5">
+            <a:extLst>
+              <a:ext uri="{FF2B5EF4-FFF2-40B4-BE49-F238E27FC236}">
+                <a16:creationId xmlns:a16="http://schemas.microsoft.com/office/drawing/2014/main" id="{4B514DDC-22AB-7933-A92B-C6D8908B7883}"/>
+              </a:ext>
+            </a:extLst>
+          </p:cNvPr>
+          <p:cNvPicPr>
+            <a:picLocks noChangeAspect="1"/>
+          </p:cNvPicPr>
+          <p:nvPr/>
+        </p:nvPicPr>
+        <p:blipFill>
+          <a:blip r:embed="rId4">
+            <a:extLst>
+              <a:ext uri="{28A0092B-C50C-407E-A947-70E740481C1C}">
+                <a14:useLocalDpi xmlns:a14="http://schemas.microsoft.com/office/drawing/2010/main" val="0"/>
+              </a:ext>
+            </a:extLst>
+          </a:blip>
+          <a:stretch>
+            <a:fillRect/>
+          </a:stretch>
+        </p:blipFill>
+        <p:spPr>
+          <a:xfrm>
+            <a:off x="9292494" y="0"/>
+            <a:ext cx="2481386" cy="2481386"/>
+          </a:xfrm>
+          <a:prstGeom prst="rect">
+            <a:avLst/>
+          </a:prstGeom>
+        </p:spPr>
+      </p:pic>
+    </p:spTree>
+    <p:extLst>
+      <p:ext uri="{BB962C8B-B14F-4D97-AF65-F5344CB8AC3E}">
+        <p14:creationId xmlns:p14="http://schemas.microsoft.com/office/powerpoint/2010/main" val="4143245643"/>
+      </p:ext>
+    </p:extLst>
+  </p:cSld>
+  <p:clrMapOvr>
+    <a:masterClrMapping/>
+  </p:clrMapOvr>
+</p:sld>
+</file>
+
+<file path=ppt/slides/slide25.xml><?xml version="1.0" encoding="utf-8"?>
+<p:sld xmlns:a="http://schemas.openxmlformats.org/drawingml/2006/main" xmlns:r="http://schemas.openxmlformats.org/officeDocument/2006/relationships" xmlns:p="http://schemas.openxmlformats.org/presentationml/2006/main">
+  <p:cSld>
+    <p:spTree>
+      <p:nvGrpSpPr>
+        <p:cNvPr id="1" name=""/>
+        <p:cNvGrpSpPr/>
+        <p:nvPr/>
+      </p:nvGrpSpPr>
+      <p:grpSpPr>
+        <a:xfrm>
+          <a:off x="0" y="0"/>
+          <a:ext cx="0" cy="0"/>
+          <a:chOff x="0" y="0"/>
+          <a:chExt cx="0" cy="0"/>
+        </a:xfrm>
+      </p:grpSpPr>
+      <p:sp>
+        <p:nvSpPr>
+          <p:cNvPr id="2" name="Title 1">
+            <a:extLst>
+              <a:ext uri="{FF2B5EF4-FFF2-40B4-BE49-F238E27FC236}">
+                <a16:creationId xmlns:a16="http://schemas.microsoft.com/office/drawing/2014/main" id="{BD48446F-C682-1775-8718-57322C5A14B8}"/>
+              </a:ext>
+            </a:extLst>
+          </p:cNvPr>
+          <p:cNvSpPr>
+            <a:spLocks noGrp="1"/>
+          </p:cNvSpPr>
+          <p:nvPr>
+            <p:ph type="title"/>
+          </p:nvPr>
+        </p:nvSpPr>
+        <p:spPr/>
+        <p:txBody>
+          <a:bodyPr/>
+          <a:lstStyle/>
+          <a:p>
+            <a:r>
+              <a:rPr lang="en-IN" dirty="0"/>
+              <a:t>Measures Explorations</a:t>
+            </a:r>
+          </a:p>
+        </p:txBody>
+      </p:sp>
+      <p:sp>
+        <p:nvSpPr>
+          <p:cNvPr id="3" name="Content Placeholder 2">
+            <a:extLst>
+              <a:ext uri="{FF2B5EF4-FFF2-40B4-BE49-F238E27FC236}">
+                <a16:creationId xmlns:a16="http://schemas.microsoft.com/office/drawing/2014/main" id="{18334251-1E5F-F82D-54A5-743A8FE04BE3}"/>
+              </a:ext>
+            </a:extLst>
+          </p:cNvPr>
+          <p:cNvSpPr>
+            <a:spLocks noGrp="1"/>
+          </p:cNvSpPr>
+          <p:nvPr>
+            <p:ph idx="1"/>
+          </p:nvPr>
+        </p:nvSpPr>
+        <p:spPr/>
+        <p:txBody>
+          <a:bodyPr>
+            <a:normAutofit fontScale="55000" lnSpcReduction="20000"/>
+          </a:bodyPr>
+          <a:lstStyle/>
+          <a:p>
+            <a:r>
+              <a:rPr lang="en-IN" dirty="0"/>
+              <a:t>Help us see the important metrics in a business</a:t>
+            </a:r>
+          </a:p>
+          <a:p>
+            <a:endParaRPr lang="en-IN" dirty="0"/>
+          </a:p>
+          <a:p>
+            <a:r>
+              <a:rPr lang="en-US" dirty="0"/>
+              <a:t>SELECT 'Total sales' AS </a:t>
+            </a:r>
+            <a:r>
+              <a:rPr lang="en-US" dirty="0" err="1"/>
+              <a:t>measure_name,SUM</a:t>
+            </a:r>
+            <a:r>
+              <a:rPr lang="en-US" dirty="0"/>
+              <a:t>(TOTAL_AMOUNT) AS </a:t>
+            </a:r>
+            <a:r>
+              <a:rPr lang="en-US" dirty="0" err="1"/>
+              <a:t>measure_value</a:t>
+            </a:r>
+            <a:r>
+              <a:rPr lang="en-US" dirty="0"/>
+              <a:t> FROM GOLD.FACT_SALES_EXTENDED </a:t>
+            </a:r>
+          </a:p>
+          <a:p>
+            <a:r>
+              <a:rPr lang="en-IN" dirty="0"/>
+              <a:t>UNION ALL</a:t>
+            </a:r>
+          </a:p>
+          <a:p>
+            <a:r>
+              <a:rPr lang="en-US" dirty="0"/>
+              <a:t>SELECT 'Average sale', AVG(TOTAL_AMOUNT) FROM GOLD.FACT_SALES_EXTENDED </a:t>
+            </a:r>
+          </a:p>
+          <a:p>
+            <a:r>
+              <a:rPr lang="en-IN" dirty="0"/>
+              <a:t>UNION ALL</a:t>
+            </a:r>
+          </a:p>
+          <a:p>
+            <a:r>
+              <a:rPr lang="en-US" dirty="0"/>
+              <a:t>SELECT 'Total purchases', SUM(CUSTOMER_PURCHASES)  FROM GOLD.FACT_SALES_EXTENDED</a:t>
+            </a:r>
+          </a:p>
+          <a:p>
+            <a:r>
+              <a:rPr lang="en-IN" dirty="0"/>
+              <a:t>UNION ALL</a:t>
+            </a:r>
+          </a:p>
+          <a:p>
+            <a:r>
+              <a:rPr lang="en-US" dirty="0"/>
+              <a:t>SELECT 'Total categories', COUNT( DISTINCT PRODUCT_CAT)  FROM GOLD.FACT_SALES_EXTENDED</a:t>
+            </a:r>
+          </a:p>
+          <a:p>
+            <a:r>
+              <a:rPr lang="en-IN" dirty="0"/>
+              <a:t>UNION ALL</a:t>
+            </a:r>
+          </a:p>
+          <a:p>
+            <a:r>
+              <a:rPr lang="en-US" dirty="0" err="1"/>
+              <a:t>SELECT'Total</a:t>
+            </a:r>
+            <a:r>
+              <a:rPr lang="en-US" dirty="0"/>
+              <a:t> cities', COUNT(DISTINCT CUSTOMER_CITY) FROM GOLD.FACT_SALES_EXTENDED</a:t>
+            </a:r>
+          </a:p>
+          <a:p>
+            <a:r>
+              <a:rPr lang="en-IN" dirty="0"/>
+              <a:t>UNION ALL</a:t>
+            </a:r>
+          </a:p>
+          <a:p>
+            <a:r>
+              <a:rPr lang="en-US" dirty="0"/>
+              <a:t>SELECT 'Total brands' ,COUNT(DISTINCT PRODUCT_BRAND) FROM GOLD.FACT_SALES_EXTENDED</a:t>
+            </a:r>
+          </a:p>
+          <a:p>
+            <a:r>
+              <a:rPr lang="en-IN" dirty="0"/>
+              <a:t>UNION ALL</a:t>
+            </a:r>
+          </a:p>
+          <a:p>
+            <a:r>
+              <a:rPr lang="en-US" dirty="0"/>
+              <a:t>SELECT 'Total customers' ,COUNT(DISTINCT CUSTOMER_NAME) FROM GOLD.FACT_SALES_EXTENDED;</a:t>
+            </a:r>
+          </a:p>
+          <a:p>
+            <a:endParaRPr lang="en-IN" dirty="0"/>
+          </a:p>
+          <a:p>
+            <a:endParaRPr lang="en-IN" dirty="0"/>
+          </a:p>
+          <a:p>
+            <a:endParaRPr lang="en-IN" dirty="0"/>
+          </a:p>
+        </p:txBody>
+      </p:sp>
+      <p:pic>
+        <p:nvPicPr>
+          <p:cNvPr id="4" name="Graphic 3">
+            <a:extLst>
+              <a:ext uri="{FF2B5EF4-FFF2-40B4-BE49-F238E27FC236}">
+                <a16:creationId xmlns:a16="http://schemas.microsoft.com/office/drawing/2014/main" id="{0775273B-FA4C-7C71-6D71-2DA4E87C4656}"/>
+              </a:ext>
+            </a:extLst>
+          </p:cNvPr>
+          <p:cNvPicPr>
+            <a:picLocks noChangeAspect="1"/>
+          </p:cNvPicPr>
+          <p:nvPr/>
+        </p:nvPicPr>
+        <p:blipFill>
+          <a:blip r:embed="rId2">
+            <a:extLst>
+              <a:ext uri="{96DAC541-7B7A-43D3-8B79-37D633B846F1}">
+                <asvg:svgBlip xmlns:asvg="http://schemas.microsoft.com/office/drawing/2016/SVG/main" r:embed="rId3"/>
+              </a:ext>
+            </a:extLst>
+          </a:blip>
+          <a:stretch>
+            <a:fillRect/>
+          </a:stretch>
+        </p:blipFill>
+        <p:spPr>
+          <a:xfrm>
+            <a:off x="8964247" y="4723388"/>
+            <a:ext cx="3735572" cy="2134612"/>
+          </a:xfrm>
+          <a:prstGeom prst="rect">
+            <a:avLst/>
+          </a:prstGeom>
+        </p:spPr>
+      </p:pic>
+      <p:pic>
+        <p:nvPicPr>
+          <p:cNvPr id="5" name="Picture 4">
+            <a:extLst>
+              <a:ext uri="{FF2B5EF4-FFF2-40B4-BE49-F238E27FC236}">
+                <a16:creationId xmlns:a16="http://schemas.microsoft.com/office/drawing/2014/main" id="{265606A8-F975-43E5-7AAF-07F35B5F6717}"/>
+              </a:ext>
+            </a:extLst>
+          </p:cNvPr>
+          <p:cNvPicPr>
+            <a:picLocks noChangeAspect="1"/>
+          </p:cNvPicPr>
+          <p:nvPr/>
+        </p:nvPicPr>
+        <p:blipFill>
+          <a:blip r:embed="rId4">
+            <a:extLst>
+              <a:ext uri="{28A0092B-C50C-407E-A947-70E740481C1C}">
+                <a14:useLocalDpi xmlns:a14="http://schemas.microsoft.com/office/drawing/2010/main" val="0"/>
+              </a:ext>
+            </a:extLst>
+          </a:blip>
+          <a:stretch>
+            <a:fillRect/>
+          </a:stretch>
+        </p:blipFill>
+        <p:spPr>
+          <a:xfrm>
+            <a:off x="9948254" y="0"/>
+            <a:ext cx="1825625" cy="1825625"/>
+          </a:xfrm>
+          <a:prstGeom prst="rect">
+            <a:avLst/>
+          </a:prstGeom>
+        </p:spPr>
+      </p:pic>
+    </p:spTree>
+    <p:extLst>
+      <p:ext uri="{BB962C8B-B14F-4D97-AF65-F5344CB8AC3E}">
+        <p14:creationId xmlns:p14="http://schemas.microsoft.com/office/powerpoint/2010/main" val="2344435532"/>
+      </p:ext>
+    </p:extLst>
+  </p:cSld>
+  <p:clrMapOvr>
+    <a:masterClrMapping/>
+  </p:clrMapOvr>
+</p:sld>
+</file>
+
+<file path=ppt/slides/slide26.xml><?xml version="1.0" encoding="utf-8"?>
+<p:sld xmlns:a="http://schemas.openxmlformats.org/drawingml/2006/main" xmlns:r="http://schemas.openxmlformats.org/officeDocument/2006/relationships" xmlns:p="http://schemas.openxmlformats.org/presentationml/2006/main">
+  <p:cSld>
+    <p:spTree>
+      <p:nvGrpSpPr>
+        <p:cNvPr id="1" name=""/>
+        <p:cNvGrpSpPr/>
+        <p:nvPr/>
+      </p:nvGrpSpPr>
+      <p:grpSpPr>
+        <a:xfrm>
+          <a:off x="0" y="0"/>
+          <a:ext cx="0" cy="0"/>
+          <a:chOff x="0" y="0"/>
+          <a:chExt cx="0" cy="0"/>
+        </a:xfrm>
+      </p:grpSpPr>
+      <p:sp>
+        <p:nvSpPr>
+          <p:cNvPr id="2" name="Title 1">
+            <a:extLst>
+              <a:ext uri="{FF2B5EF4-FFF2-40B4-BE49-F238E27FC236}">
+                <a16:creationId xmlns:a16="http://schemas.microsoft.com/office/drawing/2014/main" id="{00DA88D5-F02E-1092-BFFF-96047EC21D74}"/>
+              </a:ext>
+            </a:extLst>
+          </p:cNvPr>
+          <p:cNvSpPr>
+            <a:spLocks noGrp="1"/>
+          </p:cNvSpPr>
+          <p:nvPr>
+            <p:ph type="title"/>
+          </p:nvPr>
+        </p:nvSpPr>
+        <p:spPr/>
+        <p:txBody>
+          <a:bodyPr/>
+          <a:lstStyle/>
+          <a:p>
+            <a:r>
+              <a:rPr lang="en-IN" dirty="0"/>
+              <a:t>Magnitude Exploration</a:t>
+            </a:r>
+          </a:p>
+        </p:txBody>
+      </p:sp>
+      <p:sp>
+        <p:nvSpPr>
+          <p:cNvPr id="3" name="Content Placeholder 2">
+            <a:extLst>
+              <a:ext uri="{FF2B5EF4-FFF2-40B4-BE49-F238E27FC236}">
+                <a16:creationId xmlns:a16="http://schemas.microsoft.com/office/drawing/2014/main" id="{A52DEDB7-62F9-8128-BFFC-B78A1EF6A617}"/>
+              </a:ext>
+            </a:extLst>
+          </p:cNvPr>
+          <p:cNvSpPr>
+            <a:spLocks noGrp="1"/>
+          </p:cNvSpPr>
+          <p:nvPr>
+            <p:ph idx="1"/>
+          </p:nvPr>
+        </p:nvSpPr>
+        <p:spPr/>
+        <p:txBody>
+          <a:bodyPr>
+            <a:normAutofit fontScale="92500" lnSpcReduction="20000"/>
+          </a:bodyPr>
+          <a:lstStyle/>
+          <a:p>
+            <a:r>
+              <a:rPr lang="en-IN" dirty="0"/>
+              <a:t>This section consists of complicated queries involving joins.</a:t>
+            </a:r>
+          </a:p>
+          <a:p>
+            <a:r>
+              <a:rPr lang="en-IN" dirty="0"/>
+              <a:t>Helps us visualize data throughout</a:t>
+            </a:r>
+          </a:p>
+          <a:p>
+            <a:r>
+              <a:rPr lang="en-IN" dirty="0"/>
+              <a:t>Example</a:t>
+            </a:r>
+          </a:p>
+          <a:p>
+            <a:r>
+              <a:rPr lang="en-IN" dirty="0"/>
+              <a:t>Average revenue per category</a:t>
+            </a:r>
+          </a:p>
+          <a:p>
+            <a:endParaRPr lang="en-IN" dirty="0"/>
+          </a:p>
+          <a:p>
+            <a:r>
+              <a:rPr lang="en-US" dirty="0"/>
+              <a:t>SELECT P.PRODUCT_CAT,AVG(F.TRANSACTION_AMOUNT) AS AVERAGE_REVENUE</a:t>
+            </a:r>
+          </a:p>
+          <a:p>
+            <a:r>
+              <a:rPr lang="en-US" dirty="0"/>
+              <a:t>FROM GOLD.FACT_SALES_EXTENDED F</a:t>
+            </a:r>
+          </a:p>
+          <a:p>
+            <a:r>
+              <a:rPr lang="en-US" dirty="0"/>
+              <a:t>JOIN GOLD.DIM_PRODUCT P</a:t>
+            </a:r>
+          </a:p>
+          <a:p>
+            <a:r>
+              <a:rPr lang="en-US" dirty="0"/>
+              <a:t>ON F.PRODUCT_ID=P.PRODUCT_ID</a:t>
+            </a:r>
+          </a:p>
+          <a:p>
+            <a:r>
+              <a:rPr lang="en-US" dirty="0"/>
+              <a:t>GROUP BY P.PRODUCT_CAT</a:t>
+            </a:r>
+          </a:p>
+          <a:p>
+            <a:endParaRPr lang="en-IN" dirty="0"/>
+          </a:p>
+          <a:p>
+            <a:endParaRPr lang="en-IN" dirty="0"/>
+          </a:p>
+        </p:txBody>
+      </p:sp>
+      <p:pic>
+        <p:nvPicPr>
+          <p:cNvPr id="4" name="Graphic 3">
+            <a:extLst>
+              <a:ext uri="{FF2B5EF4-FFF2-40B4-BE49-F238E27FC236}">
+                <a16:creationId xmlns:a16="http://schemas.microsoft.com/office/drawing/2014/main" id="{EE509524-4C13-EAF5-80FF-370FE80D3957}"/>
+              </a:ext>
+            </a:extLst>
+          </p:cNvPr>
+          <p:cNvPicPr>
+            <a:picLocks noChangeAspect="1"/>
+          </p:cNvPicPr>
+          <p:nvPr/>
+        </p:nvPicPr>
+        <p:blipFill>
+          <a:blip r:embed="rId2">
+            <a:extLst>
+              <a:ext uri="{96DAC541-7B7A-43D3-8B79-37D633B846F1}">
+                <asvg:svgBlip xmlns:asvg="http://schemas.microsoft.com/office/drawing/2016/SVG/main" r:embed="rId3"/>
+              </a:ext>
+            </a:extLst>
+          </a:blip>
+          <a:stretch>
+            <a:fillRect/>
+          </a:stretch>
+        </p:blipFill>
+        <p:spPr>
+          <a:xfrm>
+            <a:off x="8964247" y="4723388"/>
+            <a:ext cx="3735572" cy="2134612"/>
+          </a:xfrm>
+          <a:prstGeom prst="rect">
+            <a:avLst/>
+          </a:prstGeom>
+        </p:spPr>
+      </p:pic>
+      <p:pic>
+        <p:nvPicPr>
+          <p:cNvPr id="5" name="Picture 4">
+            <a:extLst>
+              <a:ext uri="{FF2B5EF4-FFF2-40B4-BE49-F238E27FC236}">
+                <a16:creationId xmlns:a16="http://schemas.microsoft.com/office/drawing/2014/main" id="{67FC04B4-00AD-CA54-7E88-47082D33E012}"/>
+              </a:ext>
+            </a:extLst>
+          </p:cNvPr>
+          <p:cNvPicPr>
+            <a:picLocks noChangeAspect="1"/>
+          </p:cNvPicPr>
+          <p:nvPr/>
+        </p:nvPicPr>
+        <p:blipFill>
+          <a:blip r:embed="rId4">
+            <a:extLst>
+              <a:ext uri="{28A0092B-C50C-407E-A947-70E740481C1C}">
+                <a14:useLocalDpi xmlns:a14="http://schemas.microsoft.com/office/drawing/2010/main" val="0"/>
+              </a:ext>
+            </a:extLst>
+          </a:blip>
+          <a:stretch>
+            <a:fillRect/>
+          </a:stretch>
+        </p:blipFill>
+        <p:spPr>
+          <a:xfrm>
+            <a:off x="9577756" y="0"/>
+            <a:ext cx="2196123" cy="2196123"/>
+          </a:xfrm>
+          <a:prstGeom prst="rect">
+            <a:avLst/>
+          </a:prstGeom>
+        </p:spPr>
+      </p:pic>
+    </p:spTree>
+    <p:extLst>
+      <p:ext uri="{BB962C8B-B14F-4D97-AF65-F5344CB8AC3E}">
+        <p14:creationId xmlns:p14="http://schemas.microsoft.com/office/powerpoint/2010/main" val="4189335730"/>
+      </p:ext>
+    </p:extLst>
+  </p:cSld>
+  <p:clrMapOvr>
+    <a:masterClrMapping/>
+  </p:clrMapOvr>
+</p:sld>
+</file>
+
+<file path=ppt/slides/slide27.xml><?xml version="1.0" encoding="utf-8"?>
+<p:sld xmlns:a="http://schemas.openxmlformats.org/drawingml/2006/main" xmlns:r="http://schemas.openxmlformats.org/officeDocument/2006/relationships" xmlns:p="http://schemas.openxmlformats.org/presentationml/2006/main">
+  <p:cSld>
+    <p:spTree>
+      <p:nvGrpSpPr>
+        <p:cNvPr id="1" name=""/>
+        <p:cNvGrpSpPr/>
+        <p:nvPr/>
+      </p:nvGrpSpPr>
+      <p:grpSpPr>
+        <a:xfrm>
+          <a:off x="0" y="0"/>
+          <a:ext cx="0" cy="0"/>
+          <a:chOff x="0" y="0"/>
+          <a:chExt cx="0" cy="0"/>
+        </a:xfrm>
+      </p:grpSpPr>
+      <p:sp>
+        <p:nvSpPr>
+          <p:cNvPr id="2" name="Title 1">
+            <a:extLst>
+              <a:ext uri="{FF2B5EF4-FFF2-40B4-BE49-F238E27FC236}">
+                <a16:creationId xmlns:a16="http://schemas.microsoft.com/office/drawing/2014/main" id="{24CC966D-9DCC-B691-C7F2-BC7AB6AFC2D7}"/>
+              </a:ext>
+            </a:extLst>
+          </p:cNvPr>
+          <p:cNvSpPr>
+            <a:spLocks noGrp="1"/>
+          </p:cNvSpPr>
+          <p:nvPr>
+            <p:ph type="title"/>
+          </p:nvPr>
+        </p:nvSpPr>
+        <p:spPr/>
+        <p:txBody>
+          <a:bodyPr/>
+          <a:lstStyle/>
+          <a:p>
+            <a:r>
+              <a:rPr lang="en-IN" dirty="0"/>
+              <a:t>Magnitude Exploration</a:t>
+            </a:r>
+          </a:p>
+        </p:txBody>
+      </p:sp>
+      <p:sp>
+        <p:nvSpPr>
+          <p:cNvPr id="3" name="Content Placeholder 2">
+            <a:extLst>
+              <a:ext uri="{FF2B5EF4-FFF2-40B4-BE49-F238E27FC236}">
+                <a16:creationId xmlns:a16="http://schemas.microsoft.com/office/drawing/2014/main" id="{4C4C7ED8-D626-B18A-1A07-823B2033CF07}"/>
+              </a:ext>
+            </a:extLst>
+          </p:cNvPr>
+          <p:cNvSpPr>
+            <a:spLocks noGrp="1"/>
+          </p:cNvSpPr>
+          <p:nvPr>
+            <p:ph idx="1"/>
+          </p:nvPr>
+        </p:nvSpPr>
+        <p:spPr/>
+        <p:txBody>
+          <a:bodyPr>
+            <a:normAutofit lnSpcReduction="10000"/>
+          </a:bodyPr>
+          <a:lstStyle/>
+          <a:p>
+            <a:pPr marL="0" indent="0">
+              <a:buNone/>
+            </a:pPr>
+            <a:r>
+              <a:rPr lang="en-IN" dirty="0"/>
+              <a:t>Another example </a:t>
+            </a:r>
+            <a:r>
+              <a:rPr lang="en-IN"/>
+              <a:t>is Total Revenue </a:t>
+            </a:r>
+            <a:r>
+              <a:rPr lang="en-IN" dirty="0"/>
+              <a:t>per country</a:t>
+            </a:r>
+          </a:p>
+          <a:p>
+            <a:endParaRPr lang="en-IN" dirty="0"/>
+          </a:p>
+          <a:p>
+            <a:r>
+              <a:rPr lang="en-IN" dirty="0"/>
+              <a:t>SELECT </a:t>
+            </a:r>
+          </a:p>
+          <a:p>
+            <a:r>
+              <a:rPr lang="en-US" dirty="0"/>
+              <a:t>sum(F.TRANSACTION_AMOUNT) AS REVENUE,</a:t>
+            </a:r>
+          </a:p>
+          <a:p>
+            <a:r>
+              <a:rPr lang="en-IN" dirty="0"/>
+              <a:t>C.CUSTOMER_COUNTRY</a:t>
+            </a:r>
+          </a:p>
+          <a:p>
+            <a:r>
+              <a:rPr lang="en-US" dirty="0"/>
+              <a:t>FROM GOLD.FACT_SALES_EXTENDED F</a:t>
+            </a:r>
+          </a:p>
+          <a:p>
+            <a:r>
+              <a:rPr lang="en-US" dirty="0"/>
+              <a:t>JOIN GOLD.DIM_CUSTOMER C</a:t>
+            </a:r>
+          </a:p>
+          <a:p>
+            <a:r>
+              <a:rPr lang="en-US" dirty="0"/>
+              <a:t>ON F.CUSTOMER_ID=C.CUSTOMER_ID</a:t>
+            </a:r>
+          </a:p>
+          <a:p>
+            <a:r>
+              <a:rPr lang="en-US" dirty="0"/>
+              <a:t>GROUP BY C.CUSTOMER_COUNTRY</a:t>
+            </a:r>
+          </a:p>
+          <a:p>
+            <a:pPr marL="0" indent="0">
+              <a:buNone/>
+            </a:pPr>
+            <a:endParaRPr lang="en-IN" dirty="0"/>
+          </a:p>
+        </p:txBody>
+      </p:sp>
+      <p:pic>
+        <p:nvPicPr>
+          <p:cNvPr id="4" name="Graphic 3">
+            <a:extLst>
+              <a:ext uri="{FF2B5EF4-FFF2-40B4-BE49-F238E27FC236}">
+                <a16:creationId xmlns:a16="http://schemas.microsoft.com/office/drawing/2014/main" id="{A8B71FAD-E008-80B6-866C-FB1977FE92F6}"/>
+              </a:ext>
+            </a:extLst>
+          </p:cNvPr>
+          <p:cNvPicPr>
+            <a:picLocks noChangeAspect="1"/>
+          </p:cNvPicPr>
+          <p:nvPr/>
+        </p:nvPicPr>
+        <p:blipFill>
+          <a:blip r:embed="rId2">
+            <a:extLst>
+              <a:ext uri="{96DAC541-7B7A-43D3-8B79-37D633B846F1}">
+                <asvg:svgBlip xmlns:asvg="http://schemas.microsoft.com/office/drawing/2016/SVG/main" r:embed="rId3"/>
+              </a:ext>
+            </a:extLst>
+          </a:blip>
+          <a:stretch>
+            <a:fillRect/>
+          </a:stretch>
+        </p:blipFill>
+        <p:spPr>
+          <a:xfrm>
+            <a:off x="8964247" y="4723388"/>
+            <a:ext cx="3735572" cy="2134612"/>
+          </a:xfrm>
+          <a:prstGeom prst="rect">
+            <a:avLst/>
+          </a:prstGeom>
+        </p:spPr>
+      </p:pic>
+      <p:pic>
+        <p:nvPicPr>
+          <p:cNvPr id="5" name="Picture 4">
+            <a:extLst>
+              <a:ext uri="{FF2B5EF4-FFF2-40B4-BE49-F238E27FC236}">
+                <a16:creationId xmlns:a16="http://schemas.microsoft.com/office/drawing/2014/main" id="{BD144CAB-1A6C-FB9C-95E7-11192BE869DB}"/>
+              </a:ext>
+            </a:extLst>
+          </p:cNvPr>
+          <p:cNvPicPr>
+            <a:picLocks noChangeAspect="1"/>
+          </p:cNvPicPr>
+          <p:nvPr/>
+        </p:nvPicPr>
+        <p:blipFill>
+          <a:blip r:embed="rId4">
+            <a:extLst>
+              <a:ext uri="{28A0092B-C50C-407E-A947-70E740481C1C}">
+                <a14:useLocalDpi xmlns:a14="http://schemas.microsoft.com/office/drawing/2010/main" val="0"/>
+              </a:ext>
+            </a:extLst>
+          </a:blip>
+          <a:stretch>
+            <a:fillRect/>
+          </a:stretch>
+        </p:blipFill>
+        <p:spPr>
+          <a:xfrm>
+            <a:off x="9292494" y="0"/>
+            <a:ext cx="2481386" cy="2481386"/>
+          </a:xfrm>
+          <a:prstGeom prst="rect">
+            <a:avLst/>
+          </a:prstGeom>
+        </p:spPr>
+      </p:pic>
+    </p:spTree>
+    <p:extLst>
+      <p:ext uri="{BB962C8B-B14F-4D97-AF65-F5344CB8AC3E}">
+        <p14:creationId xmlns:p14="http://schemas.microsoft.com/office/powerpoint/2010/main" val="451881747"/>
+      </p:ext>
+    </p:extLst>
+  </p:cSld>
+  <p:clrMapOvr>
+    <a:masterClrMapping/>
+  </p:clrMapOvr>
+</p:sld>
+</file>
+
+<file path=ppt/slides/slide28.xml><?xml version="1.0" encoding="utf-8"?>
+<p:sld xmlns:a="http://schemas.openxmlformats.org/drawingml/2006/main" xmlns:r="http://schemas.openxmlformats.org/officeDocument/2006/relationships" xmlns:p="http://schemas.openxmlformats.org/presentationml/2006/main">
+  <p:cSld>
+    <p:spTree>
+      <p:nvGrpSpPr>
+        <p:cNvPr id="1" name=""/>
+        <p:cNvGrpSpPr/>
+        <p:nvPr/>
+      </p:nvGrpSpPr>
+      <p:grpSpPr>
+        <a:xfrm>
+          <a:off x="0" y="0"/>
+          <a:ext cx="0" cy="0"/>
+          <a:chOff x="0" y="0"/>
+          <a:chExt cx="0" cy="0"/>
+        </a:xfrm>
+      </p:grpSpPr>
+      <p:sp>
+        <p:nvSpPr>
+          <p:cNvPr id="2" name="Title 1">
+            <a:extLst>
+              <a:ext uri="{FF2B5EF4-FFF2-40B4-BE49-F238E27FC236}">
+                <a16:creationId xmlns:a16="http://schemas.microsoft.com/office/drawing/2014/main" id="{3608F517-E1AB-12BE-4A6C-46BF4B42F1D8}"/>
+              </a:ext>
+            </a:extLst>
+          </p:cNvPr>
+          <p:cNvSpPr>
+            <a:spLocks noGrp="1"/>
+          </p:cNvSpPr>
+          <p:nvPr>
+            <p:ph type="title"/>
+          </p:nvPr>
+        </p:nvSpPr>
+        <p:spPr/>
+        <p:txBody>
+          <a:bodyPr/>
+          <a:lstStyle/>
+          <a:p>
+            <a:r>
+              <a:rPr lang="en-IN" dirty="0"/>
+              <a:t>Ranking</a:t>
+            </a:r>
+          </a:p>
+        </p:txBody>
+      </p:sp>
+      <p:sp>
+        <p:nvSpPr>
+          <p:cNvPr id="3" name="Content Placeholder 2">
+            <a:extLst>
+              <a:ext uri="{FF2B5EF4-FFF2-40B4-BE49-F238E27FC236}">
+                <a16:creationId xmlns:a16="http://schemas.microsoft.com/office/drawing/2014/main" id="{73730DF3-8400-0AE3-C6EC-DBD2E39EE232}"/>
+              </a:ext>
+            </a:extLst>
+          </p:cNvPr>
+          <p:cNvSpPr>
+            <a:spLocks noGrp="1"/>
+          </p:cNvSpPr>
+          <p:nvPr>
+            <p:ph idx="1"/>
+          </p:nvPr>
+        </p:nvSpPr>
+        <p:spPr/>
+        <p:txBody>
+          <a:bodyPr>
+            <a:normAutofit fontScale="47500" lnSpcReduction="20000"/>
+          </a:bodyPr>
+          <a:lstStyle/>
+          <a:p>
+            <a:r>
+              <a:rPr lang="en-IN" dirty="0"/>
+              <a:t>Used to Rank measures .</a:t>
+            </a:r>
+          </a:p>
+          <a:p>
+            <a:r>
+              <a:rPr lang="en-IN" dirty="0"/>
+              <a:t>Allows us to see the top and bottom values</a:t>
+            </a:r>
+          </a:p>
+          <a:p>
+            <a:r>
+              <a:rPr lang="en-IN" dirty="0"/>
+              <a:t>Example:</a:t>
+            </a:r>
+          </a:p>
+          <a:p>
+            <a:endParaRPr lang="en-IN" dirty="0"/>
+          </a:p>
+          <a:p>
+            <a:r>
+              <a:rPr lang="en-IN" dirty="0"/>
+              <a:t>FOR TOP 5 PRODUCTS IN REVENUE:</a:t>
+            </a:r>
+          </a:p>
+          <a:p>
+            <a:endParaRPr lang="en-IN" dirty="0"/>
+          </a:p>
+          <a:p>
+            <a:endParaRPr lang="en-IN" dirty="0"/>
+          </a:p>
+          <a:p>
+            <a:r>
+              <a:rPr lang="en-IN" dirty="0"/>
+              <a:t>SELECT TOP 5</a:t>
+            </a:r>
+          </a:p>
+          <a:p>
+            <a:r>
+              <a:rPr lang="en-IN" dirty="0"/>
+              <a:t>P.PRODUCTS,</a:t>
+            </a:r>
+          </a:p>
+          <a:p>
+            <a:r>
+              <a:rPr lang="en-US" dirty="0"/>
+              <a:t>SUM(F.TOTAL_AMOUNT) AS REVENUE,</a:t>
+            </a:r>
+          </a:p>
+          <a:p>
+            <a:r>
+              <a:rPr lang="en-US" dirty="0"/>
+              <a:t>ROW_NUMBER() OVER (ORDER BY SUM(F.TOTAL_AMOUNT) DESC ) AS RANK</a:t>
+            </a:r>
+          </a:p>
+          <a:p>
+            <a:r>
+              <a:rPr lang="en-US" dirty="0"/>
+              <a:t>FROM GOLD.FACT_SALES_EXTENDED F</a:t>
+            </a:r>
+          </a:p>
+          <a:p>
+            <a:r>
+              <a:rPr lang="en-US" dirty="0"/>
+              <a:t>JOIN GOLD.DIM_PRODUCT P</a:t>
+            </a:r>
+          </a:p>
+          <a:p>
+            <a:r>
+              <a:rPr lang="en-US" dirty="0"/>
+              <a:t>ON F.PRODUCT_ID=P.PRODUCT_ID</a:t>
+            </a:r>
+          </a:p>
+          <a:p>
+            <a:r>
+              <a:rPr lang="en-IN" dirty="0"/>
+              <a:t>GROUP BY P.PRODUCTS</a:t>
+            </a:r>
+          </a:p>
+          <a:p>
+            <a:r>
+              <a:rPr lang="en-IN" dirty="0"/>
+              <a:t>ORDER BY REVENUE DESC;</a:t>
+            </a:r>
+          </a:p>
+          <a:p>
+            <a:endParaRPr lang="en-IN" dirty="0"/>
+          </a:p>
+          <a:p>
+            <a:endParaRPr lang="en-IN" dirty="0"/>
+          </a:p>
+          <a:p>
+            <a:endParaRPr lang="en-IN" dirty="0"/>
+          </a:p>
+        </p:txBody>
+      </p:sp>
+      <p:pic>
+        <p:nvPicPr>
+          <p:cNvPr id="4" name="Graphic 3">
+            <a:extLst>
+              <a:ext uri="{FF2B5EF4-FFF2-40B4-BE49-F238E27FC236}">
+                <a16:creationId xmlns:a16="http://schemas.microsoft.com/office/drawing/2014/main" id="{B66B7850-BF32-D213-6023-893436BC9B0F}"/>
+              </a:ext>
+            </a:extLst>
+          </p:cNvPr>
+          <p:cNvPicPr>
+            <a:picLocks noChangeAspect="1"/>
+          </p:cNvPicPr>
+          <p:nvPr/>
+        </p:nvPicPr>
+        <p:blipFill>
+          <a:blip r:embed="rId2">
+            <a:extLst>
+              <a:ext uri="{96DAC541-7B7A-43D3-8B79-37D633B846F1}">
+                <asvg:svgBlip xmlns:asvg="http://schemas.microsoft.com/office/drawing/2016/SVG/main" r:embed="rId3"/>
+              </a:ext>
+            </a:extLst>
+          </a:blip>
+          <a:stretch>
+            <a:fillRect/>
+          </a:stretch>
+        </p:blipFill>
+        <p:spPr>
+          <a:xfrm>
+            <a:off x="8378093" y="4535819"/>
+            <a:ext cx="3735572" cy="2134612"/>
+          </a:xfrm>
+          <a:prstGeom prst="rect">
+            <a:avLst/>
+          </a:prstGeom>
+        </p:spPr>
+      </p:pic>
+      <p:pic>
+        <p:nvPicPr>
+          <p:cNvPr id="5" name="Picture 4">
+            <a:extLst>
+              <a:ext uri="{FF2B5EF4-FFF2-40B4-BE49-F238E27FC236}">
+                <a16:creationId xmlns:a16="http://schemas.microsoft.com/office/drawing/2014/main" id="{8D247244-CEA2-F44E-48F1-FB7F9D1FE7BC}"/>
+              </a:ext>
+            </a:extLst>
+          </p:cNvPr>
+          <p:cNvPicPr>
+            <a:picLocks noChangeAspect="1"/>
+          </p:cNvPicPr>
+          <p:nvPr/>
+        </p:nvPicPr>
+        <p:blipFill>
+          <a:blip r:embed="rId4">
+            <a:extLst>
+              <a:ext uri="{28A0092B-C50C-407E-A947-70E740481C1C}">
+                <a14:useLocalDpi xmlns:a14="http://schemas.microsoft.com/office/drawing/2010/main" val="0"/>
+              </a:ext>
+            </a:extLst>
+          </a:blip>
+          <a:stretch>
+            <a:fillRect/>
+          </a:stretch>
+        </p:blipFill>
+        <p:spPr>
+          <a:xfrm>
+            <a:off x="9292494" y="0"/>
+            <a:ext cx="2481386" cy="2481386"/>
+          </a:xfrm>
+          <a:prstGeom prst="rect">
+            <a:avLst/>
+          </a:prstGeom>
+        </p:spPr>
+      </p:pic>
+    </p:spTree>
+    <p:extLst>
+      <p:ext uri="{BB962C8B-B14F-4D97-AF65-F5344CB8AC3E}">
+        <p14:creationId xmlns:p14="http://schemas.microsoft.com/office/powerpoint/2010/main" val="616789115"/>
+      </p:ext>
+    </p:extLst>
+  </p:cSld>
+  <p:clrMapOvr>
+    <a:masterClrMapping/>
+  </p:clrMapOvr>
+</p:sld>
+</file>
+
+<file path=ppt/slides/slide29.xml><?xml version="1.0" encoding="utf-8"?>
+<p:sld xmlns:a="http://schemas.openxmlformats.org/drawingml/2006/main" xmlns:r="http://schemas.openxmlformats.org/officeDocument/2006/relationships" xmlns:p="http://schemas.openxmlformats.org/presentationml/2006/main">
+  <p:cSld>
+    <p:spTree>
+      <p:nvGrpSpPr>
+        <p:cNvPr id="1" name=""/>
+        <p:cNvGrpSpPr/>
+        <p:nvPr/>
+      </p:nvGrpSpPr>
+      <p:grpSpPr>
+        <a:xfrm>
+          <a:off x="0" y="0"/>
+          <a:ext cx="0" cy="0"/>
+          <a:chOff x="0" y="0"/>
+          <a:chExt cx="0" cy="0"/>
+        </a:xfrm>
+      </p:grpSpPr>
+      <p:sp>
+        <p:nvSpPr>
+          <p:cNvPr id="2" name="Title 1">
+            <a:extLst>
+              <a:ext uri="{FF2B5EF4-FFF2-40B4-BE49-F238E27FC236}">
+                <a16:creationId xmlns:a16="http://schemas.microsoft.com/office/drawing/2014/main" id="{205C5DEC-E960-CD38-46A4-179C9D757418}"/>
+              </a:ext>
+            </a:extLst>
+          </p:cNvPr>
+          <p:cNvSpPr>
+            <a:spLocks noGrp="1"/>
+          </p:cNvSpPr>
+          <p:nvPr>
+            <p:ph type="title"/>
+          </p:nvPr>
+        </p:nvSpPr>
+        <p:spPr/>
+        <p:txBody>
+          <a:bodyPr/>
+          <a:lstStyle/>
+          <a:p>
+            <a:r>
+              <a:rPr lang="en-IN" dirty="0"/>
+              <a:t>Ranking</a:t>
+            </a:r>
+          </a:p>
+        </p:txBody>
+      </p:sp>
+      <p:sp>
+        <p:nvSpPr>
+          <p:cNvPr id="3" name="Content Placeholder 2">
+            <a:extLst>
+              <a:ext uri="{FF2B5EF4-FFF2-40B4-BE49-F238E27FC236}">
+                <a16:creationId xmlns:a16="http://schemas.microsoft.com/office/drawing/2014/main" id="{BBD927BE-4496-3867-66D2-3BAD53ED7B63}"/>
+              </a:ext>
+            </a:extLst>
+          </p:cNvPr>
+          <p:cNvSpPr>
+            <a:spLocks noGrp="1"/>
+          </p:cNvSpPr>
+          <p:nvPr>
+            <p:ph idx="1"/>
+          </p:nvPr>
+        </p:nvSpPr>
+        <p:spPr/>
+        <p:txBody>
+          <a:bodyPr>
+            <a:normAutofit fontScale="92500" lnSpcReduction="20000"/>
+          </a:bodyPr>
+          <a:lstStyle/>
+          <a:p>
+            <a:r>
+              <a:rPr lang="en-IN" dirty="0"/>
+              <a:t>For top 5 customers</a:t>
+            </a:r>
+          </a:p>
+          <a:p>
+            <a:endParaRPr lang="en-IN" dirty="0"/>
+          </a:p>
+          <a:p>
+            <a:r>
+              <a:rPr lang="en-IN" dirty="0"/>
+              <a:t>SELECT TOP 5</a:t>
+            </a:r>
+          </a:p>
+          <a:p>
+            <a:r>
+              <a:rPr lang="en-IN" dirty="0"/>
+              <a:t>C.CUSTOMER_ID,</a:t>
+            </a:r>
+          </a:p>
+          <a:p>
+            <a:r>
+              <a:rPr lang="en-US" dirty="0"/>
+              <a:t>SUM(F.TOTAL_AMOUNT) AS REVENUE</a:t>
+            </a:r>
+          </a:p>
+          <a:p>
+            <a:r>
+              <a:rPr lang="en-US" dirty="0"/>
+              <a:t>FROM GOLD.FACT_SALES_EXTENDED F</a:t>
+            </a:r>
+          </a:p>
+          <a:p>
+            <a:r>
+              <a:rPr lang="en-US" dirty="0"/>
+              <a:t>JOIN GOLD.DIM_CUSTOMER C</a:t>
+            </a:r>
+          </a:p>
+          <a:p>
+            <a:r>
+              <a:rPr lang="en-US" dirty="0"/>
+              <a:t>ON F.CUSTOMER_ID=C.CUSTOMER_ID</a:t>
+            </a:r>
+          </a:p>
+          <a:p>
+            <a:r>
+              <a:rPr lang="en-US" dirty="0"/>
+              <a:t>GROUP BY C.CUSTOMER_ID</a:t>
+            </a:r>
+          </a:p>
+          <a:p>
+            <a:r>
+              <a:rPr lang="en-IN" dirty="0"/>
+              <a:t>ORDER BY REVENUE DESC</a:t>
+            </a:r>
+          </a:p>
+        </p:txBody>
+      </p:sp>
+      <p:pic>
+        <p:nvPicPr>
+          <p:cNvPr id="4" name="Graphic 3">
+            <a:extLst>
+              <a:ext uri="{FF2B5EF4-FFF2-40B4-BE49-F238E27FC236}">
+                <a16:creationId xmlns:a16="http://schemas.microsoft.com/office/drawing/2014/main" id="{200A4B4B-C0A4-EB8D-1D53-24F309D881BC}"/>
+              </a:ext>
+            </a:extLst>
+          </p:cNvPr>
+          <p:cNvPicPr>
+            <a:picLocks noChangeAspect="1"/>
+          </p:cNvPicPr>
+          <p:nvPr/>
+        </p:nvPicPr>
+        <p:blipFill>
+          <a:blip r:embed="rId2">
+            <a:extLst>
+              <a:ext uri="{96DAC541-7B7A-43D3-8B79-37D633B846F1}">
+                <asvg:svgBlip xmlns:asvg="http://schemas.microsoft.com/office/drawing/2016/SVG/main" r:embed="rId3"/>
+              </a:ext>
+            </a:extLst>
+          </a:blip>
+          <a:stretch>
+            <a:fillRect/>
+          </a:stretch>
+        </p:blipFill>
+        <p:spPr>
+          <a:xfrm>
+            <a:off x="8378093" y="4535819"/>
+            <a:ext cx="3735572" cy="2134612"/>
+          </a:xfrm>
+          <a:prstGeom prst="rect">
+            <a:avLst/>
+          </a:prstGeom>
+        </p:spPr>
+      </p:pic>
+      <p:pic>
+        <p:nvPicPr>
+          <p:cNvPr id="5" name="Picture 4">
+            <a:extLst>
+              <a:ext uri="{FF2B5EF4-FFF2-40B4-BE49-F238E27FC236}">
+                <a16:creationId xmlns:a16="http://schemas.microsoft.com/office/drawing/2014/main" id="{9027FEF9-ADB0-696C-66A8-C3623F754AE2}"/>
+              </a:ext>
+            </a:extLst>
+          </p:cNvPr>
+          <p:cNvPicPr>
+            <a:picLocks noChangeAspect="1"/>
+          </p:cNvPicPr>
+          <p:nvPr/>
+        </p:nvPicPr>
+        <p:blipFill>
+          <a:blip r:embed="rId4">
+            <a:extLst>
+              <a:ext uri="{28A0092B-C50C-407E-A947-70E740481C1C}">
+                <a14:useLocalDpi xmlns:a14="http://schemas.microsoft.com/office/drawing/2010/main" val="0"/>
+              </a:ext>
+            </a:extLst>
+          </a:blip>
+          <a:stretch>
+            <a:fillRect/>
+          </a:stretch>
+        </p:blipFill>
+        <p:spPr>
+          <a:xfrm>
+            <a:off x="9292494" y="0"/>
+            <a:ext cx="2481386" cy="2481386"/>
+          </a:xfrm>
+          <a:prstGeom prst="rect">
+            <a:avLst/>
+          </a:prstGeom>
+        </p:spPr>
+      </p:pic>
+    </p:spTree>
+    <p:extLst>
+      <p:ext uri="{BB962C8B-B14F-4D97-AF65-F5344CB8AC3E}">
+        <p14:creationId xmlns:p14="http://schemas.microsoft.com/office/powerpoint/2010/main" val="4201310555"/>
       </p:ext>
     </p:extLst>
   </p:cSld>
